--- a/Project/Project C.pptx
+++ b/Project/Project C.pptx
@@ -969,6 +969,115 @@
         </p:nvSpPr>
         <p:spPr/>
         <p:txBody>
+          <a:bodyPr/>
+          <a:lstStyle/>
+          <a:p>
+            <a:endParaRPr lang="it-IT" dirty="0"/>
+          </a:p>
+        </p:txBody>
+      </p:sp>
+      <p:sp>
+        <p:nvSpPr>
+          <p:cNvPr id="4" name="Segnaposto data 3"/>
+          <p:cNvSpPr>
+            <a:spLocks noGrp="1"/>
+          </p:cNvSpPr>
+          <p:nvPr>
+            <p:ph type="dt" idx="1"/>
+          </p:nvPr>
+        </p:nvSpPr>
+        <p:spPr/>
+        <p:txBody>
+          <a:bodyPr/>
+          <a:lstStyle/>
+          <a:p>
+            <a:pPr rtl="0"/>
+            <a:fld id="{48B9F0A1-F219-446B-A3CE-307DCA1AC676}" type="datetime1">
+              <a:rPr lang="it-IT" smtClean="0"/>
+              <a:t>09/01/2023</a:t>
+            </a:fld>
+            <a:endParaRPr lang="it-IT" dirty="0"/>
+          </a:p>
+        </p:txBody>
+      </p:sp>
+      <p:sp>
+        <p:nvSpPr>
+          <p:cNvPr id="5" name="Segnaposto numero diapositiva 4"/>
+          <p:cNvSpPr>
+            <a:spLocks noGrp="1"/>
+          </p:cNvSpPr>
+          <p:nvPr>
+            <p:ph type="sldNum" sz="quarter" idx="5"/>
+          </p:nvPr>
+        </p:nvSpPr>
+        <p:spPr/>
+        <p:txBody>
+          <a:bodyPr/>
+          <a:lstStyle/>
+          <a:p>
+            <a:pPr rtl="0"/>
+            <a:fld id="{E7CCE34D-CFF1-4FFE-815B-D050E7ED2DFD}" type="slidenum">
+              <a:rPr lang="it-IT" noProof="0" smtClean="0"/>
+              <a:t>4</a:t>
+            </a:fld>
+            <a:endParaRPr lang="it-IT" noProof="0" dirty="0"/>
+          </a:p>
+        </p:txBody>
+      </p:sp>
+    </p:spTree>
+    <p:extLst>
+      <p:ext uri="{BB962C8B-B14F-4D97-AF65-F5344CB8AC3E}">
+        <p14:creationId xmlns:p14="http://schemas.microsoft.com/office/powerpoint/2010/main" val="700364349"/>
+      </p:ext>
+    </p:extLst>
+  </p:cSld>
+  <p:clrMapOvr>
+    <a:masterClrMapping/>
+  </p:clrMapOvr>
+</p:notes>
+</file>
+
+<file path=ppt/notesSlides/notesSlide4.xml><?xml version="1.0" encoding="utf-8"?>
+<p:notes xmlns:a="http://schemas.openxmlformats.org/drawingml/2006/main" xmlns:r="http://schemas.openxmlformats.org/officeDocument/2006/relationships" xmlns:p="http://schemas.openxmlformats.org/presentationml/2006/main">
+  <p:cSld>
+    <p:spTree>
+      <p:nvGrpSpPr>
+        <p:cNvPr id="1" name=""/>
+        <p:cNvGrpSpPr/>
+        <p:nvPr/>
+      </p:nvGrpSpPr>
+      <p:grpSpPr>
+        <a:xfrm>
+          <a:off x="0" y="0"/>
+          <a:ext cx="0" cy="0"/>
+          <a:chOff x="0" y="0"/>
+          <a:chExt cx="0" cy="0"/>
+        </a:xfrm>
+      </p:grpSpPr>
+      <p:sp>
+        <p:nvSpPr>
+          <p:cNvPr id="2" name="Segnaposto immagine diapositiva 1"/>
+          <p:cNvSpPr>
+            <a:spLocks noGrp="1" noRot="1" noChangeAspect="1"/>
+          </p:cNvSpPr>
+          <p:nvPr>
+            <p:ph type="sldImg"/>
+          </p:nvPr>
+        </p:nvSpPr>
+        <p:spPr/>
+      </p:sp>
+      <p:sp>
+        <p:nvSpPr>
+          <p:cNvPr id="3" name="Segnaposto note 2"/>
+          <p:cNvSpPr>
+            <a:spLocks noGrp="1"/>
+          </p:cNvSpPr>
+          <p:nvPr>
+            <p:ph type="body" idx="1"/>
+          </p:nvPr>
+        </p:nvSpPr>
+        <p:spPr/>
+        <p:txBody>
           <a:bodyPr rtlCol="0"/>
           <a:lstStyle/>
           <a:p>
@@ -1044,7 +1153,7 @@
 </p:notes>
 </file>
 
-<file path=ppt/notesSlides/notesSlide4.xml><?xml version="1.0" encoding="utf-8"?>
+<file path=ppt/notesSlides/notesSlide5.xml><?xml version="1.0" encoding="utf-8"?>
 <p:notes xmlns:a="http://schemas.openxmlformats.org/drawingml/2006/main" xmlns:r="http://schemas.openxmlformats.org/officeDocument/2006/relationships" xmlns:p="http://schemas.openxmlformats.org/presentationml/2006/main">
   <p:cSld>
     <p:spTree>
@@ -13526,64 +13635,6 @@
       </p:sp>
       <p:sp>
         <p:nvSpPr>
-          <p:cNvPr id="2" name="Segnaposto data 1">
-            <a:extLst>
-              <a:ext uri="{FF2B5EF4-FFF2-40B4-BE49-F238E27FC236}">
-                <a16:creationId xmlns:a16="http://schemas.microsoft.com/office/drawing/2014/main" id="{2910D835-B454-4270-BB35-86A187307E6F}"/>
-              </a:ext>
-            </a:extLst>
-          </p:cNvPr>
-          <p:cNvSpPr>
-            <a:spLocks noGrp="1"/>
-          </p:cNvSpPr>
-          <p:nvPr>
-            <p:ph type="dt" sz="half" idx="10"/>
-          </p:nvPr>
-        </p:nvSpPr>
-        <p:spPr/>
-        <p:txBody>
-          <a:bodyPr rtlCol="0"/>
-          <a:lstStyle/>
-          <a:p>
-            <a:pPr rtl="0"/>
-            <a:r>
-              <a:rPr lang="it-IT" dirty="0"/>
-              <a:t>Martedì 2 febbraio 20XX</a:t>
-            </a:r>
-          </a:p>
-        </p:txBody>
-      </p:sp>
-      <p:sp>
-        <p:nvSpPr>
-          <p:cNvPr id="3" name="Segnaposto piè di pagina 2">
-            <a:extLst>
-              <a:ext uri="{FF2B5EF4-FFF2-40B4-BE49-F238E27FC236}">
-                <a16:creationId xmlns:a16="http://schemas.microsoft.com/office/drawing/2014/main" id="{7F7F653B-90B5-4F47-A33F-93DCB2EF68C2}"/>
-              </a:ext>
-            </a:extLst>
-          </p:cNvPr>
-          <p:cNvSpPr>
-            <a:spLocks noGrp="1"/>
-          </p:cNvSpPr>
-          <p:nvPr>
-            <p:ph type="ftr" sz="quarter" idx="11"/>
-          </p:nvPr>
-        </p:nvSpPr>
-        <p:spPr/>
-        <p:txBody>
-          <a:bodyPr rtlCol="0"/>
-          <a:lstStyle/>
-          <a:p>
-            <a:pPr rtl="0"/>
-            <a:r>
-              <a:rPr lang="it-IT" dirty="0"/>
-              <a:t>Testo del piè di pagina di esempio</a:t>
-            </a:r>
-          </a:p>
-        </p:txBody>
-      </p:sp>
-      <p:sp>
-        <p:nvSpPr>
           <p:cNvPr id="4" name="Segnaposto numero diapositiva 3">
             <a:extLst>
               <a:ext uri="{FF2B5EF4-FFF2-40B4-BE49-F238E27FC236}">
@@ -13745,66 +13796,6 @@
       </p:sp>
       <p:sp>
         <p:nvSpPr>
-          <p:cNvPr id="4" name="Segnaposto data 3">
-            <a:extLst>
-              <a:ext uri="{FF2B5EF4-FFF2-40B4-BE49-F238E27FC236}">
-                <a16:creationId xmlns:a16="http://schemas.microsoft.com/office/drawing/2014/main" id="{B00BAA92-4D93-B502-D535-458496AC6F28}"/>
-              </a:ext>
-            </a:extLst>
-          </p:cNvPr>
-          <p:cNvSpPr>
-            <a:spLocks noGrp="1"/>
-          </p:cNvSpPr>
-          <p:nvPr>
-            <p:ph type="dt" sz="half" idx="10"/>
-          </p:nvPr>
-        </p:nvSpPr>
-        <p:spPr/>
-        <p:txBody>
-          <a:bodyPr/>
-          <a:lstStyle/>
-          <a:p>
-            <a:pPr rtl="0"/>
-            <a:r>
-              <a:rPr lang="it-IT"/>
-              <a:t>Martedì 2 febbraio 20XX</a:t>
-            </a:r>
-            <a:endParaRPr lang="it-IT" dirty="0"/>
-          </a:p>
-        </p:txBody>
-      </p:sp>
-      <p:sp>
-        <p:nvSpPr>
-          <p:cNvPr id="5" name="Segnaposto piè di pagina 4">
-            <a:extLst>
-              <a:ext uri="{FF2B5EF4-FFF2-40B4-BE49-F238E27FC236}">
-                <a16:creationId xmlns:a16="http://schemas.microsoft.com/office/drawing/2014/main" id="{BB051832-ADE8-DA71-8AEE-C0C07BDAE68D}"/>
-              </a:ext>
-            </a:extLst>
-          </p:cNvPr>
-          <p:cNvSpPr>
-            <a:spLocks noGrp="1"/>
-          </p:cNvSpPr>
-          <p:nvPr>
-            <p:ph type="ftr" sz="quarter" idx="11"/>
-          </p:nvPr>
-        </p:nvSpPr>
-        <p:spPr/>
-        <p:txBody>
-          <a:bodyPr/>
-          <a:lstStyle/>
-          <a:p>
-            <a:pPr rtl="0"/>
-            <a:r>
-              <a:rPr lang="it-IT"/>
-              <a:t>Testo del piè di pagina di esempio</a:t>
-            </a:r>
-            <a:endParaRPr lang="it-IT" dirty="0"/>
-          </a:p>
-        </p:txBody>
-      </p:sp>
-      <p:sp>
-        <p:nvSpPr>
           <p:cNvPr id="6" name="Segnaposto numero diapositiva 5">
             <a:extLst>
               <a:ext uri="{FF2B5EF4-FFF2-40B4-BE49-F238E27FC236}">
@@ -13925,66 +13916,6 @@
           </a:xfrm>
         </p:spPr>
       </p:pic>
-      <p:sp>
-        <p:nvSpPr>
-          <p:cNvPr id="4" name="Segnaposto data 3">
-            <a:extLst>
-              <a:ext uri="{FF2B5EF4-FFF2-40B4-BE49-F238E27FC236}">
-                <a16:creationId xmlns:a16="http://schemas.microsoft.com/office/drawing/2014/main" id="{4182E112-E1D3-669C-F51E-22BF0800D5BD}"/>
-              </a:ext>
-            </a:extLst>
-          </p:cNvPr>
-          <p:cNvSpPr>
-            <a:spLocks noGrp="1"/>
-          </p:cNvSpPr>
-          <p:nvPr>
-            <p:ph type="dt" sz="half" idx="10"/>
-          </p:nvPr>
-        </p:nvSpPr>
-        <p:spPr/>
-        <p:txBody>
-          <a:bodyPr/>
-          <a:lstStyle/>
-          <a:p>
-            <a:pPr rtl="0"/>
-            <a:r>
-              <a:rPr lang="it-IT"/>
-              <a:t>Martedì 2 febbraio 20XX</a:t>
-            </a:r>
-            <a:endParaRPr lang="it-IT" dirty="0"/>
-          </a:p>
-        </p:txBody>
-      </p:sp>
-      <p:sp>
-        <p:nvSpPr>
-          <p:cNvPr id="5" name="Segnaposto piè di pagina 4">
-            <a:extLst>
-              <a:ext uri="{FF2B5EF4-FFF2-40B4-BE49-F238E27FC236}">
-                <a16:creationId xmlns:a16="http://schemas.microsoft.com/office/drawing/2014/main" id="{497964E5-347E-AD52-9F23-DA287EE3C2E8}"/>
-              </a:ext>
-            </a:extLst>
-          </p:cNvPr>
-          <p:cNvSpPr>
-            <a:spLocks noGrp="1"/>
-          </p:cNvSpPr>
-          <p:nvPr>
-            <p:ph type="ftr" sz="quarter" idx="11"/>
-          </p:nvPr>
-        </p:nvSpPr>
-        <p:spPr/>
-        <p:txBody>
-          <a:bodyPr/>
-          <a:lstStyle/>
-          <a:p>
-            <a:pPr rtl="0"/>
-            <a:r>
-              <a:rPr lang="it-IT"/>
-              <a:t>Testo del piè di pagina di esempio</a:t>
-            </a:r>
-            <a:endParaRPr lang="it-IT" dirty="0"/>
-          </a:p>
-        </p:txBody>
-      </p:sp>
       <p:sp>
         <p:nvSpPr>
           <p:cNvPr id="6" name="Segnaposto numero diapositiva 5">
@@ -14155,64 +14086,6 @@
               <a:t>Results obtained by the simulation.</a:t>
             </a:r>
             <a:endParaRPr lang="en-US" dirty="0"/>
-          </a:p>
-        </p:txBody>
-      </p:sp>
-      <p:sp>
-        <p:nvSpPr>
-          <p:cNvPr id="2" name="Segnaposto data 1">
-            <a:extLst>
-              <a:ext uri="{FF2B5EF4-FFF2-40B4-BE49-F238E27FC236}">
-                <a16:creationId xmlns:a16="http://schemas.microsoft.com/office/drawing/2014/main" id="{2910D835-B454-4270-BB35-86A187307E6F}"/>
-              </a:ext>
-            </a:extLst>
-          </p:cNvPr>
-          <p:cNvSpPr>
-            <a:spLocks noGrp="1"/>
-          </p:cNvSpPr>
-          <p:nvPr>
-            <p:ph type="dt" sz="half" idx="10"/>
-          </p:nvPr>
-        </p:nvSpPr>
-        <p:spPr/>
-        <p:txBody>
-          <a:bodyPr rtlCol="0"/>
-          <a:lstStyle/>
-          <a:p>
-            <a:pPr rtl="0"/>
-            <a:r>
-              <a:rPr lang="it-IT" dirty="0"/>
-              <a:t>Martedì 2 febbraio 20XX</a:t>
-            </a:r>
-          </a:p>
-        </p:txBody>
-      </p:sp>
-      <p:sp>
-        <p:nvSpPr>
-          <p:cNvPr id="3" name="Segnaposto piè di pagina 2">
-            <a:extLst>
-              <a:ext uri="{FF2B5EF4-FFF2-40B4-BE49-F238E27FC236}">
-                <a16:creationId xmlns:a16="http://schemas.microsoft.com/office/drawing/2014/main" id="{7F7F653B-90B5-4F47-A33F-93DCB2EF68C2}"/>
-              </a:ext>
-            </a:extLst>
-          </p:cNvPr>
-          <p:cNvSpPr>
-            <a:spLocks noGrp="1"/>
-          </p:cNvSpPr>
-          <p:nvPr>
-            <p:ph type="ftr" sz="quarter" idx="11"/>
-          </p:nvPr>
-        </p:nvSpPr>
-        <p:spPr/>
-        <p:txBody>
-          <a:bodyPr rtlCol="0"/>
-          <a:lstStyle/>
-          <a:p>
-            <a:pPr rtl="0"/>
-            <a:r>
-              <a:rPr lang="it-IT" dirty="0"/>
-              <a:t>Testo del piè di pagina di esempio</a:t>
-            </a:r>
           </a:p>
         </p:txBody>
       </p:sp>
@@ -15769,74 +15642,6 @@
       </p:graphicFrame>
       <p:sp>
         <p:nvSpPr>
-          <p:cNvPr id="14" name="Segnaposto data 13">
-            <a:extLst>
-              <a:ext uri="{FF2B5EF4-FFF2-40B4-BE49-F238E27FC236}">
-                <a16:creationId xmlns:a16="http://schemas.microsoft.com/office/drawing/2014/main" id="{DC738669-5750-45EA-9715-A0041D4C569B}"/>
-              </a:ext>
-            </a:extLst>
-          </p:cNvPr>
-          <p:cNvSpPr>
-            <a:spLocks noGrp="1"/>
-          </p:cNvSpPr>
-          <p:nvPr>
-            <p:ph type="dt" sz="half" idx="10"/>
-          </p:nvPr>
-        </p:nvSpPr>
-        <p:spPr>
-          <a:xfrm>
-            <a:off x="550863" y="6507212"/>
-            <a:ext cx="2628900" cy="153888"/>
-          </a:xfrm>
-        </p:spPr>
-        <p:txBody>
-          <a:bodyPr rtlCol="0"/>
-          <a:lstStyle/>
-          <a:p>
-            <a:pPr rtl="0"/>
-            <a:r>
-              <a:rPr lang="it-IT"/>
-              <a:t>Martedì 2 febbraio 20XX</a:t>
-            </a:r>
-          </a:p>
-        </p:txBody>
-      </p:sp>
-      <p:sp>
-        <p:nvSpPr>
-          <p:cNvPr id="15" name="Segnaposto piè di pagina 14">
-            <a:extLst>
-              <a:ext uri="{FF2B5EF4-FFF2-40B4-BE49-F238E27FC236}">
-                <a16:creationId xmlns:a16="http://schemas.microsoft.com/office/drawing/2014/main" id="{CD05A243-8080-4F6D-8538-65CDDF891BA6}"/>
-              </a:ext>
-            </a:extLst>
-          </p:cNvPr>
-          <p:cNvSpPr>
-            <a:spLocks noGrp="1"/>
-          </p:cNvSpPr>
-          <p:nvPr>
-            <p:ph type="ftr" sz="quarter" idx="11"/>
-          </p:nvPr>
-        </p:nvSpPr>
-        <p:spPr>
-          <a:xfrm>
-            <a:off x="3359150" y="6507212"/>
-            <a:ext cx="6379210" cy="153888"/>
-          </a:xfrm>
-        </p:spPr>
-        <p:txBody>
-          <a:bodyPr rtlCol="0"/>
-          <a:lstStyle/>
-          <a:p>
-            <a:pPr rtl="0"/>
-            <a:r>
-              <a:rPr lang="it-IT"/>
-              <a:t>Testo del piè di pagina di esempio</a:t>
-            </a:r>
-          </a:p>
-        </p:txBody>
-      </p:sp>
-      <p:sp>
-        <p:nvSpPr>
           <p:cNvPr id="16" name="Segnaposto numero diapositiva 15">
             <a:extLst>
               <a:ext uri="{FF2B5EF4-FFF2-40B4-BE49-F238E27FC236}">
@@ -15978,66 +15783,6 @@
       </p:sp>
       <p:sp>
         <p:nvSpPr>
-          <p:cNvPr id="4" name="Segnaposto data 3">
-            <a:extLst>
-              <a:ext uri="{FF2B5EF4-FFF2-40B4-BE49-F238E27FC236}">
-                <a16:creationId xmlns:a16="http://schemas.microsoft.com/office/drawing/2014/main" id="{8127440E-C040-D3A8-5B0E-28A6F074B496}"/>
-              </a:ext>
-            </a:extLst>
-          </p:cNvPr>
-          <p:cNvSpPr>
-            <a:spLocks noGrp="1"/>
-          </p:cNvSpPr>
-          <p:nvPr>
-            <p:ph type="dt" sz="half" idx="10"/>
-          </p:nvPr>
-        </p:nvSpPr>
-        <p:spPr/>
-        <p:txBody>
-          <a:bodyPr/>
-          <a:lstStyle/>
-          <a:p>
-            <a:pPr rtl="0"/>
-            <a:r>
-              <a:rPr lang="it-IT"/>
-              <a:t>Martedì 2 febbraio 20XX</a:t>
-            </a:r>
-            <a:endParaRPr lang="it-IT" dirty="0"/>
-          </a:p>
-        </p:txBody>
-      </p:sp>
-      <p:sp>
-        <p:nvSpPr>
-          <p:cNvPr id="5" name="Segnaposto piè di pagina 4">
-            <a:extLst>
-              <a:ext uri="{FF2B5EF4-FFF2-40B4-BE49-F238E27FC236}">
-                <a16:creationId xmlns:a16="http://schemas.microsoft.com/office/drawing/2014/main" id="{556F4039-9AB2-53EF-B808-F25733090522}"/>
-              </a:ext>
-            </a:extLst>
-          </p:cNvPr>
-          <p:cNvSpPr>
-            <a:spLocks noGrp="1"/>
-          </p:cNvSpPr>
-          <p:nvPr>
-            <p:ph type="ftr" sz="quarter" idx="11"/>
-          </p:nvPr>
-        </p:nvSpPr>
-        <p:spPr/>
-        <p:txBody>
-          <a:bodyPr/>
-          <a:lstStyle/>
-          <a:p>
-            <a:pPr rtl="0"/>
-            <a:r>
-              <a:rPr lang="it-IT"/>
-              <a:t>Testo del piè di pagina di esempio</a:t>
-            </a:r>
-            <a:endParaRPr lang="it-IT" dirty="0"/>
-          </a:p>
-        </p:txBody>
-      </p:sp>
-      <p:sp>
-        <p:nvSpPr>
           <p:cNvPr id="6" name="Segnaposto numero diapositiva 5">
             <a:extLst>
               <a:ext uri="{FF2B5EF4-FFF2-40B4-BE49-F238E27FC236}">
@@ -16168,65 +15913,6 @@
                 </a:schemeClr>
               </a:solidFill>
             </a:endParaRPr>
-          </a:p>
-        </p:txBody>
-      </p:sp>
-      <p:sp>
-        <p:nvSpPr>
-          <p:cNvPr id="9" name="Segnaposto data 8">
-            <a:extLst>
-              <a:ext uri="{FF2B5EF4-FFF2-40B4-BE49-F238E27FC236}">
-                <a16:creationId xmlns:a16="http://schemas.microsoft.com/office/drawing/2014/main" id="{22951F51-2964-2F51-3819-BE2E750987A7}"/>
-              </a:ext>
-            </a:extLst>
-          </p:cNvPr>
-          <p:cNvSpPr>
-            <a:spLocks noGrp="1"/>
-          </p:cNvSpPr>
-          <p:nvPr>
-            <p:ph type="dt" sz="half" idx="10"/>
-          </p:nvPr>
-        </p:nvSpPr>
-        <p:spPr/>
-        <p:txBody>
-          <a:bodyPr/>
-          <a:lstStyle/>
-          <a:p>
-            <a:pPr rtl="0"/>
-            <a:r>
-              <a:rPr lang="it-IT"/>
-              <a:t>Martedì 2 febbraio 20XX</a:t>
-            </a:r>
-            <a:endParaRPr lang="it-IT" dirty="0"/>
-          </a:p>
-        </p:txBody>
-      </p:sp>
-      <p:sp>
-        <p:nvSpPr>
-          <p:cNvPr id="10" name="Segnaposto piè di pagina 9">
-            <a:extLst>
-              <a:ext uri="{FF2B5EF4-FFF2-40B4-BE49-F238E27FC236}">
-                <a16:creationId xmlns:a16="http://schemas.microsoft.com/office/drawing/2014/main" id="{46C8177D-9079-F301-6265-AEF60967E01D}"/>
-              </a:ext>
-            </a:extLst>
-          </p:cNvPr>
-          <p:cNvSpPr>
-            <a:spLocks noGrp="1"/>
-          </p:cNvSpPr>
-          <p:nvPr>
-            <p:ph type="ftr" sz="quarter" idx="11"/>
-          </p:nvPr>
-        </p:nvSpPr>
-        <p:spPr/>
-        <p:txBody>
-          <a:bodyPr/>
-          <a:lstStyle/>
-          <a:p>
-            <a:pPr rtl="0"/>
-            <a:r>
-              <a:rPr lang="it-IT"/>
-              <a:t>Testo del piè di pagina di esempio</a:t>
-            </a:r>
           </a:p>
         </p:txBody>
       </p:sp>
@@ -16923,7 +16609,7 @@
             </a:pPr>
             <a:r>
               <a:rPr lang="en-US" dirty="0"/>
-              <a:t>JMT simulation</a:t>
+              <a:t>JMT Simulation</a:t>
             </a:r>
           </a:p>
           <a:p>
@@ -17044,74 +16730,6 @@
           </a:xfrm>
         </p:spPr>
       </p:pic>
-      <p:sp>
-        <p:nvSpPr>
-          <p:cNvPr id="13" name="Segnaposto data 12">
-            <a:extLst>
-              <a:ext uri="{FF2B5EF4-FFF2-40B4-BE49-F238E27FC236}">
-                <a16:creationId xmlns:a16="http://schemas.microsoft.com/office/drawing/2014/main" id="{915FE2C5-E66A-4405-B19E-2C5C546C98E4}"/>
-              </a:ext>
-            </a:extLst>
-          </p:cNvPr>
-          <p:cNvSpPr>
-            <a:spLocks noGrp="1"/>
-          </p:cNvSpPr>
-          <p:nvPr>
-            <p:ph type="dt" sz="half" idx="10"/>
-          </p:nvPr>
-        </p:nvSpPr>
-        <p:spPr>
-          <a:xfrm>
-            <a:off x="550863" y="6507212"/>
-            <a:ext cx="2628900" cy="153888"/>
-          </a:xfrm>
-        </p:spPr>
-        <p:txBody>
-          <a:bodyPr rtlCol="0"/>
-          <a:lstStyle/>
-          <a:p>
-            <a:pPr rtl="0"/>
-            <a:r>
-              <a:rPr lang="it-IT"/>
-              <a:t>Martedì 2 febbraio 20XX</a:t>
-            </a:r>
-          </a:p>
-        </p:txBody>
-      </p:sp>
-      <p:sp>
-        <p:nvSpPr>
-          <p:cNvPr id="14" name="Segnaposto piè di pagina 13">
-            <a:extLst>
-              <a:ext uri="{FF2B5EF4-FFF2-40B4-BE49-F238E27FC236}">
-                <a16:creationId xmlns:a16="http://schemas.microsoft.com/office/drawing/2014/main" id="{B01DF4D0-78BC-4C8C-9570-26F0B225433A}"/>
-              </a:ext>
-            </a:extLst>
-          </p:cNvPr>
-          <p:cNvSpPr>
-            <a:spLocks noGrp="1"/>
-          </p:cNvSpPr>
-          <p:nvPr>
-            <p:ph type="ftr" sz="quarter" idx="11"/>
-          </p:nvPr>
-        </p:nvSpPr>
-        <p:spPr>
-          <a:xfrm>
-            <a:off x="3359150" y="6507212"/>
-            <a:ext cx="6379210" cy="153888"/>
-          </a:xfrm>
-        </p:spPr>
-        <p:txBody>
-          <a:bodyPr rtlCol="0"/>
-          <a:lstStyle/>
-          <a:p>
-            <a:pPr rtl="0"/>
-            <a:r>
-              <a:rPr lang="it-IT"/>
-              <a:t>Testo del piè di pagina di esempio</a:t>
-            </a:r>
-          </a:p>
-        </p:txBody>
-      </p:sp>
       <p:sp>
         <p:nvSpPr>
           <p:cNvPr id="15" name="Segnaposto numero diapositiva 14">
@@ -18351,64 +17969,6 @@
       </p:sp>
       <p:sp>
         <p:nvSpPr>
-          <p:cNvPr id="2" name="Segnaposto data 1">
-            <a:extLst>
-              <a:ext uri="{FF2B5EF4-FFF2-40B4-BE49-F238E27FC236}">
-                <a16:creationId xmlns:a16="http://schemas.microsoft.com/office/drawing/2014/main" id="{2910D835-B454-4270-BB35-86A187307E6F}"/>
-              </a:ext>
-            </a:extLst>
-          </p:cNvPr>
-          <p:cNvSpPr>
-            <a:spLocks noGrp="1"/>
-          </p:cNvSpPr>
-          <p:nvPr>
-            <p:ph type="dt" sz="half" idx="10"/>
-          </p:nvPr>
-        </p:nvSpPr>
-        <p:spPr/>
-        <p:txBody>
-          <a:bodyPr rtlCol="0"/>
-          <a:lstStyle/>
-          <a:p>
-            <a:pPr rtl="0"/>
-            <a:r>
-              <a:rPr lang="it-IT" dirty="0"/>
-              <a:t>Martedì 2 febbraio 20XX</a:t>
-            </a:r>
-          </a:p>
-        </p:txBody>
-      </p:sp>
-      <p:sp>
-        <p:nvSpPr>
-          <p:cNvPr id="3" name="Segnaposto piè di pagina 2">
-            <a:extLst>
-              <a:ext uri="{FF2B5EF4-FFF2-40B4-BE49-F238E27FC236}">
-                <a16:creationId xmlns:a16="http://schemas.microsoft.com/office/drawing/2014/main" id="{7F7F653B-90B5-4F47-A33F-93DCB2EF68C2}"/>
-              </a:ext>
-            </a:extLst>
-          </p:cNvPr>
-          <p:cNvSpPr>
-            <a:spLocks noGrp="1"/>
-          </p:cNvSpPr>
-          <p:nvPr>
-            <p:ph type="ftr" sz="quarter" idx="11"/>
-          </p:nvPr>
-        </p:nvSpPr>
-        <p:spPr/>
-        <p:txBody>
-          <a:bodyPr rtlCol="0"/>
-          <a:lstStyle/>
-          <a:p>
-            <a:pPr rtl="0"/>
-            <a:r>
-              <a:rPr lang="it-IT" dirty="0"/>
-              <a:t>Testo del piè di pagina di esempio</a:t>
-            </a:r>
-          </a:p>
-        </p:txBody>
-      </p:sp>
-      <p:sp>
-        <p:nvSpPr>
           <p:cNvPr id="4" name="Segnaposto numero diapositiva 3">
             <a:extLst>
               <a:ext uri="{FF2B5EF4-FFF2-40B4-BE49-F238E27FC236}">
@@ -18566,40 +18126,32 @@
             </a:pPr>
             <a:r>
               <a:rPr lang="en-US" sz="1800" dirty="0"/>
-              <a:t>The graph on the left contains the traces with the following distribution functions:</a:t>
+              <a:t>The graphs on the left contains the traces with the following distribution functions:</a:t>
             </a:r>
           </a:p>
           <a:p>
             <a:r>
-              <a:rPr lang="it-IT" sz="1800" dirty="0" err="1"/>
+              <a:rPr lang="en-US" sz="1800" dirty="0"/>
               <a:t>Uniform</a:t>
             </a:r>
-            <a:endParaRPr lang="it-IT" sz="1800" dirty="0"/>
           </a:p>
           <a:p>
             <a:r>
-              <a:rPr lang="it-IT" sz="1800" dirty="0" err="1"/>
+              <a:rPr lang="en-US" sz="1800" dirty="0"/>
               <a:t>Exponential</a:t>
             </a:r>
-            <a:endParaRPr lang="it-IT" sz="1800" dirty="0"/>
           </a:p>
           <a:p>
             <a:r>
-              <a:rPr lang="it-IT" sz="1800" dirty="0"/>
-              <a:t>Hypo-</a:t>
+              <a:rPr lang="en-US" sz="1800" dirty="0"/>
+              <a:t>Hypo-exponential</a:t>
             </a:r>
+          </a:p>
+          <a:p>
             <a:r>
-              <a:rPr lang="it-IT" sz="1800" dirty="0" err="1"/>
-              <a:t>exponential</a:t>
-            </a:r>
-            <a:endParaRPr lang="it-IT" sz="1800" dirty="0"/>
-          </a:p>
-          <a:p>
-            <a:r>
-              <a:rPr lang="it-IT" sz="1800" dirty="0" err="1"/>
+              <a:rPr lang="en-US" sz="1800" dirty="0"/>
               <a:t>Hyper-exponential</a:t>
             </a:r>
-            <a:endParaRPr lang="it-IT" sz="1800" dirty="0"/>
           </a:p>
           <a:p>
             <a:r>
@@ -18649,66 +18201,25 @@
             </a:pPr>
             <a:r>
               <a:rPr lang="en-US" sz="1800" dirty="0"/>
-              <a:t>The graph on the right contains the traces with the best fitting among the distributions used.</a:t>
+              <a:t>The graphs on the right contains the traces with the best fitting among the distributions used.</a:t>
             </a:r>
-            <a:endParaRPr lang="it-IT" sz="1800" dirty="0"/>
-          </a:p>
-        </p:txBody>
-      </p:sp>
-      <p:sp>
-        <p:nvSpPr>
-          <p:cNvPr id="7" name="Segnaposto data 6">
-            <a:extLst>
-              <a:ext uri="{FF2B5EF4-FFF2-40B4-BE49-F238E27FC236}">
-                <a16:creationId xmlns:a16="http://schemas.microsoft.com/office/drawing/2014/main" id="{06BAA3F2-55AA-56BA-E3BF-02BB6176CF29}"/>
-              </a:ext>
-            </a:extLst>
-          </p:cNvPr>
-          <p:cNvSpPr>
-            <a:spLocks noGrp="1"/>
-          </p:cNvSpPr>
-          <p:nvPr>
-            <p:ph type="dt" sz="half" idx="10"/>
-          </p:nvPr>
-        </p:nvSpPr>
-        <p:spPr/>
-        <p:txBody>
-          <a:bodyPr/>
-          <a:lstStyle/>
-          <a:p>
-            <a:pPr rtl="0"/>
+          </a:p>
+          <a:p>
+            <a:pPr marL="0" indent="0">
+              <a:buNone/>
+            </a:pPr>
             <a:r>
-              <a:rPr lang="it-IT"/>
-              <a:t>Martedì 2 febbraio 20XX</a:t>
+              <a:rPr lang="en-US" sz="1800" dirty="0"/>
+              <a:t>If multiple distributions fits the simpler is chosen.</a:t>
             </a:r>
           </a:p>
-        </p:txBody>
-      </p:sp>
-      <p:sp>
-        <p:nvSpPr>
-          <p:cNvPr id="8" name="Segnaposto piè di pagina 7">
-            <a:extLst>
-              <a:ext uri="{FF2B5EF4-FFF2-40B4-BE49-F238E27FC236}">
-                <a16:creationId xmlns:a16="http://schemas.microsoft.com/office/drawing/2014/main" id="{6081842A-42D8-5315-44F5-3120B9E6B4C7}"/>
-              </a:ext>
-            </a:extLst>
-          </p:cNvPr>
-          <p:cNvSpPr>
-            <a:spLocks noGrp="1"/>
-          </p:cNvSpPr>
-          <p:nvPr>
-            <p:ph type="ftr" sz="quarter" idx="11"/>
-          </p:nvPr>
-        </p:nvSpPr>
-        <p:spPr/>
-        <p:txBody>
-          <a:bodyPr/>
-          <a:lstStyle/>
-          <a:p>
-            <a:pPr rtl="0"/>
+          <a:p>
+            <a:pPr marL="0" indent="0">
+              <a:buNone/>
+            </a:pPr>
             <a:r>
-              <a:rPr lang="it-IT"/>
-              <a:t>Testo del piè di pagina di esempio</a:t>
+              <a:rPr lang="en-US" sz="1800" dirty="0"/>
+              <a:t>Example: in Test all distribution, except for Uniform, perfectly fits the Trace given, for that reason the exponential distribution function was chosen.</a:t>
             </a:r>
           </a:p>
         </p:txBody>
@@ -18799,64 +18310,6 @@
               <a:t>Fittings - Specification</a:t>
             </a:r>
             <a:endParaRPr lang="it-IT" dirty="0"/>
-          </a:p>
-        </p:txBody>
-      </p:sp>
-      <p:sp>
-        <p:nvSpPr>
-          <p:cNvPr id="5" name="Segnaposto data 4">
-            <a:extLst>
-              <a:ext uri="{FF2B5EF4-FFF2-40B4-BE49-F238E27FC236}">
-                <a16:creationId xmlns:a16="http://schemas.microsoft.com/office/drawing/2014/main" id="{0EA57593-5DA2-CA33-8AEC-44652ED34695}"/>
-              </a:ext>
-            </a:extLst>
-          </p:cNvPr>
-          <p:cNvSpPr>
-            <a:spLocks noGrp="1"/>
-          </p:cNvSpPr>
-          <p:nvPr>
-            <p:ph type="dt" sz="half" idx="10"/>
-          </p:nvPr>
-        </p:nvSpPr>
-        <p:spPr/>
-        <p:txBody>
-          <a:bodyPr/>
-          <a:lstStyle/>
-          <a:p>
-            <a:pPr rtl="0"/>
-            <a:r>
-              <a:rPr lang="it-IT"/>
-              <a:t>Martedì 2 febbraio 20XX</a:t>
-            </a:r>
-          </a:p>
-        </p:txBody>
-      </p:sp>
-      <p:sp>
-        <p:nvSpPr>
-          <p:cNvPr id="6" name="Segnaposto piè di pagina 5">
-            <a:extLst>
-              <a:ext uri="{FF2B5EF4-FFF2-40B4-BE49-F238E27FC236}">
-                <a16:creationId xmlns:a16="http://schemas.microsoft.com/office/drawing/2014/main" id="{531049C3-B71A-FDF1-B3AF-1B51C5170246}"/>
-              </a:ext>
-            </a:extLst>
-          </p:cNvPr>
-          <p:cNvSpPr>
-            <a:spLocks noGrp="1"/>
-          </p:cNvSpPr>
-          <p:nvPr>
-            <p:ph type="ftr" sz="quarter" idx="11"/>
-          </p:nvPr>
-        </p:nvSpPr>
-        <p:spPr/>
-        <p:txBody>
-          <a:bodyPr/>
-          <a:lstStyle/>
-          <a:p>
-            <a:pPr rtl="0"/>
-            <a:r>
-              <a:rPr lang="it-IT"/>
-              <a:t>Testo del piè di pagina di esempio</a:t>
-            </a:r>
           </a:p>
         </p:txBody>
       </p:sp>
@@ -19009,64 +18462,6 @@
       </p:sp>
       <p:sp>
         <p:nvSpPr>
-          <p:cNvPr id="5" name="Segnaposto data 4">
-            <a:extLst>
-              <a:ext uri="{FF2B5EF4-FFF2-40B4-BE49-F238E27FC236}">
-                <a16:creationId xmlns:a16="http://schemas.microsoft.com/office/drawing/2014/main" id="{0EA57593-5DA2-CA33-8AEC-44652ED34695}"/>
-              </a:ext>
-            </a:extLst>
-          </p:cNvPr>
-          <p:cNvSpPr>
-            <a:spLocks noGrp="1"/>
-          </p:cNvSpPr>
-          <p:nvPr>
-            <p:ph type="dt" sz="half" idx="10"/>
-          </p:nvPr>
-        </p:nvSpPr>
-        <p:spPr/>
-        <p:txBody>
-          <a:bodyPr/>
-          <a:lstStyle/>
-          <a:p>
-            <a:pPr rtl="0"/>
-            <a:r>
-              <a:rPr lang="it-IT"/>
-              <a:t>Martedì 2 febbraio 20XX</a:t>
-            </a:r>
-          </a:p>
-        </p:txBody>
-      </p:sp>
-      <p:sp>
-        <p:nvSpPr>
-          <p:cNvPr id="6" name="Segnaposto piè di pagina 5">
-            <a:extLst>
-              <a:ext uri="{FF2B5EF4-FFF2-40B4-BE49-F238E27FC236}">
-                <a16:creationId xmlns:a16="http://schemas.microsoft.com/office/drawing/2014/main" id="{531049C3-B71A-FDF1-B3AF-1B51C5170246}"/>
-              </a:ext>
-            </a:extLst>
-          </p:cNvPr>
-          <p:cNvSpPr>
-            <a:spLocks noGrp="1"/>
-          </p:cNvSpPr>
-          <p:nvPr>
-            <p:ph type="ftr" sz="quarter" idx="11"/>
-          </p:nvPr>
-        </p:nvSpPr>
-        <p:spPr/>
-        <p:txBody>
-          <a:bodyPr/>
-          <a:lstStyle/>
-          <a:p>
-            <a:pPr rtl="0"/>
-            <a:r>
-              <a:rPr lang="it-IT"/>
-              <a:t>Testo del piè di pagina di esempio</a:t>
-            </a:r>
-          </a:p>
-        </p:txBody>
-      </p:sp>
-      <p:sp>
-        <p:nvSpPr>
           <p:cNvPr id="7" name="Segnaposto numero diapositiva 6">
             <a:extLst>
               <a:ext uri="{FF2B5EF4-FFF2-40B4-BE49-F238E27FC236}">
@@ -19214,64 +18609,6 @@
       </p:sp>
       <p:sp>
         <p:nvSpPr>
-          <p:cNvPr id="5" name="Segnaposto data 4">
-            <a:extLst>
-              <a:ext uri="{FF2B5EF4-FFF2-40B4-BE49-F238E27FC236}">
-                <a16:creationId xmlns:a16="http://schemas.microsoft.com/office/drawing/2014/main" id="{0EA57593-5DA2-CA33-8AEC-44652ED34695}"/>
-              </a:ext>
-            </a:extLst>
-          </p:cNvPr>
-          <p:cNvSpPr>
-            <a:spLocks noGrp="1"/>
-          </p:cNvSpPr>
-          <p:nvPr>
-            <p:ph type="dt" sz="half" idx="10"/>
-          </p:nvPr>
-        </p:nvSpPr>
-        <p:spPr/>
-        <p:txBody>
-          <a:bodyPr/>
-          <a:lstStyle/>
-          <a:p>
-            <a:pPr rtl="0"/>
-            <a:r>
-              <a:rPr lang="it-IT"/>
-              <a:t>Martedì 2 febbraio 20XX</a:t>
-            </a:r>
-          </a:p>
-        </p:txBody>
-      </p:sp>
-      <p:sp>
-        <p:nvSpPr>
-          <p:cNvPr id="6" name="Segnaposto piè di pagina 5">
-            <a:extLst>
-              <a:ext uri="{FF2B5EF4-FFF2-40B4-BE49-F238E27FC236}">
-                <a16:creationId xmlns:a16="http://schemas.microsoft.com/office/drawing/2014/main" id="{531049C3-B71A-FDF1-B3AF-1B51C5170246}"/>
-              </a:ext>
-            </a:extLst>
-          </p:cNvPr>
-          <p:cNvSpPr>
-            <a:spLocks noGrp="1"/>
-          </p:cNvSpPr>
-          <p:nvPr>
-            <p:ph type="ftr" sz="quarter" idx="11"/>
-          </p:nvPr>
-        </p:nvSpPr>
-        <p:spPr/>
-        <p:txBody>
-          <a:bodyPr/>
-          <a:lstStyle/>
-          <a:p>
-            <a:pPr rtl="0"/>
-            <a:r>
-              <a:rPr lang="it-IT"/>
-              <a:t>Testo del piè di pagina di esempio</a:t>
-            </a:r>
-          </a:p>
-        </p:txBody>
-      </p:sp>
-      <p:sp>
-        <p:nvSpPr>
           <p:cNvPr id="7" name="Segnaposto numero diapositiva 6">
             <a:extLst>
               <a:ext uri="{FF2B5EF4-FFF2-40B4-BE49-F238E27FC236}">
@@ -19419,64 +18756,6 @@
       </p:sp>
       <p:sp>
         <p:nvSpPr>
-          <p:cNvPr id="5" name="Segnaposto data 4">
-            <a:extLst>
-              <a:ext uri="{FF2B5EF4-FFF2-40B4-BE49-F238E27FC236}">
-                <a16:creationId xmlns:a16="http://schemas.microsoft.com/office/drawing/2014/main" id="{0EA57593-5DA2-CA33-8AEC-44652ED34695}"/>
-              </a:ext>
-            </a:extLst>
-          </p:cNvPr>
-          <p:cNvSpPr>
-            <a:spLocks noGrp="1"/>
-          </p:cNvSpPr>
-          <p:nvPr>
-            <p:ph type="dt" sz="half" idx="10"/>
-          </p:nvPr>
-        </p:nvSpPr>
-        <p:spPr/>
-        <p:txBody>
-          <a:bodyPr/>
-          <a:lstStyle/>
-          <a:p>
-            <a:pPr rtl="0"/>
-            <a:r>
-              <a:rPr lang="it-IT"/>
-              <a:t>Martedì 2 febbraio 20XX</a:t>
-            </a:r>
-          </a:p>
-        </p:txBody>
-      </p:sp>
-      <p:sp>
-        <p:nvSpPr>
-          <p:cNvPr id="6" name="Segnaposto piè di pagina 5">
-            <a:extLst>
-              <a:ext uri="{FF2B5EF4-FFF2-40B4-BE49-F238E27FC236}">
-                <a16:creationId xmlns:a16="http://schemas.microsoft.com/office/drawing/2014/main" id="{531049C3-B71A-FDF1-B3AF-1B51C5170246}"/>
-              </a:ext>
-            </a:extLst>
-          </p:cNvPr>
-          <p:cNvSpPr>
-            <a:spLocks noGrp="1"/>
-          </p:cNvSpPr>
-          <p:nvPr>
-            <p:ph type="ftr" sz="quarter" idx="11"/>
-          </p:nvPr>
-        </p:nvSpPr>
-        <p:spPr/>
-        <p:txBody>
-          <a:bodyPr/>
-          <a:lstStyle/>
-          <a:p>
-            <a:pPr rtl="0"/>
-            <a:r>
-              <a:rPr lang="it-IT"/>
-              <a:t>Testo del piè di pagina di esempio</a:t>
-            </a:r>
-          </a:p>
-        </p:txBody>
-      </p:sp>
-      <p:sp>
-        <p:nvSpPr>
           <p:cNvPr id="7" name="Segnaposto numero diapositiva 6">
             <a:extLst>
               <a:ext uri="{FF2B5EF4-FFF2-40B4-BE49-F238E27FC236}">
@@ -19619,64 +18898,6 @@
               <a:t>Fittings - Test</a:t>
             </a:r>
             <a:endParaRPr lang="it-IT" dirty="0"/>
-          </a:p>
-        </p:txBody>
-      </p:sp>
-      <p:sp>
-        <p:nvSpPr>
-          <p:cNvPr id="5" name="Segnaposto data 4">
-            <a:extLst>
-              <a:ext uri="{FF2B5EF4-FFF2-40B4-BE49-F238E27FC236}">
-                <a16:creationId xmlns:a16="http://schemas.microsoft.com/office/drawing/2014/main" id="{0EA57593-5DA2-CA33-8AEC-44652ED34695}"/>
-              </a:ext>
-            </a:extLst>
-          </p:cNvPr>
-          <p:cNvSpPr>
-            <a:spLocks noGrp="1"/>
-          </p:cNvSpPr>
-          <p:nvPr>
-            <p:ph type="dt" sz="half" idx="10"/>
-          </p:nvPr>
-        </p:nvSpPr>
-        <p:spPr/>
-        <p:txBody>
-          <a:bodyPr/>
-          <a:lstStyle/>
-          <a:p>
-            <a:pPr rtl="0"/>
-            <a:r>
-              <a:rPr lang="it-IT"/>
-              <a:t>Martedì 2 febbraio 20XX</a:t>
-            </a:r>
-          </a:p>
-        </p:txBody>
-      </p:sp>
-      <p:sp>
-        <p:nvSpPr>
-          <p:cNvPr id="6" name="Segnaposto piè di pagina 5">
-            <a:extLst>
-              <a:ext uri="{FF2B5EF4-FFF2-40B4-BE49-F238E27FC236}">
-                <a16:creationId xmlns:a16="http://schemas.microsoft.com/office/drawing/2014/main" id="{531049C3-B71A-FDF1-B3AF-1B51C5170246}"/>
-              </a:ext>
-            </a:extLst>
-          </p:cNvPr>
-          <p:cNvSpPr>
-            <a:spLocks noGrp="1"/>
-          </p:cNvSpPr>
-          <p:nvPr>
-            <p:ph type="ftr" sz="quarter" idx="11"/>
-          </p:nvPr>
-        </p:nvSpPr>
-        <p:spPr/>
-        <p:txBody>
-          <a:bodyPr/>
-          <a:lstStyle/>
-          <a:p>
-            <a:pPr rtl="0"/>
-            <a:r>
-              <a:rPr lang="it-IT"/>
-              <a:t>Testo del piè di pagina di esempio</a:t>
-            </a:r>
           </a:p>
         </p:txBody>
       </p:sp>
@@ -20573,22 +19794,12 @@
 </file>
 
 <file path=customXml/item1.xml><?xml version="1.0" encoding="utf-8"?>
-<p:properties xmlns:p="http://schemas.microsoft.com/office/2006/metadata/properties" xmlns:xsi="http://www.w3.org/2001/XMLSchema-instance" xmlns:pc="http://schemas.microsoft.com/office/infopath/2007/PartnerControls">
-  <documentManagement>
-    <_ip_UnifiedCompliancePolicyUIAction xmlns="http://schemas.microsoft.com/sharepoint/v3" xsi:nil="true"/>
-    <Image xmlns="71af3243-3dd4-4a8d-8c0d-dd76da1f02a5">
-      <Url xsi:nil="true"/>
-      <Description xsi:nil="true"/>
-    </Image>
-    <Status xmlns="71af3243-3dd4-4a8d-8c0d-dd76da1f02a5">Not started</Status>
-    <_ip_UnifiedCompliancePolicyProperties xmlns="http://schemas.microsoft.com/sharepoint/v3" xsi:nil="true"/>
-    <lcf76f155ced4ddcb4097134ff3c332f xmlns="71af3243-3dd4-4a8d-8c0d-dd76da1f02a5">
-      <Terms xmlns="http://schemas.microsoft.com/office/infopath/2007/PartnerControls"/>
-    </lcf76f155ced4ddcb4097134ff3c332f>
-    <TaxCatchAll xmlns="230e9df3-be65-4c73-a93b-d1236ebd677e"/>
-    <MediaServiceKeyPoints xmlns="71af3243-3dd4-4a8d-8c0d-dd76da1f02a5" xsi:nil="true"/>
-  </documentManagement>
-</p:properties>
+<?mso-contentType ?>
+<FormTemplates xmlns="http://schemas.microsoft.com/sharepoint/v3/contenttype/forms">
+  <Display>DocumentLibraryForm</Display>
+  <Edit>DocumentLibraryForm</Edit>
+  <New>DocumentLibraryForm</New>
+</FormTemplates>
 </file>
 
 <file path=customXml/item2.xml><?xml version="1.0" encoding="utf-8"?>
@@ -20868,22 +20079,28 @@
 </file>
 
 <file path=customXml/item3.xml><?xml version="1.0" encoding="utf-8"?>
-<?mso-contentType ?>
-<FormTemplates xmlns="http://schemas.microsoft.com/sharepoint/v3/contenttype/forms">
-  <Display>DocumentLibraryForm</Display>
-  <Edit>DocumentLibraryForm</Edit>
-  <New>DocumentLibraryForm</New>
-</FormTemplates>
+<p:properties xmlns:p="http://schemas.microsoft.com/office/2006/metadata/properties" xmlns:xsi="http://www.w3.org/2001/XMLSchema-instance" xmlns:pc="http://schemas.microsoft.com/office/infopath/2007/PartnerControls">
+  <documentManagement>
+    <_ip_UnifiedCompliancePolicyUIAction xmlns="http://schemas.microsoft.com/sharepoint/v3" xsi:nil="true"/>
+    <Image xmlns="71af3243-3dd4-4a8d-8c0d-dd76da1f02a5">
+      <Url xsi:nil="true"/>
+      <Description xsi:nil="true"/>
+    </Image>
+    <Status xmlns="71af3243-3dd4-4a8d-8c0d-dd76da1f02a5">Not started</Status>
+    <_ip_UnifiedCompliancePolicyProperties xmlns="http://schemas.microsoft.com/sharepoint/v3" xsi:nil="true"/>
+    <lcf76f155ced4ddcb4097134ff3c332f xmlns="71af3243-3dd4-4a8d-8c0d-dd76da1f02a5">
+      <Terms xmlns="http://schemas.microsoft.com/office/infopath/2007/PartnerControls"/>
+    </lcf76f155ced4ddcb4097134ff3c332f>
+    <TaxCatchAll xmlns="230e9df3-be65-4c73-a93b-d1236ebd677e"/>
+    <MediaServiceKeyPoints xmlns="71af3243-3dd4-4a8d-8c0d-dd76da1f02a5" xsi:nil="true"/>
+  </documentManagement>
+</p:properties>
 </file>
 
 <file path=customXml/itemProps1.xml><?xml version="1.0" encoding="utf-8"?>
-<ds:datastoreItem xmlns:ds="http://schemas.openxmlformats.org/officeDocument/2006/customXml" ds:itemID="{50811A92-D464-4AC4-A396-BA73B10CEEAC}">
+<ds:datastoreItem xmlns:ds="http://schemas.openxmlformats.org/officeDocument/2006/customXml" ds:itemID="{904751AB-E840-446F-8D49-E697067EC887}">
   <ds:schemaRefs>
-    <ds:schemaRef ds:uri="http://schemas.microsoft.com/office/2006/metadata/properties"/>
-    <ds:schemaRef ds:uri="http://schemas.microsoft.com/office/infopath/2007/PartnerControls"/>
-    <ds:schemaRef ds:uri="http://schemas.microsoft.com/sharepoint/v3"/>
-    <ds:schemaRef ds:uri="71af3243-3dd4-4a8d-8c0d-dd76da1f02a5"/>
-    <ds:schemaRef ds:uri="230e9df3-be65-4c73-a93b-d1236ebd677e"/>
+    <ds:schemaRef ds:uri="http://schemas.microsoft.com/sharepoint/v3/contenttype/forms"/>
   </ds:schemaRefs>
 </ds:datastoreItem>
 </file>
@@ -20910,9 +20127,13 @@
 </file>
 
 <file path=customXml/itemProps3.xml><?xml version="1.0" encoding="utf-8"?>
-<ds:datastoreItem xmlns:ds="http://schemas.openxmlformats.org/officeDocument/2006/customXml" ds:itemID="{904751AB-E840-446F-8D49-E697067EC887}">
+<ds:datastoreItem xmlns:ds="http://schemas.openxmlformats.org/officeDocument/2006/customXml" ds:itemID="{50811A92-D464-4AC4-A396-BA73B10CEEAC}">
   <ds:schemaRefs>
-    <ds:schemaRef ds:uri="http://schemas.microsoft.com/sharepoint/v3/contenttype/forms"/>
+    <ds:schemaRef ds:uri="http://schemas.microsoft.com/office/2006/metadata/properties"/>
+    <ds:schemaRef ds:uri="http://schemas.microsoft.com/office/infopath/2007/PartnerControls"/>
+    <ds:schemaRef ds:uri="http://schemas.microsoft.com/sharepoint/v3"/>
+    <ds:schemaRef ds:uri="71af3243-3dd4-4a8d-8c0d-dd76da1f02a5"/>
+    <ds:schemaRef ds:uri="230e9df3-be65-4c73-a93b-d1236ebd677e"/>
   </ds:schemaRefs>
 </ds:datastoreItem>
 </file>

--- a/Project/Project C.pptx
+++ b/Project/Project C.pptx
@@ -24,9 +24,9 @@
     <p:sldId id="402" r:id="rId15"/>
     <p:sldId id="401" r:id="rId16"/>
     <p:sldId id="400" r:id="rId17"/>
-    <p:sldId id="278" r:id="rId18"/>
-    <p:sldId id="403" r:id="rId19"/>
-    <p:sldId id="404" r:id="rId20"/>
+    <p:sldId id="403" r:id="rId18"/>
+    <p:sldId id="404" r:id="rId19"/>
+    <p:sldId id="405" r:id="rId20"/>
   </p:sldIdLst>
   <p:sldSz cx="12192000" cy="6858000"/>
   <p:notesSz cx="6858000" cy="9144000"/>
@@ -243,7 +243,7 @@
             <a:pPr rtl="0"/>
             <a:fld id="{6045FDDA-C8F8-4640-B291-3034A1C41F02}" type="datetime1">
               <a:rPr lang="it-IT" smtClean="0"/>
-              <a:t>09/01/2023</a:t>
+              <a:t>10/01/2023</a:t>
             </a:fld>
             <a:endParaRPr lang="it-IT" dirty="0"/>
           </a:p>
@@ -425,7 +425,7 @@
             <a:pPr rtl="0"/>
             <a:fld id="{48B9F0A1-F219-446B-A3CE-307DCA1AC676}" type="datetime1">
               <a:rPr lang="it-IT" smtClean="0"/>
-              <a:t>09/01/2023</a:t>
+              <a:t>10/01/2023</a:t>
             </a:fld>
             <a:endParaRPr lang="it-IT" dirty="0"/>
           </a:p>
@@ -793,7 +793,7 @@
             <a:pPr rtl="0"/>
             <a:fld id="{D4B92E9E-EF61-45A4-8936-73F55BFD2495}" type="datetime1">
               <a:rPr lang="it-IT" smtClean="0"/>
-              <a:t>09/01/2023</a:t>
+              <a:t>10/01/2023</a:t>
             </a:fld>
             <a:endParaRPr lang="it-IT" dirty="0"/>
           </a:p>
@@ -909,7 +909,7 @@
             <a:pPr rtl="0"/>
             <a:fld id="{52E4E523-994D-4DC1-A1D8-BBD0C9941BD3}" type="datetime1">
               <a:rPr lang="it-IT" smtClean="0"/>
-              <a:t>09/01/2023</a:t>
+              <a:t>10/01/2023</a:t>
             </a:fld>
             <a:endParaRPr lang="it-IT" dirty="0"/>
           </a:p>
@@ -994,7 +994,7 @@
             <a:pPr rtl="0"/>
             <a:fld id="{48B9F0A1-F219-446B-A3CE-307DCA1AC676}" type="datetime1">
               <a:rPr lang="it-IT" smtClean="0"/>
-              <a:t>09/01/2023</a:t>
+              <a:t>10/01/2023</a:t>
             </a:fld>
             <a:endParaRPr lang="it-IT" dirty="0"/>
           </a:p>
@@ -1134,7 +1134,7 @@
             <a:pPr rtl="0"/>
             <a:fld id="{52E4E523-994D-4DC1-A1D8-BBD0C9941BD3}" type="datetime1">
               <a:rPr lang="it-IT" smtClean="0"/>
-              <a:t>09/01/2023</a:t>
+              <a:t>10/01/2023</a:t>
             </a:fld>
             <a:endParaRPr lang="it-IT" dirty="0"/>
           </a:p>
@@ -1250,7 +1250,7 @@
             <a:pPr rtl="0"/>
             <a:fld id="{52E4E523-994D-4DC1-A1D8-BBD0C9941BD3}" type="datetime1">
               <a:rPr lang="it-IT" smtClean="0"/>
-              <a:t>09/01/2023</a:t>
+              <a:t>10/01/2023</a:t>
             </a:fld>
             <a:endParaRPr lang="it-IT" dirty="0"/>
           </a:p>
@@ -1260,6 +1260,115 @@
     <p:extLst>
       <p:ext uri="{BB962C8B-B14F-4D97-AF65-F5344CB8AC3E}">
         <p14:creationId xmlns:p14="http://schemas.microsoft.com/office/powerpoint/2010/main" val="3857150438"/>
+      </p:ext>
+    </p:extLst>
+  </p:cSld>
+  <p:clrMapOvr>
+    <a:masterClrMapping/>
+  </p:clrMapOvr>
+</p:notes>
+</file>
+
+<file path=ppt/notesSlides/notesSlide6.xml><?xml version="1.0" encoding="utf-8"?>
+<p:notes xmlns:a="http://schemas.openxmlformats.org/drawingml/2006/main" xmlns:r="http://schemas.openxmlformats.org/officeDocument/2006/relationships" xmlns:p="http://schemas.openxmlformats.org/presentationml/2006/main">
+  <p:cSld>
+    <p:spTree>
+      <p:nvGrpSpPr>
+        <p:cNvPr id="1" name=""/>
+        <p:cNvGrpSpPr/>
+        <p:nvPr/>
+      </p:nvGrpSpPr>
+      <p:grpSpPr>
+        <a:xfrm>
+          <a:off x="0" y="0"/>
+          <a:ext cx="0" cy="0"/>
+          <a:chOff x="0" y="0"/>
+          <a:chExt cx="0" cy="0"/>
+        </a:xfrm>
+      </p:grpSpPr>
+      <p:sp>
+        <p:nvSpPr>
+          <p:cNvPr id="2" name="Segnaposto immagine diapositiva 1"/>
+          <p:cNvSpPr>
+            <a:spLocks noGrp="1" noRot="1" noChangeAspect="1"/>
+          </p:cNvSpPr>
+          <p:nvPr>
+            <p:ph type="sldImg"/>
+          </p:nvPr>
+        </p:nvSpPr>
+        <p:spPr/>
+      </p:sp>
+      <p:sp>
+        <p:nvSpPr>
+          <p:cNvPr id="3" name="Segnaposto note 2"/>
+          <p:cNvSpPr>
+            <a:spLocks noGrp="1"/>
+          </p:cNvSpPr>
+          <p:nvPr>
+            <p:ph type="body" idx="1"/>
+          </p:nvPr>
+        </p:nvSpPr>
+        <p:spPr/>
+        <p:txBody>
+          <a:bodyPr/>
+          <a:lstStyle/>
+          <a:p>
+            <a:endParaRPr lang="it-IT" dirty="0"/>
+          </a:p>
+        </p:txBody>
+      </p:sp>
+      <p:sp>
+        <p:nvSpPr>
+          <p:cNvPr id="4" name="Segnaposto data 3"/>
+          <p:cNvSpPr>
+            <a:spLocks noGrp="1"/>
+          </p:cNvSpPr>
+          <p:nvPr>
+            <p:ph type="dt" idx="1"/>
+          </p:nvPr>
+        </p:nvSpPr>
+        <p:spPr/>
+        <p:txBody>
+          <a:bodyPr/>
+          <a:lstStyle/>
+          <a:p>
+            <a:pPr rtl="0"/>
+            <a:fld id="{48B9F0A1-F219-446B-A3CE-307DCA1AC676}" type="datetime1">
+              <a:rPr lang="it-IT" smtClean="0"/>
+              <a:t>10/01/2023</a:t>
+            </a:fld>
+            <a:endParaRPr lang="it-IT" dirty="0"/>
+          </a:p>
+        </p:txBody>
+      </p:sp>
+      <p:sp>
+        <p:nvSpPr>
+          <p:cNvPr id="5" name="Segnaposto numero diapositiva 4"/>
+          <p:cNvSpPr>
+            <a:spLocks noGrp="1"/>
+          </p:cNvSpPr>
+          <p:nvPr>
+            <p:ph type="sldNum" sz="quarter" idx="5"/>
+          </p:nvPr>
+        </p:nvSpPr>
+        <p:spPr/>
+        <p:txBody>
+          <a:bodyPr/>
+          <a:lstStyle/>
+          <a:p>
+            <a:pPr rtl="0"/>
+            <a:fld id="{E7CCE34D-CFF1-4FFE-815B-D050E7ED2DFD}" type="slidenum">
+              <a:rPr lang="it-IT" noProof="0" smtClean="0"/>
+              <a:t>15</a:t>
+            </a:fld>
+            <a:endParaRPr lang="it-IT" noProof="0" dirty="0"/>
+          </a:p>
+        </p:txBody>
+      </p:sp>
+    </p:spTree>
+    <p:extLst>
+      <p:ext uri="{BB962C8B-B14F-4D97-AF65-F5344CB8AC3E}">
+        <p14:creationId xmlns:p14="http://schemas.microsoft.com/office/powerpoint/2010/main" val="1595901083"/>
       </p:ext>
     </p:extLst>
   </p:cSld>
@@ -13520,37 +13629,6 @@
           <a:chExt cx="0" cy="0"/>
         </a:xfrm>
       </p:grpSpPr>
-      <p:pic>
-        <p:nvPicPr>
-          <p:cNvPr id="8" name="Segnaposto immagine 7" descr="Sfondo digitale punti dati">
-            <a:extLst>
-              <a:ext uri="{FF2B5EF4-FFF2-40B4-BE49-F238E27FC236}">
-                <a16:creationId xmlns:a16="http://schemas.microsoft.com/office/drawing/2014/main" id="{5FED7C55-F545-49A1-90FD-D853A25AB453}"/>
-              </a:ext>
-            </a:extLst>
-          </p:cNvPr>
-          <p:cNvPicPr>
-            <a:picLocks noGrp="1" noChangeAspect="1"/>
-          </p:cNvPicPr>
-          <p:nvPr>
-            <p:ph type="pic" sz="quarter" idx="13"/>
-          </p:nvPr>
-        </p:nvPicPr>
-        <p:blipFill>
-          <a:blip r:embed="rId3">
-            <a:extLst>
-              <a:ext uri="{28A0092B-C50C-407E-A947-70E740481C1C}">
-                <a14:useLocalDpi xmlns:a14="http://schemas.microsoft.com/office/drawing/2010/main" val="0"/>
-              </a:ext>
-            </a:extLst>
-          </a:blip>
-          <a:srcRect/>
-          <a:stretch>
-            <a:fillRect/>
-          </a:stretch>
-        </p:blipFill>
-        <p:spPr/>
-      </p:pic>
       <p:sp>
         <p:nvSpPr>
           <p:cNvPr id="15" name="Titolo 14">
@@ -13569,8 +13647,8 @@
         </p:nvSpPr>
         <p:spPr>
           <a:xfrm>
-            <a:off x="550863" y="549275"/>
-            <a:ext cx="5984408" cy="2986234"/>
+            <a:off x="7999414" y="1051551"/>
+            <a:ext cx="3565524" cy="2384898"/>
           </a:xfrm>
         </p:spPr>
         <p:txBody>
@@ -13587,6 +13665,41 @@
           </a:p>
         </p:txBody>
       </p:sp>
+      <p:pic>
+        <p:nvPicPr>
+          <p:cNvPr id="8" name="Segnaposto immagine 7" descr="Sfondo digitale punti dati">
+            <a:extLst>
+              <a:ext uri="{FF2B5EF4-FFF2-40B4-BE49-F238E27FC236}">
+                <a16:creationId xmlns:a16="http://schemas.microsoft.com/office/drawing/2014/main" id="{5FED7C55-F545-49A1-90FD-D853A25AB453}"/>
+              </a:ext>
+            </a:extLst>
+          </p:cNvPr>
+          <p:cNvPicPr>
+            <a:picLocks noGrp="1" noChangeAspect="1"/>
+          </p:cNvPicPr>
+          <p:nvPr>
+            <p:ph type="pic" sz="quarter" idx="13"/>
+          </p:nvPr>
+        </p:nvPicPr>
+        <p:blipFill rotWithShape="1">
+          <a:blip r:embed="rId3">
+            <a:extLst>
+              <a:ext uri="{28A0092B-C50C-407E-A947-70E740481C1C}">
+                <a14:useLocalDpi xmlns:a14="http://schemas.microsoft.com/office/drawing/2010/main" val="0"/>
+              </a:ext>
+            </a:extLst>
+          </a:blip>
+          <a:srcRect l="36308" r="2568"/>
+          <a:stretch/>
+        </p:blipFill>
+        <p:spPr>
+          <a:xfrm>
+            <a:off x="20" y="10"/>
+            <a:ext cx="7452340" cy="6857990"/>
+          </a:xfrm>
+          <a:noFill/>
+        </p:spPr>
+      </p:pic>
       <p:sp>
         <p:nvSpPr>
           <p:cNvPr id="16" name="Sottotitolo 15">
@@ -13600,13 +13713,13 @@
             <a:spLocks noGrp="1"/>
           </p:cNvSpPr>
           <p:nvPr>
-            <p:ph type="subTitle" idx="1"/>
+            <p:ph type="body" sz="quarter" idx="14"/>
           </p:nvPr>
         </p:nvSpPr>
         <p:spPr>
           <a:xfrm>
-            <a:off x="550863" y="3827610"/>
-            <a:ext cx="5437187" cy="2265216"/>
+            <a:off x="7999413" y="3568700"/>
+            <a:ext cx="3565524" cy="1731963"/>
           </a:xfrm>
         </p:spPr>
         <p:txBody>
@@ -13616,17 +13729,10 @@
           <a:lstStyle/>
           <a:p>
             <a:pPr marL="0" indent="0" rtl="0">
-              <a:lnSpc>
-                <a:spcPct val="100000"/>
-              </a:lnSpc>
               <a:buNone/>
             </a:pPr>
             <a:r>
-              <a:rPr lang="en-US" kern="1200" dirty="0">
-                <a:latin typeface="+mn-lt"/>
-                <a:ea typeface="+mn-ea"/>
-                <a:cs typeface="+mn-cs"/>
-              </a:rPr>
+              <a:rPr lang="en-US" kern="1200" dirty="0"/>
               <a:t>Simulation of the proposed problem.</a:t>
             </a:r>
             <a:endParaRPr lang="it-IT" dirty="0"/>
@@ -13635,7 +13741,7 @@
       </p:sp>
       <p:sp>
         <p:nvSpPr>
-          <p:cNvPr id="4" name="Segnaposto numero diapositiva 3">
+          <p:cNvPr id="4" name="Segnaposto numero diapositiva 3" hidden="1">
             <a:extLst>
               <a:ext uri="{FF2B5EF4-FFF2-40B4-BE49-F238E27FC236}">
                 <a16:creationId xmlns:a16="http://schemas.microsoft.com/office/drawing/2014/main" id="{E1E7D98D-6710-41D2-B258-E1A1059D29F8}"/>
@@ -13646,20 +13752,34 @@
             <a:spLocks noGrp="1"/>
           </p:cNvSpPr>
           <p:nvPr>
-            <p:ph type="sldNum" sz="quarter" idx="12"/>
-          </p:nvPr>
-        </p:nvSpPr>
-        <p:spPr/>
+            <p:ph type="sldNum" sz="quarter" idx="4294967295"/>
+          </p:nvPr>
+        </p:nvSpPr>
+        <p:spPr>
+          <a:xfrm>
+            <a:off x="9948863" y="6507212"/>
+            <a:ext cx="1692274" cy="153888"/>
+          </a:xfrm>
+        </p:spPr>
         <p:txBody>
           <a:bodyPr rtlCol="0"/>
           <a:lstStyle/>
           <a:p>
-            <a:pPr rtl="0"/>
+            <a:pPr rtl="0">
+              <a:spcAft>
+                <a:spcPts val="600"/>
+              </a:spcAft>
+            </a:pPr>
             <a:fld id="{DBA1B0FB-D917-4C8C-928F-313BD683BF39}" type="slidenum">
               <a:rPr lang="it-IT" smtClean="0"/>
+              <a:pPr rtl="0">
+                <a:spcAft>
+                  <a:spcPts val="600"/>
+                </a:spcAft>
+              </a:pPr>
               <a:t>10</a:t>
             </a:fld>
-            <a:endParaRPr lang="it-IT" dirty="0"/>
+            <a:endParaRPr lang="it-IT"/>
           </a:p>
         </p:txBody>
       </p:sp>
@@ -13740,8 +13860,8 @@
         </p:nvSpPr>
         <p:spPr>
           <a:xfrm>
-            <a:off x="499549" y="2113199"/>
-            <a:ext cx="11192902" cy="3979625"/>
+            <a:off x="499549" y="1736682"/>
+            <a:ext cx="11192902" cy="4484824"/>
           </a:xfrm>
         </p:spPr>
         <p:txBody>
@@ -13771,7 +13891,7 @@
           <a:p>
             <a:r>
               <a:rPr lang="en-US" dirty="0"/>
-              <a:t>No delay node, since there is no need to wait at the end of  the  Test department.</a:t>
+              <a:t>Since the model is a batch system no delay node is needed, so there is no need to wait at the end of  the  Test department.</a:t>
             </a:r>
           </a:p>
           <a:p>
@@ -13976,37 +14096,6 @@
           <a:chExt cx="0" cy="0"/>
         </a:xfrm>
       </p:grpSpPr>
-      <p:pic>
-        <p:nvPicPr>
-          <p:cNvPr id="8" name="Segnaposto immagine 7" descr="Sfondo digitale punti dati">
-            <a:extLst>
-              <a:ext uri="{FF2B5EF4-FFF2-40B4-BE49-F238E27FC236}">
-                <a16:creationId xmlns:a16="http://schemas.microsoft.com/office/drawing/2014/main" id="{5FED7C55-F545-49A1-90FD-D853A25AB453}"/>
-              </a:ext>
-            </a:extLst>
-          </p:cNvPr>
-          <p:cNvPicPr>
-            <a:picLocks noGrp="1" noChangeAspect="1"/>
-          </p:cNvPicPr>
-          <p:nvPr>
-            <p:ph type="pic" sz="quarter" idx="13"/>
-          </p:nvPr>
-        </p:nvPicPr>
-        <p:blipFill>
-          <a:blip r:embed="rId3">
-            <a:extLst>
-              <a:ext uri="{28A0092B-C50C-407E-A947-70E740481C1C}">
-                <a14:useLocalDpi xmlns:a14="http://schemas.microsoft.com/office/drawing/2010/main" val="0"/>
-              </a:ext>
-            </a:extLst>
-          </a:blip>
-          <a:srcRect/>
-          <a:stretch>
-            <a:fillRect/>
-          </a:stretch>
-        </p:blipFill>
-        <p:spPr/>
-      </p:pic>
       <p:sp>
         <p:nvSpPr>
           <p:cNvPr id="15" name="Titolo 14">
@@ -14025,8 +14114,8 @@
         </p:nvSpPr>
         <p:spPr>
           <a:xfrm>
-            <a:off x="550863" y="549275"/>
-            <a:ext cx="5984408" cy="2986234"/>
+            <a:off x="7999414" y="1051551"/>
+            <a:ext cx="3565524" cy="2384898"/>
           </a:xfrm>
         </p:spPr>
         <p:txBody>
@@ -14043,6 +14132,41 @@
           </a:p>
         </p:txBody>
       </p:sp>
+      <p:pic>
+        <p:nvPicPr>
+          <p:cNvPr id="5" name="Segnaposto immagine 11" descr="Sfondo dati">
+            <a:extLst>
+              <a:ext uri="{FF2B5EF4-FFF2-40B4-BE49-F238E27FC236}">
+                <a16:creationId xmlns:a16="http://schemas.microsoft.com/office/drawing/2014/main" id="{E768F37A-047F-A9F0-BFC0-14475385E9F6}"/>
+              </a:ext>
+            </a:extLst>
+          </p:cNvPr>
+          <p:cNvPicPr>
+            <a:picLocks noGrp="1" noChangeAspect="1"/>
+          </p:cNvPicPr>
+          <p:nvPr>
+            <p:ph type="pic" sz="quarter" idx="13"/>
+          </p:nvPr>
+        </p:nvPicPr>
+        <p:blipFill rotWithShape="1">
+          <a:blip r:embed="rId3" cstate="screen">
+            <a:extLst>
+              <a:ext uri="{28A0092B-C50C-407E-A947-70E740481C1C}">
+                <a14:useLocalDpi xmlns:a14="http://schemas.microsoft.com/office/drawing/2010/main" val="0"/>
+              </a:ext>
+            </a:extLst>
+          </a:blip>
+          <a:srcRect r="1" b="7976"/>
+          <a:stretch/>
+        </p:blipFill>
+        <p:spPr>
+          <a:xfrm>
+            <a:off x="0" y="0"/>
+            <a:ext cx="7451725" cy="6858000"/>
+          </a:xfrm>
+          <a:noFill/>
+        </p:spPr>
+      </p:pic>
       <p:sp>
         <p:nvSpPr>
           <p:cNvPr id="16" name="Sottotitolo 15">
@@ -14056,13 +14180,13 @@
             <a:spLocks noGrp="1"/>
           </p:cNvSpPr>
           <p:nvPr>
-            <p:ph type="subTitle" idx="1"/>
+            <p:ph type="body" sz="quarter" idx="14"/>
           </p:nvPr>
         </p:nvSpPr>
         <p:spPr>
           <a:xfrm>
-            <a:off x="550863" y="3827610"/>
-            <a:ext cx="5437187" cy="2265216"/>
+            <a:off x="7999413" y="3568700"/>
+            <a:ext cx="3565524" cy="1731963"/>
           </a:xfrm>
         </p:spPr>
         <p:txBody>
@@ -14072,26 +14196,19 @@
           <a:lstStyle/>
           <a:p>
             <a:pPr marL="0" indent="0" rtl="0">
-              <a:lnSpc>
-                <a:spcPct val="100000"/>
-              </a:lnSpc>
               <a:buNone/>
             </a:pPr>
             <a:r>
-              <a:rPr lang="en-US" kern="1200" dirty="0">
-                <a:latin typeface="+mn-lt"/>
-                <a:ea typeface="+mn-ea"/>
-                <a:cs typeface="+mn-cs"/>
-              </a:rPr>
+              <a:rPr lang="en-US" kern="1200"/>
               <a:t>Results obtained by the simulation.</a:t>
             </a:r>
-            <a:endParaRPr lang="en-US" dirty="0"/>
+            <a:endParaRPr lang="en-US"/>
           </a:p>
         </p:txBody>
       </p:sp>
       <p:sp>
         <p:nvSpPr>
-          <p:cNvPr id="4" name="Segnaposto numero diapositiva 3">
+          <p:cNvPr id="4" name="Segnaposto numero diapositiva 3" hidden="1">
             <a:extLst>
               <a:ext uri="{FF2B5EF4-FFF2-40B4-BE49-F238E27FC236}">
                 <a16:creationId xmlns:a16="http://schemas.microsoft.com/office/drawing/2014/main" id="{E1E7D98D-6710-41D2-B258-E1A1059D29F8}"/>
@@ -14102,20 +14219,34 @@
             <a:spLocks noGrp="1"/>
           </p:cNvSpPr>
           <p:nvPr>
-            <p:ph type="sldNum" sz="quarter" idx="12"/>
-          </p:nvPr>
-        </p:nvSpPr>
-        <p:spPr/>
+            <p:ph type="sldNum" sz="quarter" idx="4294967295"/>
+          </p:nvPr>
+        </p:nvSpPr>
+        <p:spPr>
+          <a:xfrm>
+            <a:off x="9948863" y="6507212"/>
+            <a:ext cx="1692274" cy="153888"/>
+          </a:xfrm>
+        </p:spPr>
         <p:txBody>
           <a:bodyPr rtlCol="0"/>
           <a:lstStyle/>
           <a:p>
-            <a:pPr rtl="0"/>
+            <a:pPr rtl="0">
+              <a:spcAft>
+                <a:spcPts val="600"/>
+              </a:spcAft>
+            </a:pPr>
             <a:fld id="{DBA1B0FB-D917-4C8C-928F-313BD683BF39}" type="slidenum">
               <a:rPr lang="it-IT" smtClean="0"/>
+              <a:pPr rtl="0">
+                <a:spcAft>
+                  <a:spcPts val="600"/>
+                </a:spcAft>
+              </a:pPr>
               <a:t>13</a:t>
             </a:fld>
-            <a:endParaRPr lang="it-IT" dirty="0"/>
+            <a:endParaRPr lang="it-IT"/>
           </a:p>
         </p:txBody>
       </p:sp>
@@ -14154,7 +14285,7 @@
           <p:cNvPr id="2" name="Titolo 1">
             <a:extLst>
               <a:ext uri="{FF2B5EF4-FFF2-40B4-BE49-F238E27FC236}">
-                <a16:creationId xmlns:a16="http://schemas.microsoft.com/office/drawing/2014/main" id="{FCB102D8-1D22-4940-AF19-07CF3A0DC5F4}"/>
+                <a16:creationId xmlns:a16="http://schemas.microsoft.com/office/drawing/2014/main" id="{273C6A8E-F29C-EE88-FBC8-3E5D4E5FA747}"/>
               </a:ext>
             </a:extLst>
           </p:cNvPr>
@@ -14167,90 +14298,184 @@
         </p:nvSpPr>
         <p:spPr>
           <a:xfrm>
-            <a:off x="550862" y="549275"/>
-            <a:ext cx="11091600" cy="1332000"/>
+            <a:off x="550863" y="549275"/>
+            <a:ext cx="11090274" cy="1332000"/>
           </a:xfrm>
         </p:spPr>
         <p:txBody>
-          <a:bodyPr rtlCol="0"/>
+          <a:bodyPr wrap="square" anchor="t">
+            <a:normAutofit/>
+          </a:bodyPr>
           <a:lstStyle/>
           <a:p>
-            <a:pPr rtl="0"/>
             <a:r>
-              <a:rPr lang="it-IT" dirty="0"/>
-              <a:t>Result - Data</a:t>
+              <a:rPr lang="en-US" dirty="0"/>
+              <a:t>Results - Description</a:t>
             </a:r>
+            <a:endParaRPr lang="it-IT" dirty="0"/>
+          </a:p>
+        </p:txBody>
+      </p:sp>
+      <p:sp>
+        <p:nvSpPr>
+          <p:cNvPr id="3" name="Segnaposto contenuto 2">
+            <a:extLst>
+              <a:ext uri="{FF2B5EF4-FFF2-40B4-BE49-F238E27FC236}">
+                <a16:creationId xmlns:a16="http://schemas.microsoft.com/office/drawing/2014/main" id="{0BAD10A2-87DC-8C3F-1F83-407B49F1C7C7}"/>
+              </a:ext>
+            </a:extLst>
+          </p:cNvPr>
+          <p:cNvSpPr>
+            <a:spLocks noGrp="1"/>
+          </p:cNvSpPr>
+          <p:nvPr>
+            <p:ph sz="half" idx="2"/>
+          </p:nvPr>
+        </p:nvSpPr>
+        <p:spPr>
+          <a:xfrm>
+            <a:off x="6205537" y="1722104"/>
+            <a:ext cx="5435600" cy="3995650"/>
+          </a:xfrm>
+        </p:spPr>
+        <p:txBody>
+          <a:bodyPr wrap="square">
+            <a:normAutofit fontScale="92500" lnSpcReduction="10000"/>
+          </a:bodyPr>
+          <a:lstStyle/>
+          <a:p>
+            <a:r>
+              <a:rPr lang="en-US" dirty="0"/>
+              <a:t>The following results were obtained by a JMT simulation, with a confidence interval of 0.99.</a:t>
+            </a:r>
+          </a:p>
+          <a:p>
+            <a:r>
+              <a:rPr lang="en-US" dirty="0"/>
+              <a:t>From the following results we can see that the best tradeoff between throughput and project completion time is obtained when N is equal to 3 (also 2 gives good results but lower than 3 in mean). With N equals to 3, we can see that the confidence intervals are the same, but the mean value is slightly higher.</a:t>
+            </a:r>
+          </a:p>
+          <a:p>
+            <a:r>
+              <a:rPr lang="en-US" dirty="0"/>
+              <a:t>Since the results with N equals to 2 and 3 was nearly the same, I have computed the simulation different times and the overall maximum tradeoff was N equals to 3.</a:t>
+            </a:r>
+          </a:p>
+        </p:txBody>
+      </p:sp>
+      <p:sp>
+        <p:nvSpPr>
+          <p:cNvPr id="6" name="Segnaposto numero diapositiva 5">
+            <a:extLst>
+              <a:ext uri="{FF2B5EF4-FFF2-40B4-BE49-F238E27FC236}">
+                <a16:creationId xmlns:a16="http://schemas.microsoft.com/office/drawing/2014/main" id="{4040ABB6-7E64-61F7-64E3-034A65AED14F}"/>
+              </a:ext>
+            </a:extLst>
+          </p:cNvPr>
+          <p:cNvSpPr>
+            <a:spLocks noGrp="1"/>
+          </p:cNvSpPr>
+          <p:nvPr>
+            <p:ph type="sldNum" sz="quarter" idx="12"/>
+          </p:nvPr>
+        </p:nvSpPr>
+        <p:spPr>
+          <a:xfrm>
+            <a:off x="9948863" y="6507212"/>
+            <a:ext cx="1692274" cy="153888"/>
+          </a:xfrm>
+        </p:spPr>
+        <p:txBody>
+          <a:bodyPr wrap="square" anchor="ctr">
+            <a:normAutofit/>
+          </a:bodyPr>
+          <a:lstStyle/>
+          <a:p>
+            <a:pPr rtl="0">
+              <a:spcAft>
+                <a:spcPts val="600"/>
+              </a:spcAft>
+            </a:pPr>
+            <a:fld id="{DBA1B0FB-D917-4C8C-928F-313BD683BF39}" type="slidenum">
+              <a:rPr lang="it-IT" noProof="0" smtClean="0"/>
+              <a:pPr rtl="0">
+                <a:spcAft>
+                  <a:spcPts val="600"/>
+                </a:spcAft>
+              </a:pPr>
+              <a:t>14</a:t>
+            </a:fld>
+            <a:endParaRPr lang="it-IT" noProof="0"/>
           </a:p>
         </p:txBody>
       </p:sp>
       <p:graphicFrame>
         <p:nvGraphicFramePr>
-          <p:cNvPr id="13" name="Tabella 13">
-            <a:extLst>
-              <a:ext uri="{FF2B5EF4-FFF2-40B4-BE49-F238E27FC236}">
-                <a16:creationId xmlns:a16="http://schemas.microsoft.com/office/drawing/2014/main" id="{914D6EE3-4782-45C1-A75C-003483879C97}"/>
+          <p:cNvPr id="4" name="Tabella 13">
+            <a:extLst>
+              <a:ext uri="{FF2B5EF4-FFF2-40B4-BE49-F238E27FC236}">
+                <a16:creationId xmlns:a16="http://schemas.microsoft.com/office/drawing/2014/main" id="{465D5782-8D5D-96D8-94E3-C80F01CB7118}"/>
               </a:ext>
             </a:extLst>
           </p:cNvPr>
           <p:cNvGraphicFramePr>
-            <a:graphicFrameLocks noGrp="1"/>
+            <a:graphicFrameLocks/>
           </p:cNvGraphicFramePr>
           <p:nvPr>
-            <p:ph idx="1"/>
             <p:extLst>
               <p:ext uri="{D42A27DB-BD31-4B8C-83A1-F6EECF244321}">
-                <p14:modId xmlns:p14="http://schemas.microsoft.com/office/powerpoint/2010/main" val="3218029690"/>
+                <p14:modId xmlns:p14="http://schemas.microsoft.com/office/powerpoint/2010/main" val="543354096"/>
               </p:ext>
             </p:extLst>
           </p:nvPr>
         </p:nvGraphicFramePr>
         <p:xfrm>
-          <a:off x="550863" y="2507410"/>
-          <a:ext cx="11090274" cy="2266848"/>
+          <a:off x="277908" y="2295662"/>
+          <a:ext cx="5818092" cy="2848534"/>
         </p:xfrm>
         <a:graphic>
           <a:graphicData uri="http://schemas.openxmlformats.org/drawingml/2006/table">
             <a:tbl>
               <a:tblPr firstRow="1" bandRow="1">
-                <a:tableStyleId>{7DF18680-E054-41AD-8BC1-D1AEF772440D}</a:tableStyleId>
+                <a:tableStyleId>{21E4AEA4-8DFA-4A89-87EB-49C32662AFE0}</a:tableStyleId>
               </a:tblPr>
               <a:tblGrid>
-                <a:gridCol w="1848379">
+                <a:gridCol w="1541929">
                   <a:extLst>
                     <a:ext uri="{9D8B030D-6E8A-4147-A177-3AD203B41FA5}">
                       <a16:colId xmlns:a16="http://schemas.microsoft.com/office/drawing/2014/main" val="562691606"/>
                     </a:ext>
                   </a:extLst>
                 </a:gridCol>
-                <a:gridCol w="1848379">
+                <a:gridCol w="878541">
                   <a:extLst>
                     <a:ext uri="{9D8B030D-6E8A-4147-A177-3AD203B41FA5}">
                       <a16:colId xmlns:a16="http://schemas.microsoft.com/office/drawing/2014/main" val="3970149589"/>
                     </a:ext>
                   </a:extLst>
                 </a:gridCol>
-                <a:gridCol w="1848379">
+                <a:gridCol w="887506">
                   <a:extLst>
                     <a:ext uri="{9D8B030D-6E8A-4147-A177-3AD203B41FA5}">
                       <a16:colId xmlns:a16="http://schemas.microsoft.com/office/drawing/2014/main" val="1552287268"/>
                     </a:ext>
                   </a:extLst>
                 </a:gridCol>
-                <a:gridCol w="1848379">
+                <a:gridCol w="878542">
                   <a:extLst>
                     <a:ext uri="{9D8B030D-6E8A-4147-A177-3AD203B41FA5}">
                       <a16:colId xmlns:a16="http://schemas.microsoft.com/office/drawing/2014/main" val="3637583548"/>
                     </a:ext>
                   </a:extLst>
                 </a:gridCol>
-                <a:gridCol w="1848379">
+                <a:gridCol w="851647">
                   <a:extLst>
                     <a:ext uri="{9D8B030D-6E8A-4147-A177-3AD203B41FA5}">
                       <a16:colId xmlns:a16="http://schemas.microsoft.com/office/drawing/2014/main" val="1751413396"/>
                     </a:ext>
                   </a:extLst>
                 </a:gridCol>
-                <a:gridCol w="1848379">
+                <a:gridCol w="779927">
                   <a:extLst>
                     <a:ext uri="{9D8B030D-6E8A-4147-A177-3AD203B41FA5}">
                       <a16:colId xmlns:a16="http://schemas.microsoft.com/office/drawing/2014/main" val="1297748767"/>
@@ -14258,7 +14483,7 @@
                   </a:extLst>
                 </a:gridCol>
               </a:tblGrid>
-              <a:tr h="493344">
+              <a:tr h="726549">
                 <a:tc>
                   <a:txBody>
                     <a:bodyPr/>
@@ -14266,53 +14491,27 @@
                     <a:p>
                       <a:pPr algn="ctr" rtl="0"/>
                       <a:r>
-                        <a:rPr lang="en-US" dirty="0"/>
+                        <a:rPr lang="en-US" sz="1700" b="1" dirty="0">
+                          <a:solidFill>
+                            <a:schemeClr val="tx1">
+                              <a:lumMod val="75000"/>
+                              <a:lumOff val="25000"/>
+                            </a:schemeClr>
+                          </a:solidFill>
+                        </a:rPr>
                         <a:t>Tradeoff \ N</a:t>
                       </a:r>
-                      <a:endParaRPr lang="it-IT" dirty="0"/>
+                      <a:endParaRPr lang="it-IT" sz="1700" b="1" dirty="0">
+                        <a:solidFill>
+                          <a:schemeClr val="tx1">
+                            <a:lumMod val="75000"/>
+                            <a:lumOff val="25000"/>
+                          </a:schemeClr>
+                        </a:solidFill>
+                      </a:endParaRPr>
                     </a:p>
                   </a:txBody>
-                  <a:tcPr anchor="ctr">
-                    <a:lnL w="9525" cap="flat" cmpd="sng" algn="ctr">
-                      <a:solidFill>
-                        <a:schemeClr val="tx1"/>
-                      </a:solidFill>
-                      <a:prstDash val="solid"/>
-                      <a:round/>
-                      <a:headEnd type="none" w="med" len="med"/>
-                      <a:tailEnd type="none" w="med" len="med"/>
-                    </a:lnL>
-                    <a:lnR w="9525" cap="flat" cmpd="sng" algn="ctr">
-                      <a:solidFill>
-                        <a:schemeClr val="tx1"/>
-                      </a:solidFill>
-                      <a:prstDash val="solid"/>
-                      <a:round/>
-                      <a:headEnd type="none" w="med" len="med"/>
-                      <a:tailEnd type="none" w="med" len="med"/>
-                    </a:lnR>
-                    <a:lnT w="9525" cap="flat" cmpd="sng" algn="ctr">
-                      <a:solidFill>
-                        <a:schemeClr val="tx1"/>
-                      </a:solidFill>
-                      <a:prstDash val="solid"/>
-                      <a:round/>
-                      <a:headEnd type="none" w="med" len="med"/>
-                      <a:tailEnd type="none" w="med" len="med"/>
-                    </a:lnT>
-                    <a:lnB w="9525" cap="flat" cmpd="sng" algn="ctr">
-                      <a:solidFill>
-                        <a:schemeClr val="tx1"/>
-                      </a:solidFill>
-                      <a:prstDash val="solid"/>
-                      <a:round/>
-                      <a:headEnd type="none" w="med" len="med"/>
-                      <a:tailEnd type="none" w="med" len="med"/>
-                    </a:lnB>
-                    <a:solidFill>
-                      <a:schemeClr val="accent2"/>
-                    </a:solidFill>
-                  </a:tcPr>
+                  <a:tcPr marL="172988" marR="129741" marT="86494" marB="86494" anchor="ctr"/>
                 </a:tc>
                 <a:tc>
                   <a:txBody>
@@ -14321,52 +14520,19 @@
                     <a:p>
                       <a:pPr algn="ctr" rtl="0"/>
                       <a:r>
-                        <a:rPr lang="it-IT" dirty="0"/>
+                        <a:rPr lang="it-IT" sz="1700" b="1" dirty="0">
+                          <a:solidFill>
+                            <a:schemeClr val="tx1">
+                              <a:lumMod val="75000"/>
+                              <a:lumOff val="25000"/>
+                            </a:schemeClr>
+                          </a:solidFill>
+                        </a:rPr>
                         <a:t>1</a:t>
                       </a:r>
                     </a:p>
                   </a:txBody>
-                  <a:tcPr anchor="ctr">
-                    <a:lnL w="9525" cap="flat" cmpd="sng" algn="ctr">
-                      <a:solidFill>
-                        <a:schemeClr val="tx1"/>
-                      </a:solidFill>
-                      <a:prstDash val="solid"/>
-                      <a:round/>
-                      <a:headEnd type="none" w="med" len="med"/>
-                      <a:tailEnd type="none" w="med" len="med"/>
-                    </a:lnL>
-                    <a:lnR w="9525" cap="flat" cmpd="sng" algn="ctr">
-                      <a:solidFill>
-                        <a:schemeClr val="tx1"/>
-                      </a:solidFill>
-                      <a:prstDash val="solid"/>
-                      <a:round/>
-                      <a:headEnd type="none" w="med" len="med"/>
-                      <a:tailEnd type="none" w="med" len="med"/>
-                    </a:lnR>
-                    <a:lnT w="9525" cap="flat" cmpd="sng" algn="ctr">
-                      <a:solidFill>
-                        <a:schemeClr val="tx1"/>
-                      </a:solidFill>
-                      <a:prstDash val="solid"/>
-                      <a:round/>
-                      <a:headEnd type="none" w="med" len="med"/>
-                      <a:tailEnd type="none" w="med" len="med"/>
-                    </a:lnT>
-                    <a:lnB w="9525" cap="flat" cmpd="sng" algn="ctr">
-                      <a:solidFill>
-                        <a:schemeClr val="tx1"/>
-                      </a:solidFill>
-                      <a:prstDash val="solid"/>
-                      <a:round/>
-                      <a:headEnd type="none" w="med" len="med"/>
-                      <a:tailEnd type="none" w="med" len="med"/>
-                    </a:lnB>
-                    <a:solidFill>
-                      <a:schemeClr val="accent2"/>
-                    </a:solidFill>
-                  </a:tcPr>
+                  <a:tcPr marL="172988" marR="129741" marT="86494" marB="86494" anchor="ctr"/>
                 </a:tc>
                 <a:tc>
                   <a:txBody>
@@ -14375,52 +14541,19 @@
                     <a:p>
                       <a:pPr algn="ctr" rtl="0"/>
                       <a:r>
-                        <a:rPr lang="it-IT" dirty="0"/>
+                        <a:rPr lang="it-IT" sz="1700" b="1" dirty="0">
+                          <a:solidFill>
+                            <a:schemeClr val="tx1">
+                              <a:lumMod val="75000"/>
+                              <a:lumOff val="25000"/>
+                            </a:schemeClr>
+                          </a:solidFill>
+                        </a:rPr>
                         <a:t>2</a:t>
                       </a:r>
                     </a:p>
                   </a:txBody>
-                  <a:tcPr anchor="ctr">
-                    <a:lnL w="9525" cap="flat" cmpd="sng" algn="ctr">
-                      <a:solidFill>
-                        <a:schemeClr val="tx1"/>
-                      </a:solidFill>
-                      <a:prstDash val="solid"/>
-                      <a:round/>
-                      <a:headEnd type="none" w="med" len="med"/>
-                      <a:tailEnd type="none" w="med" len="med"/>
-                    </a:lnL>
-                    <a:lnR w="9525" cap="flat" cmpd="sng" algn="ctr">
-                      <a:solidFill>
-                        <a:schemeClr val="tx1"/>
-                      </a:solidFill>
-                      <a:prstDash val="solid"/>
-                      <a:round/>
-                      <a:headEnd type="none" w="med" len="med"/>
-                      <a:tailEnd type="none" w="med" len="med"/>
-                    </a:lnR>
-                    <a:lnT w="9525" cap="flat" cmpd="sng" algn="ctr">
-                      <a:solidFill>
-                        <a:schemeClr val="tx1"/>
-                      </a:solidFill>
-                      <a:prstDash val="solid"/>
-                      <a:round/>
-                      <a:headEnd type="none" w="med" len="med"/>
-                      <a:tailEnd type="none" w="med" len="med"/>
-                    </a:lnT>
-                    <a:lnB w="9525" cap="flat" cmpd="sng" algn="ctr">
-                      <a:solidFill>
-                        <a:schemeClr val="tx1"/>
-                      </a:solidFill>
-                      <a:prstDash val="solid"/>
-                      <a:round/>
-                      <a:headEnd type="none" w="med" len="med"/>
-                      <a:tailEnd type="none" w="med" len="med"/>
-                    </a:lnB>
-                    <a:solidFill>
-                      <a:schemeClr val="accent2"/>
-                    </a:solidFill>
-                  </a:tcPr>
+                  <a:tcPr marL="172988" marR="129741" marT="86494" marB="86494" anchor="ctr"/>
                 </a:tc>
                 <a:tc>
                   <a:txBody>
@@ -14429,52 +14562,19 @@
                     <a:p>
                       <a:pPr algn="ctr" rtl="0"/>
                       <a:r>
-                        <a:rPr lang="it-IT" dirty="0"/>
+                        <a:rPr lang="it-IT" sz="1700" b="1">
+                          <a:solidFill>
+                            <a:schemeClr val="tx1">
+                              <a:lumMod val="75000"/>
+                              <a:lumOff val="25000"/>
+                            </a:schemeClr>
+                          </a:solidFill>
+                        </a:rPr>
                         <a:t>3</a:t>
                       </a:r>
                     </a:p>
                   </a:txBody>
-                  <a:tcPr anchor="ctr">
-                    <a:lnL w="9525" cap="flat" cmpd="sng" algn="ctr">
-                      <a:solidFill>
-                        <a:schemeClr val="tx1"/>
-                      </a:solidFill>
-                      <a:prstDash val="solid"/>
-                      <a:round/>
-                      <a:headEnd type="none" w="med" len="med"/>
-                      <a:tailEnd type="none" w="med" len="med"/>
-                    </a:lnL>
-                    <a:lnR w="9525" cap="flat" cmpd="sng" algn="ctr">
-                      <a:solidFill>
-                        <a:schemeClr val="tx1"/>
-                      </a:solidFill>
-                      <a:prstDash val="solid"/>
-                      <a:round/>
-                      <a:headEnd type="none" w="med" len="med"/>
-                      <a:tailEnd type="none" w="med" len="med"/>
-                    </a:lnR>
-                    <a:lnT w="9525" cap="flat" cmpd="sng" algn="ctr">
-                      <a:solidFill>
-                        <a:schemeClr val="tx1"/>
-                      </a:solidFill>
-                      <a:prstDash val="solid"/>
-                      <a:round/>
-                      <a:headEnd type="none" w="med" len="med"/>
-                      <a:tailEnd type="none" w="med" len="med"/>
-                    </a:lnT>
-                    <a:lnB w="9525" cap="flat" cmpd="sng" algn="ctr">
-                      <a:solidFill>
-                        <a:schemeClr val="tx1"/>
-                      </a:solidFill>
-                      <a:prstDash val="solid"/>
-                      <a:round/>
-                      <a:headEnd type="none" w="med" len="med"/>
-                      <a:tailEnd type="none" w="med" len="med"/>
-                    </a:lnB>
-                    <a:solidFill>
-                      <a:schemeClr val="accent2"/>
-                    </a:solidFill>
-                  </a:tcPr>
+                  <a:tcPr marL="172988" marR="129741" marT="86494" marB="86494" anchor="ctr"/>
                 </a:tc>
                 <a:tc>
                   <a:txBody>
@@ -14483,52 +14583,19 @@
                     <a:p>
                       <a:pPr algn="ctr" rtl="0"/>
                       <a:r>
-                        <a:rPr lang="it-IT" dirty="0"/>
+                        <a:rPr lang="it-IT" sz="1700" b="1" dirty="0">
+                          <a:solidFill>
+                            <a:schemeClr val="tx1">
+                              <a:lumMod val="75000"/>
+                              <a:lumOff val="25000"/>
+                            </a:schemeClr>
+                          </a:solidFill>
+                        </a:rPr>
                         <a:t>4</a:t>
                       </a:r>
                     </a:p>
                   </a:txBody>
-                  <a:tcPr anchor="ctr">
-                    <a:lnL w="9525" cap="flat" cmpd="sng" algn="ctr">
-                      <a:solidFill>
-                        <a:schemeClr val="tx1"/>
-                      </a:solidFill>
-                      <a:prstDash val="solid"/>
-                      <a:round/>
-                      <a:headEnd type="none" w="med" len="med"/>
-                      <a:tailEnd type="none" w="med" len="med"/>
-                    </a:lnL>
-                    <a:lnR w="9525" cap="flat" cmpd="sng" algn="ctr">
-                      <a:solidFill>
-                        <a:schemeClr val="tx1"/>
-                      </a:solidFill>
-                      <a:prstDash val="solid"/>
-                      <a:round/>
-                      <a:headEnd type="none" w="med" len="med"/>
-                      <a:tailEnd type="none" w="med" len="med"/>
-                    </a:lnR>
-                    <a:lnT w="9525" cap="flat" cmpd="sng" algn="ctr">
-                      <a:solidFill>
-                        <a:schemeClr val="tx1"/>
-                      </a:solidFill>
-                      <a:prstDash val="solid"/>
-                      <a:round/>
-                      <a:headEnd type="none" w="med" len="med"/>
-                      <a:tailEnd type="none" w="med" len="med"/>
-                    </a:lnT>
-                    <a:lnB w="9525" cap="flat" cmpd="sng" algn="ctr">
-                      <a:solidFill>
-                        <a:schemeClr val="tx1"/>
-                      </a:solidFill>
-                      <a:prstDash val="solid"/>
-                      <a:round/>
-                      <a:headEnd type="none" w="med" len="med"/>
-                      <a:tailEnd type="none" w="med" len="med"/>
-                    </a:lnB>
-                    <a:solidFill>
-                      <a:schemeClr val="accent2"/>
-                    </a:solidFill>
-                  </a:tcPr>
+                  <a:tcPr marL="172988" marR="129741" marT="86494" marB="86494" anchor="ctr"/>
                 </a:tc>
                 <a:tc>
                   <a:txBody>
@@ -14537,53 +14604,27 @@
                     <a:p>
                       <a:pPr algn="ctr" rtl="0"/>
                       <a:r>
-                        <a:rPr lang="en-US" dirty="0"/>
+                        <a:rPr lang="en-US" sz="1700" b="1">
+                          <a:solidFill>
+                            <a:schemeClr val="tx1">
+                              <a:lumMod val="75000"/>
+                              <a:lumOff val="25000"/>
+                            </a:schemeClr>
+                          </a:solidFill>
+                        </a:rPr>
                         <a:t>5</a:t>
                       </a:r>
-                      <a:endParaRPr lang="it-IT" dirty="0"/>
+                      <a:endParaRPr lang="it-IT" sz="1700" b="1">
+                        <a:solidFill>
+                          <a:schemeClr val="tx1">
+                            <a:lumMod val="75000"/>
+                            <a:lumOff val="25000"/>
+                          </a:schemeClr>
+                        </a:solidFill>
+                      </a:endParaRPr>
                     </a:p>
                   </a:txBody>
-                  <a:tcPr anchor="ctr">
-                    <a:lnL w="9525" cap="flat" cmpd="sng" algn="ctr">
-                      <a:solidFill>
-                        <a:schemeClr val="tx1"/>
-                      </a:solidFill>
-                      <a:prstDash val="solid"/>
-                      <a:round/>
-                      <a:headEnd type="none" w="med" len="med"/>
-                      <a:tailEnd type="none" w="med" len="med"/>
-                    </a:lnL>
-                    <a:lnR w="9525" cap="flat" cmpd="sng" algn="ctr">
-                      <a:solidFill>
-                        <a:schemeClr val="tx1"/>
-                      </a:solidFill>
-                      <a:prstDash val="solid"/>
-                      <a:round/>
-                      <a:headEnd type="none" w="med" len="med"/>
-                      <a:tailEnd type="none" w="med" len="med"/>
-                    </a:lnR>
-                    <a:lnT w="9525" cap="flat" cmpd="sng" algn="ctr">
-                      <a:solidFill>
-                        <a:schemeClr val="tx1"/>
-                      </a:solidFill>
-                      <a:prstDash val="solid"/>
-                      <a:round/>
-                      <a:headEnd type="none" w="med" len="med"/>
-                      <a:tailEnd type="none" w="med" len="med"/>
-                    </a:lnT>
-                    <a:lnB w="9525" cap="flat" cmpd="sng" algn="ctr">
-                      <a:solidFill>
-                        <a:schemeClr val="tx1"/>
-                      </a:solidFill>
-                      <a:prstDash val="solid"/>
-                      <a:round/>
-                      <a:headEnd type="none" w="med" len="med"/>
-                      <a:tailEnd type="none" w="med" len="med"/>
-                    </a:lnB>
-                    <a:solidFill>
-                      <a:schemeClr val="accent2"/>
-                    </a:solidFill>
-                  </a:tcPr>
+                  <a:tcPr marL="172988" marR="129741" marT="86494" marB="86494" anchor="ctr"/>
                 </a:tc>
                 <a:extLst>
                   <a:ext uri="{0D108BD9-81ED-4DB2-BD59-A6C34878D82A}">
@@ -14591,7 +14632,7 @@
                   </a:ext>
                 </a:extLst>
               </a:tr>
-              <a:tr h="493344">
+              <a:tr h="582393">
                 <a:tc>
                   <a:txBody>
                     <a:bodyPr/>
@@ -14599,54 +14640,16 @@
                     <a:p>
                       <a:pPr algn="ctr" rtl="0"/>
                       <a:r>
-                        <a:rPr lang="en-US" noProof="0" dirty="0">
+                        <a:rPr lang="en-US" sz="1200" noProof="0" dirty="0">
                           <a:solidFill>
-                            <a:schemeClr val="tx1"/>
+                            <a:schemeClr val="bg1"/>
                           </a:solidFill>
                         </a:rPr>
                         <a:t>Mean Value</a:t>
                       </a:r>
                     </a:p>
                   </a:txBody>
-                  <a:tcPr anchor="ctr">
-                    <a:lnL w="9525" cap="flat" cmpd="sng" algn="ctr">
-                      <a:solidFill>
-                        <a:schemeClr val="tx1"/>
-                      </a:solidFill>
-                      <a:prstDash val="solid"/>
-                      <a:round/>
-                      <a:headEnd type="none" w="med" len="med"/>
-                      <a:tailEnd type="none" w="med" len="med"/>
-                    </a:lnL>
-                    <a:lnR w="9525" cap="flat" cmpd="sng" algn="ctr">
-                      <a:solidFill>
-                        <a:schemeClr val="tx1"/>
-                      </a:solidFill>
-                      <a:prstDash val="solid"/>
-                      <a:round/>
-                      <a:headEnd type="none" w="med" len="med"/>
-                      <a:tailEnd type="none" w="med" len="med"/>
-                    </a:lnR>
-                    <a:lnT w="9525" cap="flat" cmpd="sng" algn="ctr">
-                      <a:solidFill>
-                        <a:schemeClr val="tx1"/>
-                      </a:solidFill>
-                      <a:prstDash val="solid"/>
-                      <a:round/>
-                      <a:headEnd type="none" w="med" len="med"/>
-                      <a:tailEnd type="none" w="med" len="med"/>
-                    </a:lnT>
-                    <a:lnB w="9525" cap="flat" cmpd="sng" algn="ctr">
-                      <a:solidFill>
-                        <a:schemeClr val="tx1"/>
-                      </a:solidFill>
-                      <a:prstDash val="solid"/>
-                      <a:round/>
-                      <a:headEnd type="none" w="med" len="med"/>
-                      <a:tailEnd type="none" w="med" len="med"/>
-                    </a:lnB>
-                    <a:noFill/>
-                  </a:tcPr>
+                  <a:tcPr marL="172988" marR="129741" marT="86494" marB="86494" anchor="ctr"/>
                 </a:tc>
                 <a:tc>
                   <a:txBody>
@@ -14655,54 +14658,16 @@
                     <a:p>
                       <a:pPr algn="ctr" rtl="0"/>
                       <a:r>
-                        <a:rPr lang="it-IT" dirty="0">
+                        <a:rPr lang="it-IT" sz="1200" dirty="0">
                           <a:solidFill>
-                            <a:schemeClr val="tx1"/>
+                            <a:schemeClr val="bg1"/>
                           </a:solidFill>
                         </a:rPr>
                         <a:t>1.92E-6</a:t>
                       </a:r>
                     </a:p>
                   </a:txBody>
-                  <a:tcPr anchor="ctr">
-                    <a:lnL w="9525" cap="flat" cmpd="sng" algn="ctr">
-                      <a:solidFill>
-                        <a:schemeClr val="tx1"/>
-                      </a:solidFill>
-                      <a:prstDash val="solid"/>
-                      <a:round/>
-                      <a:headEnd type="none" w="med" len="med"/>
-                      <a:tailEnd type="none" w="med" len="med"/>
-                    </a:lnL>
-                    <a:lnR w="9525" cap="flat" cmpd="sng" algn="ctr">
-                      <a:solidFill>
-                        <a:schemeClr val="tx1"/>
-                      </a:solidFill>
-                      <a:prstDash val="solid"/>
-                      <a:round/>
-                      <a:headEnd type="none" w="med" len="med"/>
-                      <a:tailEnd type="none" w="med" len="med"/>
-                    </a:lnR>
-                    <a:lnT w="9525" cap="flat" cmpd="sng" algn="ctr">
-                      <a:solidFill>
-                        <a:schemeClr val="tx1"/>
-                      </a:solidFill>
-                      <a:prstDash val="solid"/>
-                      <a:round/>
-                      <a:headEnd type="none" w="med" len="med"/>
-                      <a:tailEnd type="none" w="med" len="med"/>
-                    </a:lnT>
-                    <a:lnB w="9525" cap="flat" cmpd="sng" algn="ctr">
-                      <a:solidFill>
-                        <a:schemeClr val="tx1"/>
-                      </a:solidFill>
-                      <a:prstDash val="solid"/>
-                      <a:round/>
-                      <a:headEnd type="none" w="med" len="med"/>
-                      <a:tailEnd type="none" w="med" len="med"/>
-                    </a:lnB>
-                    <a:noFill/>
-                  </a:tcPr>
+                  <a:tcPr marL="172988" marR="129741" marT="86494" marB="86494" anchor="ctr"/>
                 </a:tc>
                 <a:tc>
                   <a:txBody>
@@ -14711,54 +14676,16 @@
                     <a:p>
                       <a:pPr algn="ctr" rtl="0"/>
                       <a:r>
-                        <a:rPr lang="it-IT" dirty="0">
+                        <a:rPr lang="it-IT" sz="1200">
                           <a:solidFill>
-                            <a:schemeClr val="tx1"/>
+                            <a:schemeClr val="bg1"/>
                           </a:solidFill>
                         </a:rPr>
                         <a:t>2.54E-6</a:t>
                       </a:r>
                     </a:p>
                   </a:txBody>
-                  <a:tcPr anchor="ctr">
-                    <a:lnL w="9525" cap="flat" cmpd="sng" algn="ctr">
-                      <a:solidFill>
-                        <a:schemeClr val="tx1"/>
-                      </a:solidFill>
-                      <a:prstDash val="solid"/>
-                      <a:round/>
-                      <a:headEnd type="none" w="med" len="med"/>
-                      <a:tailEnd type="none" w="med" len="med"/>
-                    </a:lnL>
-                    <a:lnR w="9525" cap="flat" cmpd="sng" algn="ctr">
-                      <a:solidFill>
-                        <a:schemeClr val="tx1"/>
-                      </a:solidFill>
-                      <a:prstDash val="solid"/>
-                      <a:round/>
-                      <a:headEnd type="none" w="med" len="med"/>
-                      <a:tailEnd type="none" w="med" len="med"/>
-                    </a:lnR>
-                    <a:lnT w="9525" cap="flat" cmpd="sng" algn="ctr">
-                      <a:solidFill>
-                        <a:schemeClr val="tx1"/>
-                      </a:solidFill>
-                      <a:prstDash val="solid"/>
-                      <a:round/>
-                      <a:headEnd type="none" w="med" len="med"/>
-                      <a:tailEnd type="none" w="med" len="med"/>
-                    </a:lnT>
-                    <a:lnB w="9525" cap="flat" cmpd="sng" algn="ctr">
-                      <a:solidFill>
-                        <a:schemeClr val="tx1"/>
-                      </a:solidFill>
-                      <a:prstDash val="solid"/>
-                      <a:round/>
-                      <a:headEnd type="none" w="med" len="med"/>
-                      <a:tailEnd type="none" w="med" len="med"/>
-                    </a:lnB>
-                    <a:noFill/>
-                  </a:tcPr>
+                  <a:tcPr marL="172988" marR="129741" marT="86494" marB="86494" anchor="ctr"/>
                 </a:tc>
                 <a:tc>
                   <a:txBody>
@@ -14767,54 +14694,16 @@
                     <a:p>
                       <a:pPr algn="ctr" rtl="0"/>
                       <a:r>
-                        <a:rPr lang="it-IT" dirty="0">
+                        <a:rPr lang="it-IT" sz="1200">
                           <a:solidFill>
-                            <a:schemeClr val="tx1"/>
+                            <a:schemeClr val="bg1"/>
                           </a:solidFill>
                         </a:rPr>
                         <a:t>2.55E-6</a:t>
                       </a:r>
                     </a:p>
                   </a:txBody>
-                  <a:tcPr anchor="ctr">
-                    <a:lnL w="9525" cap="flat" cmpd="sng" algn="ctr">
-                      <a:solidFill>
-                        <a:schemeClr val="tx1"/>
-                      </a:solidFill>
-                      <a:prstDash val="solid"/>
-                      <a:round/>
-                      <a:headEnd type="none" w="med" len="med"/>
-                      <a:tailEnd type="none" w="med" len="med"/>
-                    </a:lnL>
-                    <a:lnR w="9525" cap="flat" cmpd="sng" algn="ctr">
-                      <a:solidFill>
-                        <a:schemeClr val="tx1"/>
-                      </a:solidFill>
-                      <a:prstDash val="solid"/>
-                      <a:round/>
-                      <a:headEnd type="none" w="med" len="med"/>
-                      <a:tailEnd type="none" w="med" len="med"/>
-                    </a:lnR>
-                    <a:lnT w="9525" cap="flat" cmpd="sng" algn="ctr">
-                      <a:solidFill>
-                        <a:schemeClr val="tx1"/>
-                      </a:solidFill>
-                      <a:prstDash val="solid"/>
-                      <a:round/>
-                      <a:headEnd type="none" w="med" len="med"/>
-                      <a:tailEnd type="none" w="med" len="med"/>
-                    </a:lnT>
-                    <a:lnB w="9525" cap="flat" cmpd="sng" algn="ctr">
-                      <a:solidFill>
-                        <a:schemeClr val="tx1"/>
-                      </a:solidFill>
-                      <a:prstDash val="solid"/>
-                      <a:round/>
-                      <a:headEnd type="none" w="med" len="med"/>
-                      <a:tailEnd type="none" w="med" len="med"/>
-                    </a:lnB>
-                    <a:noFill/>
-                  </a:tcPr>
+                  <a:tcPr marL="172988" marR="129741" marT="86494" marB="86494" anchor="ctr"/>
                 </a:tc>
                 <a:tc>
                   <a:txBody>
@@ -14823,54 +14712,16 @@
                     <a:p>
                       <a:pPr algn="ctr" rtl="0"/>
                       <a:r>
-                        <a:rPr lang="it-IT" dirty="0">
+                        <a:rPr lang="it-IT" sz="1200">
                           <a:solidFill>
-                            <a:schemeClr val="tx1"/>
+                            <a:schemeClr val="bg1"/>
                           </a:solidFill>
                         </a:rPr>
                         <a:t>2.36E-6</a:t>
                       </a:r>
                     </a:p>
                   </a:txBody>
-                  <a:tcPr anchor="ctr">
-                    <a:lnL w="9525" cap="flat" cmpd="sng" algn="ctr">
-                      <a:solidFill>
-                        <a:schemeClr val="tx1"/>
-                      </a:solidFill>
-                      <a:prstDash val="solid"/>
-                      <a:round/>
-                      <a:headEnd type="none" w="med" len="med"/>
-                      <a:tailEnd type="none" w="med" len="med"/>
-                    </a:lnL>
-                    <a:lnR w="9525" cap="flat" cmpd="sng" algn="ctr">
-                      <a:solidFill>
-                        <a:schemeClr val="tx1"/>
-                      </a:solidFill>
-                      <a:prstDash val="solid"/>
-                      <a:round/>
-                      <a:headEnd type="none" w="med" len="med"/>
-                      <a:tailEnd type="none" w="med" len="med"/>
-                    </a:lnR>
-                    <a:lnT w="9525" cap="flat" cmpd="sng" algn="ctr">
-                      <a:solidFill>
-                        <a:schemeClr val="tx1"/>
-                      </a:solidFill>
-                      <a:prstDash val="solid"/>
-                      <a:round/>
-                      <a:headEnd type="none" w="med" len="med"/>
-                      <a:tailEnd type="none" w="med" len="med"/>
-                    </a:lnT>
-                    <a:lnB w="9525" cap="flat" cmpd="sng" algn="ctr">
-                      <a:solidFill>
-                        <a:schemeClr val="tx1"/>
-                      </a:solidFill>
-                      <a:prstDash val="solid"/>
-                      <a:round/>
-                      <a:headEnd type="none" w="med" len="med"/>
-                      <a:tailEnd type="none" w="med" len="med"/>
-                    </a:lnB>
-                    <a:noFill/>
-                  </a:tcPr>
+                  <a:tcPr marL="172988" marR="129741" marT="86494" marB="86494" anchor="ctr"/>
                 </a:tc>
                 <a:tc>
                   <a:txBody>
@@ -14879,54 +14730,16 @@
                     <a:p>
                       <a:pPr algn="ctr" rtl="0"/>
                       <a:r>
-                        <a:rPr lang="it-IT" dirty="0">
+                        <a:rPr lang="it-IT" sz="1200">
                           <a:solidFill>
-                            <a:schemeClr val="tx1"/>
+                            <a:schemeClr val="bg1"/>
                           </a:solidFill>
                         </a:rPr>
                         <a:t>2.18E-6</a:t>
                       </a:r>
                     </a:p>
                   </a:txBody>
-                  <a:tcPr anchor="ctr">
-                    <a:lnL w="9525" cap="flat" cmpd="sng" algn="ctr">
-                      <a:solidFill>
-                        <a:schemeClr val="tx1"/>
-                      </a:solidFill>
-                      <a:prstDash val="solid"/>
-                      <a:round/>
-                      <a:headEnd type="none" w="med" len="med"/>
-                      <a:tailEnd type="none" w="med" len="med"/>
-                    </a:lnL>
-                    <a:lnR w="9525" cap="flat" cmpd="sng" algn="ctr">
-                      <a:solidFill>
-                        <a:schemeClr val="tx1"/>
-                      </a:solidFill>
-                      <a:prstDash val="solid"/>
-                      <a:round/>
-                      <a:headEnd type="none" w="med" len="med"/>
-                      <a:tailEnd type="none" w="med" len="med"/>
-                    </a:lnR>
-                    <a:lnT w="9525" cap="flat" cmpd="sng" algn="ctr">
-                      <a:solidFill>
-                        <a:schemeClr val="tx1"/>
-                      </a:solidFill>
-                      <a:prstDash val="solid"/>
-                      <a:round/>
-                      <a:headEnd type="none" w="med" len="med"/>
-                      <a:tailEnd type="none" w="med" len="med"/>
-                    </a:lnT>
-                    <a:lnB w="9525" cap="flat" cmpd="sng" algn="ctr">
-                      <a:solidFill>
-                        <a:schemeClr val="tx1"/>
-                      </a:solidFill>
-                      <a:prstDash val="solid"/>
-                      <a:round/>
-                      <a:headEnd type="none" w="med" len="med"/>
-                      <a:tailEnd type="none" w="med" len="med"/>
-                    </a:lnB>
-                    <a:noFill/>
-                  </a:tcPr>
+                  <a:tcPr marL="172988" marR="129741" marT="86494" marB="86494" anchor="ctr"/>
                 </a:tc>
                 <a:extLst>
                   <a:ext uri="{0D108BD9-81ED-4DB2-BD59-A6C34878D82A}">
@@ -14934,7 +14747,7 @@
                   </a:ext>
                 </a:extLst>
               </a:tr>
-              <a:tr h="493344">
+              <a:tr h="769796">
                 <a:tc>
                   <a:txBody>
                     <a:bodyPr/>
@@ -14942,54 +14755,16 @@
                     <a:p>
                       <a:pPr algn="ctr" rtl="0"/>
                       <a:r>
-                        <a:rPr lang="en-US" noProof="0" dirty="0">
+                        <a:rPr lang="en-US" sz="1200" noProof="0" dirty="0">
                           <a:solidFill>
-                            <a:schemeClr val="tx1"/>
+                            <a:schemeClr val="bg1"/>
                           </a:solidFill>
                         </a:rPr>
                         <a:t>Max confidence interval</a:t>
                       </a:r>
                     </a:p>
                   </a:txBody>
-                  <a:tcPr anchor="ctr">
-                    <a:lnL w="9525" cap="flat" cmpd="sng" algn="ctr">
-                      <a:solidFill>
-                        <a:schemeClr val="tx1"/>
-                      </a:solidFill>
-                      <a:prstDash val="solid"/>
-                      <a:round/>
-                      <a:headEnd type="none" w="med" len="med"/>
-                      <a:tailEnd type="none" w="med" len="med"/>
-                    </a:lnL>
-                    <a:lnR w="9525" cap="flat" cmpd="sng" algn="ctr">
-                      <a:solidFill>
-                        <a:schemeClr val="tx1"/>
-                      </a:solidFill>
-                      <a:prstDash val="solid"/>
-                      <a:round/>
-                      <a:headEnd type="none" w="med" len="med"/>
-                      <a:tailEnd type="none" w="med" len="med"/>
-                    </a:lnR>
-                    <a:lnT w="9525" cap="flat" cmpd="sng" algn="ctr">
-                      <a:solidFill>
-                        <a:schemeClr val="tx1"/>
-                      </a:solidFill>
-                      <a:prstDash val="solid"/>
-                      <a:round/>
-                      <a:headEnd type="none" w="med" len="med"/>
-                      <a:tailEnd type="none" w="med" len="med"/>
-                    </a:lnT>
-                    <a:lnB w="9525" cap="flat" cmpd="sng" algn="ctr">
-                      <a:solidFill>
-                        <a:schemeClr val="tx1"/>
-                      </a:solidFill>
-                      <a:prstDash val="solid"/>
-                      <a:round/>
-                      <a:headEnd type="none" w="med" len="med"/>
-                      <a:tailEnd type="none" w="med" len="med"/>
-                    </a:lnB>
-                    <a:noFill/>
-                  </a:tcPr>
+                  <a:tcPr marL="172988" marR="129741" marT="86494" marB="86494" anchor="ctr"/>
                 </a:tc>
                 <a:tc>
                   <a:txBody>
@@ -14998,54 +14773,16 @@
                     <a:p>
                       <a:pPr algn="ctr" rtl="0"/>
                       <a:r>
-                        <a:rPr lang="it-IT" dirty="0">
+                        <a:rPr lang="it-IT" sz="1200">
                           <a:solidFill>
-                            <a:schemeClr val="tx1"/>
+                            <a:schemeClr val="bg1"/>
                           </a:solidFill>
                         </a:rPr>
                         <a:t>1.95E-6</a:t>
                       </a:r>
                     </a:p>
                   </a:txBody>
-                  <a:tcPr anchor="ctr">
-                    <a:lnL w="9525" cap="flat" cmpd="sng" algn="ctr">
-                      <a:solidFill>
-                        <a:schemeClr val="tx1"/>
-                      </a:solidFill>
-                      <a:prstDash val="solid"/>
-                      <a:round/>
-                      <a:headEnd type="none" w="med" len="med"/>
-                      <a:tailEnd type="none" w="med" len="med"/>
-                    </a:lnL>
-                    <a:lnR w="9525" cap="flat" cmpd="sng" algn="ctr">
-                      <a:solidFill>
-                        <a:schemeClr val="tx1"/>
-                      </a:solidFill>
-                      <a:prstDash val="solid"/>
-                      <a:round/>
-                      <a:headEnd type="none" w="med" len="med"/>
-                      <a:tailEnd type="none" w="med" len="med"/>
-                    </a:lnR>
-                    <a:lnT w="9525" cap="flat" cmpd="sng" algn="ctr">
-                      <a:solidFill>
-                        <a:schemeClr val="tx1"/>
-                      </a:solidFill>
-                      <a:prstDash val="solid"/>
-                      <a:round/>
-                      <a:headEnd type="none" w="med" len="med"/>
-                      <a:tailEnd type="none" w="med" len="med"/>
-                    </a:lnT>
-                    <a:lnB w="9525" cap="flat" cmpd="sng" algn="ctr">
-                      <a:solidFill>
-                        <a:schemeClr val="tx1"/>
-                      </a:solidFill>
-                      <a:prstDash val="solid"/>
-                      <a:round/>
-                      <a:headEnd type="none" w="med" len="med"/>
-                      <a:tailEnd type="none" w="med" len="med"/>
-                    </a:lnB>
-                    <a:noFill/>
-                  </a:tcPr>
+                  <a:tcPr marL="172988" marR="129741" marT="86494" marB="86494" anchor="ctr"/>
                 </a:tc>
                 <a:tc>
                   <a:txBody>
@@ -15054,54 +14791,16 @@
                     <a:p>
                       <a:pPr algn="ctr" rtl="0"/>
                       <a:r>
-                        <a:rPr lang="it-IT" dirty="0">
+                        <a:rPr lang="it-IT" sz="1200">
                           <a:solidFill>
-                            <a:schemeClr val="tx1"/>
+                            <a:schemeClr val="bg1"/>
                           </a:solidFill>
                         </a:rPr>
                         <a:t>2.62E-6</a:t>
                       </a:r>
                     </a:p>
                   </a:txBody>
-                  <a:tcPr anchor="ctr">
-                    <a:lnL w="9525" cap="flat" cmpd="sng" algn="ctr">
-                      <a:solidFill>
-                        <a:schemeClr val="tx1"/>
-                      </a:solidFill>
-                      <a:prstDash val="solid"/>
-                      <a:round/>
-                      <a:headEnd type="none" w="med" len="med"/>
-                      <a:tailEnd type="none" w="med" len="med"/>
-                    </a:lnL>
-                    <a:lnR w="9525" cap="flat" cmpd="sng" algn="ctr">
-                      <a:solidFill>
-                        <a:schemeClr val="tx1"/>
-                      </a:solidFill>
-                      <a:prstDash val="solid"/>
-                      <a:round/>
-                      <a:headEnd type="none" w="med" len="med"/>
-                      <a:tailEnd type="none" w="med" len="med"/>
-                    </a:lnR>
-                    <a:lnT w="9525" cap="flat" cmpd="sng" algn="ctr">
-                      <a:solidFill>
-                        <a:schemeClr val="tx1"/>
-                      </a:solidFill>
-                      <a:prstDash val="solid"/>
-                      <a:round/>
-                      <a:headEnd type="none" w="med" len="med"/>
-                      <a:tailEnd type="none" w="med" len="med"/>
-                    </a:lnT>
-                    <a:lnB w="9525" cap="flat" cmpd="sng" algn="ctr">
-                      <a:solidFill>
-                        <a:schemeClr val="tx1"/>
-                      </a:solidFill>
-                      <a:prstDash val="solid"/>
-                      <a:round/>
-                      <a:headEnd type="none" w="med" len="med"/>
-                      <a:tailEnd type="none" w="med" len="med"/>
-                    </a:lnB>
-                    <a:noFill/>
-                  </a:tcPr>
+                  <a:tcPr marL="172988" marR="129741" marT="86494" marB="86494" anchor="ctr"/>
                 </a:tc>
                 <a:tc>
                   <a:txBody>
@@ -15110,54 +14809,16 @@
                     <a:p>
                       <a:pPr algn="ctr" rtl="0"/>
                       <a:r>
-                        <a:rPr lang="it-IT" dirty="0">
+                        <a:rPr lang="it-IT" sz="1200">
                           <a:solidFill>
-                            <a:schemeClr val="tx1"/>
+                            <a:schemeClr val="bg1"/>
                           </a:solidFill>
                         </a:rPr>
                         <a:t>2.62E-6</a:t>
                       </a:r>
                     </a:p>
                   </a:txBody>
-                  <a:tcPr anchor="ctr">
-                    <a:lnL w="9525" cap="flat" cmpd="sng" algn="ctr">
-                      <a:solidFill>
-                        <a:schemeClr val="tx1"/>
-                      </a:solidFill>
-                      <a:prstDash val="solid"/>
-                      <a:round/>
-                      <a:headEnd type="none" w="med" len="med"/>
-                      <a:tailEnd type="none" w="med" len="med"/>
-                    </a:lnL>
-                    <a:lnR w="9525" cap="flat" cmpd="sng" algn="ctr">
-                      <a:solidFill>
-                        <a:schemeClr val="tx1"/>
-                      </a:solidFill>
-                      <a:prstDash val="solid"/>
-                      <a:round/>
-                      <a:headEnd type="none" w="med" len="med"/>
-                      <a:tailEnd type="none" w="med" len="med"/>
-                    </a:lnR>
-                    <a:lnT w="9525" cap="flat" cmpd="sng" algn="ctr">
-                      <a:solidFill>
-                        <a:schemeClr val="tx1"/>
-                      </a:solidFill>
-                      <a:prstDash val="solid"/>
-                      <a:round/>
-                      <a:headEnd type="none" w="med" len="med"/>
-                      <a:tailEnd type="none" w="med" len="med"/>
-                    </a:lnT>
-                    <a:lnB w="9525" cap="flat" cmpd="sng" algn="ctr">
-                      <a:solidFill>
-                        <a:schemeClr val="tx1"/>
-                      </a:solidFill>
-                      <a:prstDash val="solid"/>
-                      <a:round/>
-                      <a:headEnd type="none" w="med" len="med"/>
-                      <a:tailEnd type="none" w="med" len="med"/>
-                    </a:lnB>
-                    <a:noFill/>
-                  </a:tcPr>
+                  <a:tcPr marL="172988" marR="129741" marT="86494" marB="86494" anchor="ctr"/>
                 </a:tc>
                 <a:tc>
                   <a:txBody>
@@ -15166,54 +14827,16 @@
                     <a:p>
                       <a:pPr algn="ctr" rtl="0"/>
                       <a:r>
-                        <a:rPr lang="it-IT" dirty="0">
+                        <a:rPr lang="it-IT" sz="1200">
                           <a:solidFill>
-                            <a:schemeClr val="tx1"/>
+                            <a:schemeClr val="bg1"/>
                           </a:solidFill>
                         </a:rPr>
                         <a:t>2.43E-6</a:t>
                       </a:r>
                     </a:p>
                   </a:txBody>
-                  <a:tcPr anchor="ctr">
-                    <a:lnL w="9525" cap="flat" cmpd="sng" algn="ctr">
-                      <a:solidFill>
-                        <a:schemeClr val="tx1"/>
-                      </a:solidFill>
-                      <a:prstDash val="solid"/>
-                      <a:round/>
-                      <a:headEnd type="none" w="med" len="med"/>
-                      <a:tailEnd type="none" w="med" len="med"/>
-                    </a:lnL>
-                    <a:lnR w="9525" cap="flat" cmpd="sng" algn="ctr">
-                      <a:solidFill>
-                        <a:schemeClr val="tx1"/>
-                      </a:solidFill>
-                      <a:prstDash val="solid"/>
-                      <a:round/>
-                      <a:headEnd type="none" w="med" len="med"/>
-                      <a:tailEnd type="none" w="med" len="med"/>
-                    </a:lnR>
-                    <a:lnT w="9525" cap="flat" cmpd="sng" algn="ctr">
-                      <a:solidFill>
-                        <a:schemeClr val="tx1"/>
-                      </a:solidFill>
-                      <a:prstDash val="solid"/>
-                      <a:round/>
-                      <a:headEnd type="none" w="med" len="med"/>
-                      <a:tailEnd type="none" w="med" len="med"/>
-                    </a:lnT>
-                    <a:lnB w="9525" cap="flat" cmpd="sng" algn="ctr">
-                      <a:solidFill>
-                        <a:schemeClr val="tx1"/>
-                      </a:solidFill>
-                      <a:prstDash val="solid"/>
-                      <a:round/>
-                      <a:headEnd type="none" w="med" len="med"/>
-                      <a:tailEnd type="none" w="med" len="med"/>
-                    </a:lnB>
-                    <a:noFill/>
-                  </a:tcPr>
+                  <a:tcPr marL="172988" marR="129741" marT="86494" marB="86494" anchor="ctr"/>
                 </a:tc>
                 <a:tc>
                   <a:txBody>
@@ -15222,54 +14845,16 @@
                     <a:p>
                       <a:pPr algn="ctr" rtl="0"/>
                       <a:r>
-                        <a:rPr lang="it-IT" dirty="0">
+                        <a:rPr lang="it-IT" sz="1200">
                           <a:solidFill>
-                            <a:schemeClr val="tx1"/>
+                            <a:schemeClr val="bg1"/>
                           </a:solidFill>
                         </a:rPr>
                         <a:t>2.24E-6</a:t>
                       </a:r>
                     </a:p>
                   </a:txBody>
-                  <a:tcPr anchor="ctr">
-                    <a:lnL w="9525" cap="flat" cmpd="sng" algn="ctr">
-                      <a:solidFill>
-                        <a:schemeClr val="tx1"/>
-                      </a:solidFill>
-                      <a:prstDash val="solid"/>
-                      <a:round/>
-                      <a:headEnd type="none" w="med" len="med"/>
-                      <a:tailEnd type="none" w="med" len="med"/>
-                    </a:lnL>
-                    <a:lnR w="9525" cap="flat" cmpd="sng" algn="ctr">
-                      <a:solidFill>
-                        <a:schemeClr val="tx1"/>
-                      </a:solidFill>
-                      <a:prstDash val="solid"/>
-                      <a:round/>
-                      <a:headEnd type="none" w="med" len="med"/>
-                      <a:tailEnd type="none" w="med" len="med"/>
-                    </a:lnR>
-                    <a:lnT w="9525" cap="flat" cmpd="sng" algn="ctr">
-                      <a:solidFill>
-                        <a:schemeClr val="tx1"/>
-                      </a:solidFill>
-                      <a:prstDash val="solid"/>
-                      <a:round/>
-                      <a:headEnd type="none" w="med" len="med"/>
-                      <a:tailEnd type="none" w="med" len="med"/>
-                    </a:lnT>
-                    <a:lnB w="9525" cap="flat" cmpd="sng" algn="ctr">
-                      <a:solidFill>
-                        <a:schemeClr val="tx1"/>
-                      </a:solidFill>
-                      <a:prstDash val="solid"/>
-                      <a:round/>
-                      <a:headEnd type="none" w="med" len="med"/>
-                      <a:tailEnd type="none" w="med" len="med"/>
-                    </a:lnB>
-                    <a:noFill/>
-                  </a:tcPr>
+                  <a:tcPr marL="172988" marR="129741" marT="86494" marB="86494" anchor="ctr"/>
                 </a:tc>
                 <a:extLst>
                   <a:ext uri="{0D108BD9-81ED-4DB2-BD59-A6C34878D82A}">
@@ -15277,7 +14862,7 @@
                   </a:ext>
                 </a:extLst>
               </a:tr>
-              <a:tr h="493344">
+              <a:tr h="769796">
                 <a:tc>
                   <a:txBody>
                     <a:bodyPr/>
@@ -15285,54 +14870,16 @@
                     <a:p>
                       <a:pPr algn="ctr" rtl="0"/>
                       <a:r>
-                        <a:rPr lang="en-US" noProof="0" dirty="0">
+                        <a:rPr lang="en-US" sz="1200" noProof="0" dirty="0">
                           <a:solidFill>
-                            <a:schemeClr val="tx1"/>
+                            <a:schemeClr val="bg1"/>
                           </a:solidFill>
                         </a:rPr>
                         <a:t>Min confidence interval</a:t>
                       </a:r>
                     </a:p>
                   </a:txBody>
-                  <a:tcPr anchor="ctr">
-                    <a:lnL w="9525" cap="flat" cmpd="sng" algn="ctr">
-                      <a:solidFill>
-                        <a:schemeClr val="tx1"/>
-                      </a:solidFill>
-                      <a:prstDash val="solid"/>
-                      <a:round/>
-                      <a:headEnd type="none" w="med" len="med"/>
-                      <a:tailEnd type="none" w="med" len="med"/>
-                    </a:lnL>
-                    <a:lnR w="9525" cap="flat" cmpd="sng" algn="ctr">
-                      <a:solidFill>
-                        <a:schemeClr val="tx1"/>
-                      </a:solidFill>
-                      <a:prstDash val="solid"/>
-                      <a:round/>
-                      <a:headEnd type="none" w="med" len="med"/>
-                      <a:tailEnd type="none" w="med" len="med"/>
-                    </a:lnR>
-                    <a:lnT w="9525" cap="flat" cmpd="sng" algn="ctr">
-                      <a:solidFill>
-                        <a:schemeClr val="tx1"/>
-                      </a:solidFill>
-                      <a:prstDash val="solid"/>
-                      <a:round/>
-                      <a:headEnd type="none" w="med" len="med"/>
-                      <a:tailEnd type="none" w="med" len="med"/>
-                    </a:lnT>
-                    <a:lnB w="9525" cap="flat" cmpd="sng" algn="ctr">
-                      <a:solidFill>
-                        <a:schemeClr val="tx1"/>
-                      </a:solidFill>
-                      <a:prstDash val="solid"/>
-                      <a:round/>
-                      <a:headEnd type="none" w="med" len="med"/>
-                      <a:tailEnd type="none" w="med" len="med"/>
-                    </a:lnB>
-                    <a:noFill/>
-                  </a:tcPr>
+                  <a:tcPr marL="172988" marR="129741" marT="86494" marB="86494" anchor="ctr"/>
                 </a:tc>
                 <a:tc>
                   <a:txBody>
@@ -15341,54 +14888,16 @@
                     <a:p>
                       <a:pPr algn="ctr" rtl="0"/>
                       <a:r>
-                        <a:rPr lang="it-IT" dirty="0">
+                        <a:rPr lang="it-IT" sz="1200" dirty="0">
                           <a:solidFill>
-                            <a:schemeClr val="tx1"/>
+                            <a:schemeClr val="bg1"/>
                           </a:solidFill>
                         </a:rPr>
                         <a:t>1.90E-6</a:t>
                       </a:r>
                     </a:p>
                   </a:txBody>
-                  <a:tcPr anchor="ctr">
-                    <a:lnL w="9525" cap="flat" cmpd="sng" algn="ctr">
-                      <a:solidFill>
-                        <a:schemeClr val="tx1"/>
-                      </a:solidFill>
-                      <a:prstDash val="solid"/>
-                      <a:round/>
-                      <a:headEnd type="none" w="med" len="med"/>
-                      <a:tailEnd type="none" w="med" len="med"/>
-                    </a:lnL>
-                    <a:lnR w="9525" cap="flat" cmpd="sng" algn="ctr">
-                      <a:solidFill>
-                        <a:schemeClr val="tx1"/>
-                      </a:solidFill>
-                      <a:prstDash val="solid"/>
-                      <a:round/>
-                      <a:headEnd type="none" w="med" len="med"/>
-                      <a:tailEnd type="none" w="med" len="med"/>
-                    </a:lnR>
-                    <a:lnT w="9525" cap="flat" cmpd="sng" algn="ctr">
-                      <a:solidFill>
-                        <a:schemeClr val="tx1"/>
-                      </a:solidFill>
-                      <a:prstDash val="solid"/>
-                      <a:round/>
-                      <a:headEnd type="none" w="med" len="med"/>
-                      <a:tailEnd type="none" w="med" len="med"/>
-                    </a:lnT>
-                    <a:lnB w="9525" cap="flat" cmpd="sng" algn="ctr">
-                      <a:solidFill>
-                        <a:schemeClr val="tx1"/>
-                      </a:solidFill>
-                      <a:prstDash val="solid"/>
-                      <a:round/>
-                      <a:headEnd type="none" w="med" len="med"/>
-                      <a:tailEnd type="none" w="med" len="med"/>
-                    </a:lnB>
-                    <a:noFill/>
-                  </a:tcPr>
+                  <a:tcPr marL="172988" marR="129741" marT="86494" marB="86494" anchor="ctr"/>
                 </a:tc>
                 <a:tc>
                   <a:txBody>
@@ -15397,54 +14906,16 @@
                     <a:p>
                       <a:pPr algn="ctr" rtl="0"/>
                       <a:r>
-                        <a:rPr lang="it-IT" dirty="0">
+                        <a:rPr lang="it-IT" sz="1200">
                           <a:solidFill>
-                            <a:schemeClr val="tx1"/>
+                            <a:schemeClr val="bg1"/>
                           </a:solidFill>
                         </a:rPr>
                         <a:t>2.47E-6</a:t>
                       </a:r>
                     </a:p>
                   </a:txBody>
-                  <a:tcPr anchor="ctr">
-                    <a:lnL w="9525" cap="flat" cmpd="sng" algn="ctr">
-                      <a:solidFill>
-                        <a:schemeClr val="tx1"/>
-                      </a:solidFill>
-                      <a:prstDash val="solid"/>
-                      <a:round/>
-                      <a:headEnd type="none" w="med" len="med"/>
-                      <a:tailEnd type="none" w="med" len="med"/>
-                    </a:lnL>
-                    <a:lnR w="9525" cap="flat" cmpd="sng" algn="ctr">
-                      <a:solidFill>
-                        <a:schemeClr val="tx1"/>
-                      </a:solidFill>
-                      <a:prstDash val="solid"/>
-                      <a:round/>
-                      <a:headEnd type="none" w="med" len="med"/>
-                      <a:tailEnd type="none" w="med" len="med"/>
-                    </a:lnR>
-                    <a:lnT w="9525" cap="flat" cmpd="sng" algn="ctr">
-                      <a:solidFill>
-                        <a:schemeClr val="tx1"/>
-                      </a:solidFill>
-                      <a:prstDash val="solid"/>
-                      <a:round/>
-                      <a:headEnd type="none" w="med" len="med"/>
-                      <a:tailEnd type="none" w="med" len="med"/>
-                    </a:lnT>
-                    <a:lnB w="9525" cap="flat" cmpd="sng" algn="ctr">
-                      <a:solidFill>
-                        <a:schemeClr val="tx1"/>
-                      </a:solidFill>
-                      <a:prstDash val="solid"/>
-                      <a:round/>
-                      <a:headEnd type="none" w="med" len="med"/>
-                      <a:tailEnd type="none" w="med" len="med"/>
-                    </a:lnB>
-                    <a:noFill/>
-                  </a:tcPr>
+                  <a:tcPr marL="172988" marR="129741" marT="86494" marB="86494" anchor="ctr"/>
                 </a:tc>
                 <a:tc>
                   <a:txBody>
@@ -15453,54 +14924,16 @@
                     <a:p>
                       <a:pPr algn="ctr" rtl="0"/>
                       <a:r>
-                        <a:rPr lang="it-IT" dirty="0">
+                        <a:rPr lang="it-IT" sz="1200">
                           <a:solidFill>
-                            <a:schemeClr val="tx1"/>
+                            <a:schemeClr val="bg1"/>
                           </a:solidFill>
                         </a:rPr>
                         <a:t>2.47E-6</a:t>
                       </a:r>
                     </a:p>
                   </a:txBody>
-                  <a:tcPr anchor="ctr">
-                    <a:lnL w="9525" cap="flat" cmpd="sng" algn="ctr">
-                      <a:solidFill>
-                        <a:schemeClr val="tx1"/>
-                      </a:solidFill>
-                      <a:prstDash val="solid"/>
-                      <a:round/>
-                      <a:headEnd type="none" w="med" len="med"/>
-                      <a:tailEnd type="none" w="med" len="med"/>
-                    </a:lnL>
-                    <a:lnR w="9525" cap="flat" cmpd="sng" algn="ctr">
-                      <a:solidFill>
-                        <a:schemeClr val="tx1"/>
-                      </a:solidFill>
-                      <a:prstDash val="solid"/>
-                      <a:round/>
-                      <a:headEnd type="none" w="med" len="med"/>
-                      <a:tailEnd type="none" w="med" len="med"/>
-                    </a:lnR>
-                    <a:lnT w="9525" cap="flat" cmpd="sng" algn="ctr">
-                      <a:solidFill>
-                        <a:schemeClr val="tx1"/>
-                      </a:solidFill>
-                      <a:prstDash val="solid"/>
-                      <a:round/>
-                      <a:headEnd type="none" w="med" len="med"/>
-                      <a:tailEnd type="none" w="med" len="med"/>
-                    </a:lnT>
-                    <a:lnB w="9525" cap="flat" cmpd="sng" algn="ctr">
-                      <a:solidFill>
-                        <a:schemeClr val="tx1"/>
-                      </a:solidFill>
-                      <a:prstDash val="solid"/>
-                      <a:round/>
-                      <a:headEnd type="none" w="med" len="med"/>
-                      <a:tailEnd type="none" w="med" len="med"/>
-                    </a:lnB>
-                    <a:noFill/>
-                  </a:tcPr>
+                  <a:tcPr marL="172988" marR="129741" marT="86494" marB="86494" anchor="ctr"/>
                 </a:tc>
                 <a:tc>
                   <a:txBody>
@@ -15509,54 +14942,16 @@
                     <a:p>
                       <a:pPr algn="ctr" rtl="0"/>
                       <a:r>
-                        <a:rPr lang="it-IT" dirty="0">
+                        <a:rPr lang="it-IT" sz="1200">
                           <a:solidFill>
-                            <a:schemeClr val="tx1"/>
+                            <a:schemeClr val="bg1"/>
                           </a:solidFill>
                         </a:rPr>
                         <a:t>2.30E-6</a:t>
                       </a:r>
                     </a:p>
                   </a:txBody>
-                  <a:tcPr anchor="ctr">
-                    <a:lnL w="9525" cap="flat" cmpd="sng" algn="ctr">
-                      <a:solidFill>
-                        <a:schemeClr val="tx1"/>
-                      </a:solidFill>
-                      <a:prstDash val="solid"/>
-                      <a:round/>
-                      <a:headEnd type="none" w="med" len="med"/>
-                      <a:tailEnd type="none" w="med" len="med"/>
-                    </a:lnL>
-                    <a:lnR w="9525" cap="flat" cmpd="sng" algn="ctr">
-                      <a:solidFill>
-                        <a:schemeClr val="tx1"/>
-                      </a:solidFill>
-                      <a:prstDash val="solid"/>
-                      <a:round/>
-                      <a:headEnd type="none" w="med" len="med"/>
-                      <a:tailEnd type="none" w="med" len="med"/>
-                    </a:lnR>
-                    <a:lnT w="9525" cap="flat" cmpd="sng" algn="ctr">
-                      <a:solidFill>
-                        <a:schemeClr val="tx1"/>
-                      </a:solidFill>
-                      <a:prstDash val="solid"/>
-                      <a:round/>
-                      <a:headEnd type="none" w="med" len="med"/>
-                      <a:tailEnd type="none" w="med" len="med"/>
-                    </a:lnT>
-                    <a:lnB w="9525" cap="flat" cmpd="sng" algn="ctr">
-                      <a:solidFill>
-                        <a:schemeClr val="tx1"/>
-                      </a:solidFill>
-                      <a:prstDash val="solid"/>
-                      <a:round/>
-                      <a:headEnd type="none" w="med" len="med"/>
-                      <a:tailEnd type="none" w="med" len="med"/>
-                    </a:lnB>
-                    <a:noFill/>
-                  </a:tcPr>
+                  <a:tcPr marL="172988" marR="129741" marT="86494" marB="86494" anchor="ctr"/>
                 </a:tc>
                 <a:tc>
                   <a:txBody>
@@ -15581,54 +14976,16 @@
                         <a:defRPr/>
                       </a:pPr>
                       <a:r>
-                        <a:rPr lang="it-IT" dirty="0">
+                        <a:rPr lang="it-IT" sz="1200" dirty="0">
                           <a:solidFill>
-                            <a:schemeClr val="tx1"/>
+                            <a:schemeClr val="bg1"/>
                           </a:solidFill>
                         </a:rPr>
                         <a:t>2.12E-6</a:t>
                       </a:r>
                     </a:p>
                   </a:txBody>
-                  <a:tcPr anchor="ctr">
-                    <a:lnL w="9525" cap="flat" cmpd="sng" algn="ctr">
-                      <a:solidFill>
-                        <a:schemeClr val="tx1"/>
-                      </a:solidFill>
-                      <a:prstDash val="solid"/>
-                      <a:round/>
-                      <a:headEnd type="none" w="med" len="med"/>
-                      <a:tailEnd type="none" w="med" len="med"/>
-                    </a:lnL>
-                    <a:lnR w="9525" cap="flat" cmpd="sng" algn="ctr">
-                      <a:solidFill>
-                        <a:schemeClr val="tx1"/>
-                      </a:solidFill>
-                      <a:prstDash val="solid"/>
-                      <a:round/>
-                      <a:headEnd type="none" w="med" len="med"/>
-                      <a:tailEnd type="none" w="med" len="med"/>
-                    </a:lnR>
-                    <a:lnT w="9525" cap="flat" cmpd="sng" algn="ctr">
-                      <a:solidFill>
-                        <a:schemeClr val="tx1"/>
-                      </a:solidFill>
-                      <a:prstDash val="solid"/>
-                      <a:round/>
-                      <a:headEnd type="none" w="med" len="med"/>
-                      <a:tailEnd type="none" w="med" len="med"/>
-                    </a:lnT>
-                    <a:lnB w="9525" cap="flat" cmpd="sng" algn="ctr">
-                      <a:solidFill>
-                        <a:schemeClr val="tx1"/>
-                      </a:solidFill>
-                      <a:prstDash val="solid"/>
-                      <a:round/>
-                      <a:headEnd type="none" w="med" len="med"/>
-                      <a:tailEnd type="none" w="med" len="med"/>
-                    </a:lnB>
-                    <a:noFill/>
-                  </a:tcPr>
+                  <a:tcPr marL="172988" marR="129741" marT="86494" marB="86494" anchor="ctr"/>
                 </a:tc>
                 <a:extLst>
                   <a:ext uri="{0D108BD9-81ED-4DB2-BD59-A6C34878D82A}">
@@ -15640,46 +14997,10 @@
           </a:graphicData>
         </a:graphic>
       </p:graphicFrame>
-      <p:sp>
-        <p:nvSpPr>
-          <p:cNvPr id="16" name="Segnaposto numero diapositiva 15">
-            <a:extLst>
-              <a:ext uri="{FF2B5EF4-FFF2-40B4-BE49-F238E27FC236}">
-                <a16:creationId xmlns:a16="http://schemas.microsoft.com/office/drawing/2014/main" id="{3F8A62C8-5437-4C47-AC0F-0605F84CBA57}"/>
-              </a:ext>
-            </a:extLst>
-          </p:cNvPr>
-          <p:cNvSpPr>
-            <a:spLocks noGrp="1"/>
-          </p:cNvSpPr>
-          <p:nvPr>
-            <p:ph type="sldNum" sz="quarter" idx="12"/>
-          </p:nvPr>
-        </p:nvSpPr>
-        <p:spPr>
-          <a:xfrm>
-            <a:off x="9948863" y="6507212"/>
-            <a:ext cx="1692274" cy="153888"/>
-          </a:xfrm>
-        </p:spPr>
-        <p:txBody>
-          <a:bodyPr rtlCol="0"/>
-          <a:lstStyle/>
-          <a:p>
-            <a:pPr rtl="0"/>
-            <a:fld id="{DBA1B0FB-D917-4C8C-928F-313BD683BF39}" type="slidenum">
-              <a:rPr lang="it-IT" smtClean="0"/>
-              <a:pPr rtl="0"/>
-              <a:t>14</a:t>
-            </a:fld>
-            <a:endParaRPr lang="it-IT" dirty="0"/>
-          </a:p>
-        </p:txBody>
-      </p:sp>
     </p:spTree>
     <p:extLst>
       <p:ext uri="{BB962C8B-B14F-4D97-AF65-F5344CB8AC3E}">
-        <p14:creationId xmlns:p14="http://schemas.microsoft.com/office/powerpoint/2010/main" val="2496947791"/>
+        <p14:creationId xmlns:p14="http://schemas.microsoft.com/office/powerpoint/2010/main" val="93523787"/>
       </p:ext>
     </p:extLst>
   </p:cSld>
@@ -15711,141 +15032,6 @@
           <p:cNvPr id="2" name="Titolo 1">
             <a:extLst>
               <a:ext uri="{FF2B5EF4-FFF2-40B4-BE49-F238E27FC236}">
-                <a16:creationId xmlns:a16="http://schemas.microsoft.com/office/drawing/2014/main" id="{273C6A8E-F29C-EE88-FBC8-3E5D4E5FA747}"/>
-              </a:ext>
-            </a:extLst>
-          </p:cNvPr>
-          <p:cNvSpPr>
-            <a:spLocks noGrp="1"/>
-          </p:cNvSpPr>
-          <p:nvPr>
-            <p:ph type="title"/>
-          </p:nvPr>
-        </p:nvSpPr>
-        <p:spPr/>
-        <p:txBody>
-          <a:bodyPr/>
-          <a:lstStyle/>
-          <a:p>
-            <a:r>
-              <a:rPr lang="en-US" dirty="0"/>
-              <a:t>Results - Description</a:t>
-            </a:r>
-            <a:endParaRPr lang="it-IT" dirty="0"/>
-          </a:p>
-        </p:txBody>
-      </p:sp>
-      <p:sp>
-        <p:nvSpPr>
-          <p:cNvPr id="3" name="Segnaposto contenuto 2">
-            <a:extLst>
-              <a:ext uri="{FF2B5EF4-FFF2-40B4-BE49-F238E27FC236}">
-                <a16:creationId xmlns:a16="http://schemas.microsoft.com/office/drawing/2014/main" id="{0BAD10A2-87DC-8C3F-1F83-407B49F1C7C7}"/>
-              </a:ext>
-            </a:extLst>
-          </p:cNvPr>
-          <p:cNvSpPr>
-            <a:spLocks noGrp="1"/>
-          </p:cNvSpPr>
-          <p:nvPr>
-            <p:ph idx="1"/>
-          </p:nvPr>
-        </p:nvSpPr>
-        <p:spPr/>
-        <p:txBody>
-          <a:bodyPr/>
-          <a:lstStyle/>
-          <a:p>
-            <a:pPr marL="0" indent="0">
-              <a:buNone/>
-            </a:pPr>
-            <a:r>
-              <a:rPr lang="en-US" dirty="0"/>
-              <a:t>The previous results were obtained by a JMT simulation, with a confidence interval of 0.99.</a:t>
-            </a:r>
-          </a:p>
-          <a:p>
-            <a:pPr marL="0" indent="0">
-              <a:buNone/>
-            </a:pPr>
-            <a:r>
-              <a:rPr lang="en-US" dirty="0"/>
-              <a:t>From the previous results we can see that the best tradeoff between throughput and project completion time is obtained when N is equal to 3 (also 2 gives good results but lower than 3).</a:t>
-            </a:r>
-          </a:p>
-          <a:p>
-            <a:pPr marL="0" indent="0">
-              <a:buNone/>
-            </a:pPr>
-            <a:endParaRPr lang="it-IT" dirty="0"/>
-          </a:p>
-        </p:txBody>
-      </p:sp>
-      <p:sp>
-        <p:nvSpPr>
-          <p:cNvPr id="6" name="Segnaposto numero diapositiva 5">
-            <a:extLst>
-              <a:ext uri="{FF2B5EF4-FFF2-40B4-BE49-F238E27FC236}">
-                <a16:creationId xmlns:a16="http://schemas.microsoft.com/office/drawing/2014/main" id="{4040ABB6-7E64-61F7-64E3-034A65AED14F}"/>
-              </a:ext>
-            </a:extLst>
-          </p:cNvPr>
-          <p:cNvSpPr>
-            <a:spLocks noGrp="1"/>
-          </p:cNvSpPr>
-          <p:nvPr>
-            <p:ph type="sldNum" sz="quarter" idx="12"/>
-          </p:nvPr>
-        </p:nvSpPr>
-        <p:spPr/>
-        <p:txBody>
-          <a:bodyPr/>
-          <a:lstStyle/>
-          <a:p>
-            <a:pPr rtl="0"/>
-            <a:fld id="{DBA1B0FB-D917-4C8C-928F-313BD683BF39}" type="slidenum">
-              <a:rPr lang="it-IT" noProof="0" smtClean="0"/>
-              <a:t>15</a:t>
-            </a:fld>
-            <a:endParaRPr lang="it-IT" noProof="0" dirty="0"/>
-          </a:p>
-        </p:txBody>
-      </p:sp>
-    </p:spTree>
-    <p:extLst>
-      <p:ext uri="{BB962C8B-B14F-4D97-AF65-F5344CB8AC3E}">
-        <p14:creationId xmlns:p14="http://schemas.microsoft.com/office/powerpoint/2010/main" val="93523787"/>
-      </p:ext>
-    </p:extLst>
-  </p:cSld>
-  <p:clrMapOvr>
-    <a:masterClrMapping/>
-  </p:clrMapOvr>
-</p:sld>
-</file>
-
-<file path=ppt/slides/slide16.xml><?xml version="1.0" encoding="utf-8"?>
-<p:sld xmlns:a="http://schemas.openxmlformats.org/drawingml/2006/main" xmlns:r="http://schemas.openxmlformats.org/officeDocument/2006/relationships" xmlns:p="http://schemas.openxmlformats.org/presentationml/2006/main">
-  <p:cSld>
-    <p:spTree>
-      <p:nvGrpSpPr>
-        <p:cNvPr id="1" name=""/>
-        <p:cNvGrpSpPr/>
-        <p:nvPr/>
-      </p:nvGrpSpPr>
-      <p:grpSpPr>
-        <a:xfrm>
-          <a:off x="0" y="0"/>
-          <a:ext cx="0" cy="0"/>
-          <a:chOff x="0" y="0"/>
-          <a:chExt cx="0" cy="0"/>
-        </a:xfrm>
-      </p:grpSpPr>
-      <p:sp>
-        <p:nvSpPr>
-          <p:cNvPr id="2" name="Titolo 1">
-            <a:extLst>
-              <a:ext uri="{FF2B5EF4-FFF2-40B4-BE49-F238E27FC236}">
                 <a16:creationId xmlns:a16="http://schemas.microsoft.com/office/drawing/2014/main" id="{540F9F1C-98B1-801B-0346-D7FCE82C3931}"/>
               </a:ext>
             </a:extLst>
@@ -15888,7 +15074,7 @@
         </p:nvSpPr>
         <p:spPr>
           <a:xfrm>
-            <a:off x="550864" y="1731375"/>
+            <a:off x="550865" y="1543116"/>
             <a:ext cx="3563936" cy="1697625"/>
           </a:xfrm>
         </p:spPr>
@@ -15904,7 +15090,7 @@
                   </a:schemeClr>
                 </a:solidFill>
               </a:rPr>
-              <a:t>The response times keep increasing as the number of projects increase, with more projects, more time is always required.</a:t>
+              <a:t>The response times keep increasing as the number of projects increase, so more time is always required.</a:t>
             </a:r>
             <a:endParaRPr lang="it-IT" cap="none" dirty="0">
               <a:solidFill>
@@ -15940,7 +15126,7 @@
             <a:pPr rtl="0"/>
             <a:fld id="{DBA1B0FB-D917-4C8C-928F-313BD683BF39}" type="slidenum">
               <a:rPr lang="it-IT" noProof="0" smtClean="0"/>
-              <a:t>16</a:t>
+              <a:t>15</a:t>
             </a:fld>
             <a:endParaRPr lang="it-IT" noProof="0"/>
           </a:p>
@@ -15962,7 +15148,7 @@
         </p:nvSpPr>
         <p:spPr>
           <a:xfrm>
-            <a:off x="4341573" y="1731375"/>
+            <a:off x="4373042" y="1543116"/>
             <a:ext cx="3563936" cy="1697625"/>
           </a:xfrm>
           <a:prstGeom prst="rect">
@@ -16169,7 +15355,7 @@
                   </a:schemeClr>
                 </a:solidFill>
               </a:rPr>
-              <a:t>The throughput stops increasing when the network is fulfilled.</a:t>
+              <a:t>The throughput start to increasing slowly as the value of N increases, because for higher values of N, the network is fulfilled.</a:t>
             </a:r>
             <a:endParaRPr lang="it-IT" cap="none" dirty="0">
               <a:solidFill>
@@ -16197,7 +15383,7 @@
         </p:nvSpPr>
         <p:spPr>
           <a:xfrm>
-            <a:off x="8139659" y="1731375"/>
+            <a:off x="8139657" y="1543116"/>
             <a:ext cx="3563936" cy="1697625"/>
           </a:xfrm>
           <a:prstGeom prst="rect">
@@ -16433,7 +15619,7 @@
           </p:nvPr>
         </p:nvPicPr>
         <p:blipFill>
-          <a:blip r:embed="rId2"/>
+          <a:blip r:embed="rId3"/>
           <a:stretch>
             <a:fillRect/>
           </a:stretch>
@@ -16462,7 +15648,7 @@
           </p:nvPr>
         </p:nvPicPr>
         <p:blipFill>
-          <a:blip r:embed="rId3"/>
+          <a:blip r:embed="rId4"/>
           <a:stretch>
             <a:fillRect/>
           </a:stretch>
@@ -16491,7 +15677,7 @@
           </p:nvPr>
         </p:nvPicPr>
         <p:blipFill>
-          <a:blip r:embed="rId4"/>
+          <a:blip r:embed="rId5"/>
           <a:stretch>
             <a:fillRect/>
           </a:stretch>
@@ -16503,10 +15689,2426 @@
           </a:xfrm>
         </p:spPr>
       </p:pic>
+      <mc:AlternateContent xmlns:mc="http://schemas.openxmlformats.org/markup-compatibility/2006">
+        <mc:Choice xmlns:a14="http://schemas.microsoft.com/office/drawing/2010/main" Requires="a14">
+          <p:sp>
+            <p:nvSpPr>
+              <p:cNvPr id="8" name="CasellaDiTesto 7">
+                <a:extLst>
+                  <a:ext uri="{FF2B5EF4-FFF2-40B4-BE49-F238E27FC236}">
+                    <a16:creationId xmlns:a16="http://schemas.microsoft.com/office/drawing/2014/main" id="{DCBA18A4-F02C-81FE-FC03-41766B16155E}"/>
+                  </a:ext>
+                </a:extLst>
+              </p:cNvPr>
+              <p:cNvSpPr txBox="1"/>
+              <p:nvPr/>
+            </p:nvSpPr>
+            <p:spPr>
+              <a:xfrm>
+                <a:off x="550862" y="6243408"/>
+                <a:ext cx="3563939" cy="261610"/>
+              </a:xfrm>
+              <a:prstGeom prst="rect">
+                <a:avLst/>
+              </a:prstGeom>
+              <a:noFill/>
+            </p:spPr>
+            <p:txBody>
+              <a:bodyPr wrap="square">
+                <a:spAutoFit/>
+              </a:bodyPr>
+              <a:lstStyle/>
+              <a:p>
+                <a:pPr algn="ctr"/>
+                <a:r>
+                  <a:rPr lang="en-US" sz="1100" cap="none" dirty="0">
+                    <a:solidFill>
+                      <a:schemeClr val="tx1">
+                        <a:alpha val="60000"/>
+                      </a:schemeClr>
+                    </a:solidFill>
+                  </a:rPr>
+                  <a:t>The correct unit of measur</a:t>
+                </a:r>
+                <a:r>
+                  <a:rPr lang="en-US" sz="1100" dirty="0">
+                    <a:solidFill>
+                      <a:schemeClr val="tx1">
+                        <a:alpha val="60000"/>
+                      </a:schemeClr>
+                    </a:solidFill>
+                  </a:rPr>
+                  <a:t>e of the above graph is </a:t>
+                </a:r>
+                <a14:m>
+                  <m:oMath xmlns:m="http://schemas.openxmlformats.org/officeDocument/2006/math">
+                    <m:d>
+                      <m:dPr>
+                        <m:ctrlPr>
+                          <a:rPr lang="en-US" sz="1100" b="0" i="1" smtClean="0">
+                            <a:solidFill>
+                              <a:schemeClr val="tx1">
+                                <a:alpha val="60000"/>
+                              </a:schemeClr>
+                            </a:solidFill>
+                            <a:latin typeface="Cambria Math" panose="02040503050406030204" pitchFamily="18" charset="0"/>
+                          </a:rPr>
+                        </m:ctrlPr>
+                      </m:dPr>
+                      <m:e>
+                        <m:r>
+                          <a:rPr lang="en-US" sz="1100" b="0" i="1" smtClean="0">
+                            <a:solidFill>
+                              <a:schemeClr val="tx1">
+                                <a:alpha val="60000"/>
+                              </a:schemeClr>
+                            </a:solidFill>
+                            <a:latin typeface="Cambria Math" panose="02040503050406030204" pitchFamily="18" charset="0"/>
+                          </a:rPr>
+                          <m:t>h</m:t>
+                        </m:r>
+                      </m:e>
+                    </m:d>
+                  </m:oMath>
+                </a14:m>
+                <a:endParaRPr lang="it-IT" sz="1100" dirty="0"/>
+              </a:p>
+            </p:txBody>
+          </p:sp>
+        </mc:Choice>
+        <mc:Fallback>
+          <p:sp>
+            <p:nvSpPr>
+              <p:cNvPr id="8" name="CasellaDiTesto 7">
+                <a:extLst>
+                  <a:ext uri="{FF2B5EF4-FFF2-40B4-BE49-F238E27FC236}">
+                    <a16:creationId xmlns:a16="http://schemas.microsoft.com/office/drawing/2014/main" id="{DCBA18A4-F02C-81FE-FC03-41766B16155E}"/>
+                  </a:ext>
+                </a:extLst>
+              </p:cNvPr>
+              <p:cNvSpPr txBox="1">
+                <a:spLocks noRot="1" noChangeAspect="1" noMove="1" noResize="1" noEditPoints="1" noAdjustHandles="1" noChangeArrowheads="1" noChangeShapeType="1" noTextEdit="1"/>
+              </p:cNvSpPr>
+              <p:nvPr/>
+            </p:nvSpPr>
+            <p:spPr>
+              <a:xfrm>
+                <a:off x="550862" y="6243408"/>
+                <a:ext cx="3563939" cy="261610"/>
+              </a:xfrm>
+              <a:prstGeom prst="rect">
+                <a:avLst/>
+              </a:prstGeom>
+              <a:blipFill>
+                <a:blip r:embed="rId6"/>
+                <a:stretch>
+                  <a:fillRect t="-2326" b="-13953"/>
+                </a:stretch>
+              </a:blipFill>
+            </p:spPr>
+            <p:txBody>
+              <a:bodyPr/>
+              <a:lstStyle/>
+              <a:p>
+                <a:r>
+                  <a:rPr lang="it-IT">
+                    <a:noFill/>
+                  </a:rPr>
+                  <a:t> </a:t>
+                </a:r>
+              </a:p>
+            </p:txBody>
+          </p:sp>
+        </mc:Fallback>
+      </mc:AlternateContent>
+      <mc:AlternateContent xmlns:mc="http://schemas.openxmlformats.org/markup-compatibility/2006" xmlns:a14="http://schemas.microsoft.com/office/drawing/2010/main">
+        <mc:Choice Requires="a14">
+          <p:sp>
+            <p:nvSpPr>
+              <p:cNvPr id="9" name="CasellaDiTesto 8">
+                <a:extLst>
+                  <a:ext uri="{FF2B5EF4-FFF2-40B4-BE49-F238E27FC236}">
+                    <a16:creationId xmlns:a16="http://schemas.microsoft.com/office/drawing/2014/main" id="{26C60728-9AEA-4179-4B2C-AA1834E074B0}"/>
+                  </a:ext>
+                </a:extLst>
+              </p:cNvPr>
+              <p:cNvSpPr txBox="1"/>
+              <p:nvPr/>
+            </p:nvSpPr>
+            <p:spPr>
+              <a:xfrm>
+                <a:off x="4345259" y="6201377"/>
+                <a:ext cx="3563939" cy="345672"/>
+              </a:xfrm>
+              <a:prstGeom prst="rect">
+                <a:avLst/>
+              </a:prstGeom>
+              <a:noFill/>
+            </p:spPr>
+            <p:txBody>
+              <a:bodyPr wrap="square">
+                <a:spAutoFit/>
+              </a:bodyPr>
+              <a:lstStyle/>
+              <a:p>
+                <a:pPr algn="ctr"/>
+                <a:r>
+                  <a:rPr lang="en-US" sz="1100" cap="none" dirty="0">
+                    <a:solidFill>
+                      <a:schemeClr val="tx1">
+                        <a:alpha val="60000"/>
+                      </a:schemeClr>
+                    </a:solidFill>
+                  </a:rPr>
+                  <a:t>The correct unit of measur</a:t>
+                </a:r>
+                <a:r>
+                  <a:rPr lang="en-US" sz="1100" dirty="0">
+                    <a:solidFill>
+                      <a:schemeClr val="tx1">
+                        <a:alpha val="60000"/>
+                      </a:schemeClr>
+                    </a:solidFill>
+                  </a:rPr>
+                  <a:t>e of the above graph is </a:t>
+                </a:r>
+                <a14:m>
+                  <m:oMath xmlns:m="http://schemas.openxmlformats.org/officeDocument/2006/math">
+                    <m:d>
+                      <m:dPr>
+                        <m:ctrlPr>
+                          <a:rPr lang="en-US" sz="1100" b="0" i="1" smtClean="0">
+                            <a:solidFill>
+                              <a:schemeClr val="tx1">
+                                <a:alpha val="60000"/>
+                              </a:schemeClr>
+                            </a:solidFill>
+                            <a:latin typeface="Cambria Math" panose="02040503050406030204" pitchFamily="18" charset="0"/>
+                          </a:rPr>
+                        </m:ctrlPr>
+                      </m:dPr>
+                      <m:e>
+                        <m:f>
+                          <m:fPr>
+                            <m:ctrlPr>
+                              <a:rPr lang="en-US" sz="1100" b="0" i="1" smtClean="0">
+                                <a:solidFill>
+                                  <a:schemeClr val="tx1">
+                                    <a:alpha val="60000"/>
+                                  </a:schemeClr>
+                                </a:solidFill>
+                                <a:latin typeface="Cambria Math" panose="02040503050406030204" pitchFamily="18" charset="0"/>
+                              </a:rPr>
+                            </m:ctrlPr>
+                          </m:fPr>
+                          <m:num>
+                            <m:r>
+                              <a:rPr lang="en-US" sz="1100" b="0" i="1" smtClean="0">
+                                <a:solidFill>
+                                  <a:schemeClr val="tx1">
+                                    <a:alpha val="60000"/>
+                                  </a:schemeClr>
+                                </a:solidFill>
+                                <a:latin typeface="Cambria Math" panose="02040503050406030204" pitchFamily="18" charset="0"/>
+                              </a:rPr>
+                              <m:t>𝑗</m:t>
+                            </m:r>
+                          </m:num>
+                          <m:den>
+                            <m:r>
+                              <a:rPr lang="en-US" sz="1100" b="0" i="1" smtClean="0">
+                                <a:solidFill>
+                                  <a:schemeClr val="tx1">
+                                    <a:alpha val="60000"/>
+                                  </a:schemeClr>
+                                </a:solidFill>
+                                <a:latin typeface="Cambria Math" panose="02040503050406030204" pitchFamily="18" charset="0"/>
+                              </a:rPr>
+                              <m:t>h</m:t>
+                            </m:r>
+                          </m:den>
+                        </m:f>
+                      </m:e>
+                    </m:d>
+                  </m:oMath>
+                </a14:m>
+                <a:endParaRPr lang="it-IT" sz="1100" dirty="0"/>
+              </a:p>
+            </p:txBody>
+          </p:sp>
+        </mc:Choice>
+        <mc:Fallback xmlns="">
+          <p:sp>
+            <p:nvSpPr>
+              <p:cNvPr id="9" name="CasellaDiTesto 8">
+                <a:extLst>
+                  <a:ext uri="{FF2B5EF4-FFF2-40B4-BE49-F238E27FC236}">
+                    <a16:creationId xmlns:a16="http://schemas.microsoft.com/office/drawing/2014/main" id="{26C60728-9AEA-4179-4B2C-AA1834E074B0}"/>
+                  </a:ext>
+                </a:extLst>
+              </p:cNvPr>
+              <p:cNvSpPr txBox="1">
+                <a:spLocks noRot="1" noChangeAspect="1" noMove="1" noResize="1" noEditPoints="1" noAdjustHandles="1" noChangeArrowheads="1" noChangeShapeType="1" noTextEdit="1"/>
+              </p:cNvSpPr>
+              <p:nvPr/>
+            </p:nvSpPr>
+            <p:spPr>
+              <a:xfrm>
+                <a:off x="4345259" y="6201377"/>
+                <a:ext cx="3563939" cy="345672"/>
+              </a:xfrm>
+              <a:prstGeom prst="rect">
+                <a:avLst/>
+              </a:prstGeom>
+              <a:blipFill>
+                <a:blip r:embed="rId7"/>
+                <a:stretch>
+                  <a:fillRect/>
+                </a:stretch>
+              </a:blipFill>
+            </p:spPr>
+            <p:txBody>
+              <a:bodyPr/>
+              <a:lstStyle/>
+              <a:p>
+                <a:r>
+                  <a:rPr lang="it-IT">
+                    <a:noFill/>
+                  </a:rPr>
+                  <a:t> </a:t>
+                </a:r>
+              </a:p>
+            </p:txBody>
+          </p:sp>
+        </mc:Fallback>
+      </mc:AlternateContent>
+      <mc:AlternateContent xmlns:mc="http://schemas.openxmlformats.org/markup-compatibility/2006" xmlns:a14="http://schemas.microsoft.com/office/drawing/2010/main">
+        <mc:Choice Requires="a14">
+          <p:sp>
+            <p:nvSpPr>
+              <p:cNvPr id="10" name="CasellaDiTesto 9">
+                <a:extLst>
+                  <a:ext uri="{FF2B5EF4-FFF2-40B4-BE49-F238E27FC236}">
+                    <a16:creationId xmlns:a16="http://schemas.microsoft.com/office/drawing/2014/main" id="{95378032-78F3-5A61-6ECE-5CA1686798E4}"/>
+                  </a:ext>
+                </a:extLst>
+              </p:cNvPr>
+              <p:cNvSpPr txBox="1"/>
+              <p:nvPr/>
+            </p:nvSpPr>
+            <p:spPr>
+              <a:xfrm>
+                <a:off x="8139654" y="6201377"/>
+                <a:ext cx="3563939" cy="345672"/>
+              </a:xfrm>
+              <a:prstGeom prst="rect">
+                <a:avLst/>
+              </a:prstGeom>
+              <a:noFill/>
+            </p:spPr>
+            <p:txBody>
+              <a:bodyPr wrap="square">
+                <a:spAutoFit/>
+              </a:bodyPr>
+              <a:lstStyle/>
+              <a:p>
+                <a:pPr algn="ctr"/>
+                <a:r>
+                  <a:rPr lang="en-US" sz="1100" cap="none" dirty="0">
+                    <a:solidFill>
+                      <a:schemeClr val="tx1">
+                        <a:alpha val="60000"/>
+                      </a:schemeClr>
+                    </a:solidFill>
+                  </a:rPr>
+                  <a:t>The correct unit of measur</a:t>
+                </a:r>
+                <a:r>
+                  <a:rPr lang="en-US" sz="1100" dirty="0">
+                    <a:solidFill>
+                      <a:schemeClr val="tx1">
+                        <a:alpha val="60000"/>
+                      </a:schemeClr>
+                    </a:solidFill>
+                  </a:rPr>
+                  <a:t>e of the above graph is </a:t>
+                </a:r>
+                <a14:m>
+                  <m:oMath xmlns:m="http://schemas.openxmlformats.org/officeDocument/2006/math">
+                    <m:d>
+                      <m:dPr>
+                        <m:ctrlPr>
+                          <a:rPr lang="en-US" sz="1100" b="0" i="1" smtClean="0">
+                            <a:solidFill>
+                              <a:schemeClr val="tx1">
+                                <a:alpha val="60000"/>
+                              </a:schemeClr>
+                            </a:solidFill>
+                            <a:latin typeface="Cambria Math" panose="02040503050406030204" pitchFamily="18" charset="0"/>
+                          </a:rPr>
+                        </m:ctrlPr>
+                      </m:dPr>
+                      <m:e>
+                        <m:f>
+                          <m:fPr>
+                            <m:ctrlPr>
+                              <a:rPr lang="en-US" sz="1100" b="0" i="1" smtClean="0">
+                                <a:solidFill>
+                                  <a:schemeClr val="tx1">
+                                    <a:alpha val="60000"/>
+                                  </a:schemeClr>
+                                </a:solidFill>
+                                <a:latin typeface="Cambria Math" panose="02040503050406030204" pitchFamily="18" charset="0"/>
+                              </a:rPr>
+                            </m:ctrlPr>
+                          </m:fPr>
+                          <m:num>
+                            <m:r>
+                              <a:rPr lang="en-US" sz="1100" b="0" i="1" smtClean="0">
+                                <a:solidFill>
+                                  <a:schemeClr val="tx1">
+                                    <a:alpha val="60000"/>
+                                  </a:schemeClr>
+                                </a:solidFill>
+                                <a:latin typeface="Cambria Math" panose="02040503050406030204" pitchFamily="18" charset="0"/>
+                              </a:rPr>
+                              <m:t>𝑗</m:t>
+                            </m:r>
+                          </m:num>
+                          <m:den>
+                            <m:sSup>
+                              <m:sSupPr>
+                                <m:ctrlPr>
+                                  <a:rPr lang="en-US" sz="1100" b="0" i="1" smtClean="0">
+                                    <a:solidFill>
+                                      <a:schemeClr val="tx1">
+                                        <a:alpha val="60000"/>
+                                      </a:schemeClr>
+                                    </a:solidFill>
+                                    <a:latin typeface="Cambria Math" panose="02040503050406030204" pitchFamily="18" charset="0"/>
+                                  </a:rPr>
+                                </m:ctrlPr>
+                              </m:sSupPr>
+                              <m:e>
+                                <m:r>
+                                  <a:rPr lang="en-US" sz="1100" b="0" i="1" smtClean="0">
+                                    <a:solidFill>
+                                      <a:schemeClr val="tx1">
+                                        <a:alpha val="60000"/>
+                                      </a:schemeClr>
+                                    </a:solidFill>
+                                    <a:latin typeface="Cambria Math" panose="02040503050406030204" pitchFamily="18" charset="0"/>
+                                  </a:rPr>
+                                  <m:t>h</m:t>
+                                </m:r>
+                              </m:e>
+                              <m:sup>
+                                <m:r>
+                                  <a:rPr lang="en-US" sz="1100" b="0" i="1" smtClean="0">
+                                    <a:solidFill>
+                                      <a:schemeClr val="tx1">
+                                        <a:alpha val="60000"/>
+                                      </a:schemeClr>
+                                    </a:solidFill>
+                                    <a:latin typeface="Cambria Math" panose="02040503050406030204" pitchFamily="18" charset="0"/>
+                                  </a:rPr>
+                                  <m:t>2</m:t>
+                                </m:r>
+                              </m:sup>
+                            </m:sSup>
+                          </m:den>
+                        </m:f>
+                      </m:e>
+                    </m:d>
+                  </m:oMath>
+                </a14:m>
+                <a:endParaRPr lang="it-IT" sz="1100" dirty="0"/>
+              </a:p>
+            </p:txBody>
+          </p:sp>
+        </mc:Choice>
+        <mc:Fallback xmlns="">
+          <p:sp>
+            <p:nvSpPr>
+              <p:cNvPr id="10" name="CasellaDiTesto 9">
+                <a:extLst>
+                  <a:ext uri="{FF2B5EF4-FFF2-40B4-BE49-F238E27FC236}">
+                    <a16:creationId xmlns:a16="http://schemas.microsoft.com/office/drawing/2014/main" id="{95378032-78F3-5A61-6ECE-5CA1686798E4}"/>
+                  </a:ext>
+                </a:extLst>
+              </p:cNvPr>
+              <p:cNvSpPr txBox="1">
+                <a:spLocks noRot="1" noChangeAspect="1" noMove="1" noResize="1" noEditPoints="1" noAdjustHandles="1" noChangeArrowheads="1" noChangeShapeType="1" noTextEdit="1"/>
+              </p:cNvSpPr>
+              <p:nvPr/>
+            </p:nvSpPr>
+            <p:spPr>
+              <a:xfrm>
+                <a:off x="8139654" y="6201377"/>
+                <a:ext cx="3563939" cy="345672"/>
+              </a:xfrm>
+              <a:prstGeom prst="rect">
+                <a:avLst/>
+              </a:prstGeom>
+              <a:blipFill>
+                <a:blip r:embed="rId8"/>
+                <a:stretch>
+                  <a:fillRect/>
+                </a:stretch>
+              </a:blipFill>
+            </p:spPr>
+            <p:txBody>
+              <a:bodyPr/>
+              <a:lstStyle/>
+              <a:p>
+                <a:r>
+                  <a:rPr lang="it-IT">
+                    <a:noFill/>
+                  </a:rPr>
+                  <a:t> </a:t>
+                </a:r>
+              </a:p>
+            </p:txBody>
+          </p:sp>
+        </mc:Fallback>
+      </mc:AlternateContent>
     </p:spTree>
     <p:extLst>
       <p:ext uri="{BB962C8B-B14F-4D97-AF65-F5344CB8AC3E}">
         <p14:creationId xmlns:p14="http://schemas.microsoft.com/office/powerpoint/2010/main" val="2531236236"/>
+      </p:ext>
+    </p:extLst>
+  </p:cSld>
+  <p:clrMapOvr>
+    <a:masterClrMapping/>
+  </p:clrMapOvr>
+</p:sld>
+</file>
+
+<file path=ppt/slides/slide16.xml><?xml version="1.0" encoding="utf-8"?>
+<p:sld xmlns:a="http://schemas.openxmlformats.org/drawingml/2006/main" xmlns:r="http://schemas.openxmlformats.org/officeDocument/2006/relationships" xmlns:p="http://schemas.openxmlformats.org/presentationml/2006/main">
+  <p:cSld>
+    <p:spTree>
+      <p:nvGrpSpPr>
+        <p:cNvPr id="1" name=""/>
+        <p:cNvGrpSpPr/>
+        <p:nvPr/>
+      </p:nvGrpSpPr>
+      <p:grpSpPr>
+        <a:xfrm>
+          <a:off x="0" y="0"/>
+          <a:ext cx="0" cy="0"/>
+          <a:chOff x="0" y="0"/>
+          <a:chExt cx="0" cy="0"/>
+        </a:xfrm>
+      </p:grpSpPr>
+      <p:sp>
+        <p:nvSpPr>
+          <p:cNvPr id="2" name="Titolo 1">
+            <a:extLst>
+              <a:ext uri="{FF2B5EF4-FFF2-40B4-BE49-F238E27FC236}">
+                <a16:creationId xmlns:a16="http://schemas.microsoft.com/office/drawing/2014/main" id="{348B75E8-92BA-7FE4-4328-DE2DB52B02D3}"/>
+              </a:ext>
+            </a:extLst>
+          </p:cNvPr>
+          <p:cNvSpPr>
+            <a:spLocks noGrp="1"/>
+          </p:cNvSpPr>
+          <p:nvPr>
+            <p:ph type="title"/>
+          </p:nvPr>
+        </p:nvSpPr>
+        <p:spPr/>
+        <p:txBody>
+          <a:bodyPr/>
+          <a:lstStyle/>
+          <a:p>
+            <a:r>
+              <a:rPr lang="en-US" dirty="0"/>
+              <a:t>Results - Bottleneck</a:t>
+            </a:r>
+            <a:endParaRPr lang="it-IT" dirty="0"/>
+          </a:p>
+        </p:txBody>
+      </p:sp>
+      <p:graphicFrame>
+        <p:nvGraphicFramePr>
+          <p:cNvPr id="9" name="Tabella 9">
+            <a:extLst>
+              <a:ext uri="{FF2B5EF4-FFF2-40B4-BE49-F238E27FC236}">
+                <a16:creationId xmlns:a16="http://schemas.microsoft.com/office/drawing/2014/main" id="{6A9EE45D-9998-959A-D30A-C240AD9990A2}"/>
+              </a:ext>
+            </a:extLst>
+          </p:cNvPr>
+          <p:cNvGraphicFramePr>
+            <a:graphicFrameLocks noGrp="1"/>
+          </p:cNvGraphicFramePr>
+          <p:nvPr>
+            <p:ph idx="1"/>
+            <p:extLst>
+              <p:ext uri="{D42A27DB-BD31-4B8C-83A1-F6EECF244321}">
+                <p14:modId xmlns:p14="http://schemas.microsoft.com/office/powerpoint/2010/main" val="3090684259"/>
+              </p:ext>
+            </p:extLst>
+          </p:nvPr>
+        </p:nvGraphicFramePr>
+        <p:xfrm>
+          <a:off x="4402933" y="1248382"/>
+          <a:ext cx="7345362" cy="1483360"/>
+        </p:xfrm>
+        <a:graphic>
+          <a:graphicData uri="http://schemas.openxmlformats.org/drawingml/2006/table">
+            <a:tbl>
+              <a:tblPr firstRow="1" bandRow="1">
+                <a:tableStyleId>{21E4AEA4-8DFA-4A89-87EB-49C32662AFE0}</a:tableStyleId>
+              </a:tblPr>
+              <a:tblGrid>
+                <a:gridCol w="1224227">
+                  <a:extLst>
+                    <a:ext uri="{9D8B030D-6E8A-4147-A177-3AD203B41FA5}">
+                      <a16:colId xmlns:a16="http://schemas.microsoft.com/office/drawing/2014/main" val="535499367"/>
+                    </a:ext>
+                  </a:extLst>
+                </a:gridCol>
+                <a:gridCol w="1224227">
+                  <a:extLst>
+                    <a:ext uri="{9D8B030D-6E8A-4147-A177-3AD203B41FA5}">
+                      <a16:colId xmlns:a16="http://schemas.microsoft.com/office/drawing/2014/main" val="2683527597"/>
+                    </a:ext>
+                  </a:extLst>
+                </a:gridCol>
+                <a:gridCol w="1224227">
+                  <a:extLst>
+                    <a:ext uri="{9D8B030D-6E8A-4147-A177-3AD203B41FA5}">
+                      <a16:colId xmlns:a16="http://schemas.microsoft.com/office/drawing/2014/main" val="4258640938"/>
+                    </a:ext>
+                  </a:extLst>
+                </a:gridCol>
+                <a:gridCol w="1224227">
+                  <a:extLst>
+                    <a:ext uri="{9D8B030D-6E8A-4147-A177-3AD203B41FA5}">
+                      <a16:colId xmlns:a16="http://schemas.microsoft.com/office/drawing/2014/main" val="4115988553"/>
+                    </a:ext>
+                  </a:extLst>
+                </a:gridCol>
+                <a:gridCol w="1224227">
+                  <a:extLst>
+                    <a:ext uri="{9D8B030D-6E8A-4147-A177-3AD203B41FA5}">
+                      <a16:colId xmlns:a16="http://schemas.microsoft.com/office/drawing/2014/main" val="2487786920"/>
+                    </a:ext>
+                  </a:extLst>
+                </a:gridCol>
+                <a:gridCol w="1224227">
+                  <a:extLst>
+                    <a:ext uri="{9D8B030D-6E8A-4147-A177-3AD203B41FA5}">
+                      <a16:colId xmlns:a16="http://schemas.microsoft.com/office/drawing/2014/main" val="2880307875"/>
+                    </a:ext>
+                  </a:extLst>
+                </a:gridCol>
+              </a:tblGrid>
+              <a:tr h="370840">
+                <a:tc>
+                  <a:txBody>
+                    <a:bodyPr/>
+                    <a:lstStyle/>
+                    <a:p>
+                      <a:pPr algn="ctr"/>
+                      <a:r>
+                        <a:rPr lang="en-US" sz="1400" dirty="0"/>
+                        <a:t>N = 2</a:t>
+                      </a:r>
+                      <a:endParaRPr lang="it-IT" sz="1400" dirty="0"/>
+                    </a:p>
+                  </a:txBody>
+                  <a:tcPr/>
+                </a:tc>
+                <a:tc>
+                  <a:txBody>
+                    <a:bodyPr/>
+                    <a:lstStyle/>
+                    <a:p>
+                      <a:pPr algn="ctr"/>
+                      <a:r>
+                        <a:rPr lang="en-US" sz="1400" dirty="0"/>
+                        <a:t>Spec</a:t>
+                      </a:r>
+                      <a:endParaRPr lang="it-IT" sz="1400" dirty="0"/>
+                    </a:p>
+                  </a:txBody>
+                  <a:tcPr/>
+                </a:tc>
+                <a:tc>
+                  <a:txBody>
+                    <a:bodyPr/>
+                    <a:lstStyle/>
+                    <a:p>
+                      <a:pPr algn="ctr"/>
+                      <a:r>
+                        <a:rPr lang="en-US" sz="1400" dirty="0"/>
+                        <a:t>Design</a:t>
+                      </a:r>
+                      <a:endParaRPr lang="it-IT" sz="1400" dirty="0"/>
+                    </a:p>
+                  </a:txBody>
+                  <a:tcPr/>
+                </a:tc>
+                <a:tc>
+                  <a:txBody>
+                    <a:bodyPr/>
+                    <a:lstStyle/>
+                    <a:p>
+                      <a:pPr algn="ctr"/>
+                      <a:r>
+                        <a:rPr lang="en-US" sz="1400" dirty="0"/>
+                        <a:t>Breadboard</a:t>
+                      </a:r>
+                      <a:endParaRPr lang="it-IT" sz="1400" dirty="0"/>
+                    </a:p>
+                  </a:txBody>
+                  <a:tcPr/>
+                </a:tc>
+                <a:tc>
+                  <a:txBody>
+                    <a:bodyPr/>
+                    <a:lstStyle/>
+                    <a:p>
+                      <a:pPr algn="ctr"/>
+                      <a:r>
+                        <a:rPr lang="en-US" sz="1400" dirty="0"/>
+                        <a:t>Software</a:t>
+                      </a:r>
+                      <a:endParaRPr lang="it-IT" sz="1400" dirty="0"/>
+                    </a:p>
+                  </a:txBody>
+                  <a:tcPr/>
+                </a:tc>
+                <a:tc>
+                  <a:txBody>
+                    <a:bodyPr/>
+                    <a:lstStyle/>
+                    <a:p>
+                      <a:pPr algn="ctr"/>
+                      <a:r>
+                        <a:rPr lang="en-US" sz="1400" dirty="0"/>
+                        <a:t>Test</a:t>
+                      </a:r>
+                      <a:endParaRPr lang="it-IT" sz="1400" dirty="0"/>
+                    </a:p>
+                  </a:txBody>
+                  <a:tcPr/>
+                </a:tc>
+                <a:extLst>
+                  <a:ext uri="{0D108BD9-81ED-4DB2-BD59-A6C34878D82A}">
+                    <a16:rowId xmlns:a16="http://schemas.microsoft.com/office/drawing/2014/main" val="3946023780"/>
+                  </a:ext>
+                </a:extLst>
+              </a:tr>
+              <a:tr h="370840">
+                <a:tc>
+                  <a:txBody>
+                    <a:bodyPr/>
+                    <a:lstStyle/>
+                    <a:p>
+                      <a:pPr marL="0" algn="ctr" defTabSz="914400" rtl="0" eaLnBrk="1" latinLnBrk="0" hangingPunct="1"/>
+                      <a:r>
+                        <a:rPr lang="en-US" sz="1200" kern="1200" dirty="0">
+                          <a:solidFill>
+                            <a:schemeClr val="bg1"/>
+                          </a:solidFill>
+                          <a:latin typeface="+mn-lt"/>
+                          <a:ea typeface="+mn-ea"/>
+                          <a:cs typeface="+mn-cs"/>
+                        </a:rPr>
+                        <a:t>Mean value</a:t>
+                      </a:r>
+                      <a:endParaRPr lang="it-IT" sz="1200" kern="1200" dirty="0">
+                        <a:solidFill>
+                          <a:schemeClr val="bg1"/>
+                        </a:solidFill>
+                        <a:latin typeface="+mn-lt"/>
+                        <a:ea typeface="+mn-ea"/>
+                        <a:cs typeface="+mn-cs"/>
+                      </a:endParaRPr>
+                    </a:p>
+                  </a:txBody>
+                  <a:tcPr/>
+                </a:tc>
+                <a:tc>
+                  <a:txBody>
+                    <a:bodyPr/>
+                    <a:lstStyle/>
+                    <a:p>
+                      <a:pPr marL="0" algn="ctr" defTabSz="914400" rtl="0" eaLnBrk="1" latinLnBrk="0" hangingPunct="1"/>
+                      <a:r>
+                        <a:rPr lang="it-IT" sz="1200" kern="1200" dirty="0">
+                          <a:solidFill>
+                            <a:schemeClr val="bg1"/>
+                          </a:solidFill>
+                          <a:latin typeface="+mn-lt"/>
+                          <a:ea typeface="+mn-ea"/>
+                          <a:cs typeface="+mn-cs"/>
+                        </a:rPr>
+                        <a:t>0.5394</a:t>
+                      </a:r>
+                    </a:p>
+                  </a:txBody>
+                  <a:tcPr/>
+                </a:tc>
+                <a:tc>
+                  <a:txBody>
+                    <a:bodyPr/>
+                    <a:lstStyle/>
+                    <a:p>
+                      <a:pPr marL="0" algn="ctr" defTabSz="914400" rtl="0" eaLnBrk="1" latinLnBrk="0" hangingPunct="1"/>
+                      <a:r>
+                        <a:rPr lang="it-IT" sz="1200" kern="1200" dirty="0">
+                          <a:solidFill>
+                            <a:schemeClr val="bg1"/>
+                          </a:solidFill>
+                          <a:latin typeface="+mn-lt"/>
+                          <a:ea typeface="+mn-ea"/>
+                          <a:cs typeface="+mn-cs"/>
+                        </a:rPr>
+                        <a:t>0.3602</a:t>
+                      </a:r>
+                    </a:p>
+                  </a:txBody>
+                  <a:tcPr/>
+                </a:tc>
+                <a:tc>
+                  <a:txBody>
+                    <a:bodyPr/>
+                    <a:lstStyle/>
+                    <a:p>
+                      <a:pPr marL="0" algn="ctr" defTabSz="914400" rtl="0" eaLnBrk="1" latinLnBrk="0" hangingPunct="1"/>
+                      <a:r>
+                        <a:rPr lang="it-IT" sz="1200" kern="1200" dirty="0">
+                          <a:solidFill>
+                            <a:schemeClr val="bg1"/>
+                          </a:solidFill>
+                          <a:latin typeface="+mn-lt"/>
+                          <a:ea typeface="+mn-ea"/>
+                          <a:cs typeface="+mn-cs"/>
+                        </a:rPr>
+                        <a:t>0.1799</a:t>
+                      </a:r>
+                    </a:p>
+                  </a:txBody>
+                  <a:tcPr/>
+                </a:tc>
+                <a:tc>
+                  <a:txBody>
+                    <a:bodyPr/>
+                    <a:lstStyle/>
+                    <a:p>
+                      <a:pPr marL="0" algn="ctr" defTabSz="914400" rtl="0" eaLnBrk="1" latinLnBrk="0" hangingPunct="1"/>
+                      <a:r>
+                        <a:rPr lang="it-IT" sz="1200" kern="1200" dirty="0">
+                          <a:solidFill>
+                            <a:schemeClr val="bg1"/>
+                          </a:solidFill>
+                          <a:latin typeface="+mn-lt"/>
+                          <a:ea typeface="+mn-ea"/>
+                          <a:cs typeface="+mn-cs"/>
+                        </a:rPr>
+                        <a:t>0.5467</a:t>
+                      </a:r>
+                    </a:p>
+                  </a:txBody>
+                  <a:tcPr/>
+                </a:tc>
+                <a:tc>
+                  <a:txBody>
+                    <a:bodyPr/>
+                    <a:lstStyle/>
+                    <a:p>
+                      <a:pPr marL="0" algn="ctr" defTabSz="914400" rtl="0" eaLnBrk="1" latinLnBrk="0" hangingPunct="1"/>
+                      <a:r>
+                        <a:rPr lang="it-IT" sz="1200" kern="1200" dirty="0">
+                          <a:solidFill>
+                            <a:schemeClr val="bg1"/>
+                          </a:solidFill>
+                          <a:latin typeface="+mn-lt"/>
+                          <a:ea typeface="+mn-ea"/>
+                          <a:cs typeface="+mn-cs"/>
+                        </a:rPr>
+                        <a:t>0.2722</a:t>
+                      </a:r>
+                    </a:p>
+                  </a:txBody>
+                  <a:tcPr/>
+                </a:tc>
+                <a:extLst>
+                  <a:ext uri="{0D108BD9-81ED-4DB2-BD59-A6C34878D82A}">
+                    <a16:rowId xmlns:a16="http://schemas.microsoft.com/office/drawing/2014/main" val="3738938043"/>
+                  </a:ext>
+                </a:extLst>
+              </a:tr>
+              <a:tr h="370840">
+                <a:tc>
+                  <a:txBody>
+                    <a:bodyPr/>
+                    <a:lstStyle/>
+                    <a:p>
+                      <a:pPr marL="0" algn="ctr" defTabSz="914400" rtl="0" eaLnBrk="1" latinLnBrk="0" hangingPunct="1"/>
+                      <a:r>
+                        <a:rPr lang="en-US" sz="1200" kern="1200" dirty="0">
+                          <a:solidFill>
+                            <a:schemeClr val="bg1"/>
+                          </a:solidFill>
+                          <a:latin typeface="+mn-lt"/>
+                          <a:ea typeface="+mn-ea"/>
+                          <a:cs typeface="+mn-cs"/>
+                        </a:rPr>
+                        <a:t>Max Conf. Int.</a:t>
+                      </a:r>
+                      <a:endParaRPr lang="it-IT" sz="1200" kern="1200" dirty="0">
+                        <a:solidFill>
+                          <a:schemeClr val="bg1"/>
+                        </a:solidFill>
+                        <a:latin typeface="+mn-lt"/>
+                        <a:ea typeface="+mn-ea"/>
+                        <a:cs typeface="+mn-cs"/>
+                      </a:endParaRPr>
+                    </a:p>
+                  </a:txBody>
+                  <a:tcPr/>
+                </a:tc>
+                <a:tc>
+                  <a:txBody>
+                    <a:bodyPr/>
+                    <a:lstStyle/>
+                    <a:p>
+                      <a:pPr marL="0" algn="ctr" defTabSz="914400" rtl="0" eaLnBrk="1" latinLnBrk="0" hangingPunct="1"/>
+                      <a:r>
+                        <a:rPr lang="it-IT" sz="1200" kern="1200" dirty="0">
+                          <a:solidFill>
+                            <a:schemeClr val="bg1"/>
+                          </a:solidFill>
+                          <a:latin typeface="+mn-lt"/>
+                          <a:ea typeface="+mn-ea"/>
+                          <a:cs typeface="+mn-cs"/>
+                        </a:rPr>
+                        <a:t>0.5476</a:t>
+                      </a:r>
+                    </a:p>
+                  </a:txBody>
+                  <a:tcPr/>
+                </a:tc>
+                <a:tc>
+                  <a:txBody>
+                    <a:bodyPr/>
+                    <a:lstStyle/>
+                    <a:p>
+                      <a:pPr marL="0" algn="ctr" defTabSz="914400" rtl="0" eaLnBrk="1" latinLnBrk="0" hangingPunct="1"/>
+                      <a:r>
+                        <a:rPr lang="it-IT" sz="1200" kern="1200" dirty="0">
+                          <a:solidFill>
+                            <a:schemeClr val="bg1"/>
+                          </a:solidFill>
+                          <a:latin typeface="+mn-lt"/>
+                          <a:ea typeface="+mn-ea"/>
+                          <a:cs typeface="+mn-cs"/>
+                        </a:rPr>
+                        <a:t>0.3670</a:t>
+                      </a:r>
+                    </a:p>
+                  </a:txBody>
+                  <a:tcPr/>
+                </a:tc>
+                <a:tc>
+                  <a:txBody>
+                    <a:bodyPr/>
+                    <a:lstStyle/>
+                    <a:p>
+                      <a:pPr marL="0" algn="ctr" defTabSz="914400" rtl="0" eaLnBrk="1" latinLnBrk="0" hangingPunct="1"/>
+                      <a:r>
+                        <a:rPr lang="it-IT" sz="1200" kern="1200" dirty="0">
+                          <a:solidFill>
+                            <a:schemeClr val="bg1"/>
+                          </a:solidFill>
+                          <a:latin typeface="+mn-lt"/>
+                          <a:ea typeface="+mn-ea"/>
+                          <a:cs typeface="+mn-cs"/>
+                        </a:rPr>
+                        <a:t>0.1853</a:t>
+                      </a:r>
+                    </a:p>
+                  </a:txBody>
+                  <a:tcPr/>
+                </a:tc>
+                <a:tc>
+                  <a:txBody>
+                    <a:bodyPr/>
+                    <a:lstStyle/>
+                    <a:p>
+                      <a:pPr marL="0" algn="ctr" defTabSz="914400" rtl="0" eaLnBrk="1" latinLnBrk="0" hangingPunct="1"/>
+                      <a:r>
+                        <a:rPr lang="it-IT" sz="1200" kern="1200" dirty="0">
+                          <a:solidFill>
+                            <a:schemeClr val="bg1"/>
+                          </a:solidFill>
+                          <a:latin typeface="+mn-lt"/>
+                          <a:ea typeface="+mn-ea"/>
+                          <a:cs typeface="+mn-cs"/>
+                        </a:rPr>
+                        <a:t>0.5564</a:t>
+                      </a:r>
+                    </a:p>
+                  </a:txBody>
+                  <a:tcPr/>
+                </a:tc>
+                <a:tc>
+                  <a:txBody>
+                    <a:bodyPr/>
+                    <a:lstStyle/>
+                    <a:p>
+                      <a:pPr marL="0" algn="ctr" defTabSz="914400" rtl="0" eaLnBrk="1" latinLnBrk="0" hangingPunct="1"/>
+                      <a:r>
+                        <a:rPr lang="it-IT" sz="1200" kern="1200" dirty="0">
+                          <a:solidFill>
+                            <a:schemeClr val="bg1"/>
+                          </a:solidFill>
+                          <a:latin typeface="+mn-lt"/>
+                          <a:ea typeface="+mn-ea"/>
+                          <a:cs typeface="+mn-cs"/>
+                        </a:rPr>
+                        <a:t>0.2784</a:t>
+                      </a:r>
+                    </a:p>
+                  </a:txBody>
+                  <a:tcPr/>
+                </a:tc>
+                <a:extLst>
+                  <a:ext uri="{0D108BD9-81ED-4DB2-BD59-A6C34878D82A}">
+                    <a16:rowId xmlns:a16="http://schemas.microsoft.com/office/drawing/2014/main" val="2650785110"/>
+                  </a:ext>
+                </a:extLst>
+              </a:tr>
+              <a:tr h="370840">
+                <a:tc>
+                  <a:txBody>
+                    <a:bodyPr/>
+                    <a:lstStyle/>
+                    <a:p>
+                      <a:pPr marL="0" algn="ctr" defTabSz="914400" rtl="0" eaLnBrk="1" latinLnBrk="0" hangingPunct="1"/>
+                      <a:r>
+                        <a:rPr lang="en-US" sz="1200" kern="1200" dirty="0">
+                          <a:solidFill>
+                            <a:schemeClr val="bg1"/>
+                          </a:solidFill>
+                          <a:latin typeface="+mn-lt"/>
+                          <a:ea typeface="+mn-ea"/>
+                          <a:cs typeface="+mn-cs"/>
+                        </a:rPr>
+                        <a:t>Min Conf. Int.</a:t>
+                      </a:r>
+                      <a:endParaRPr lang="it-IT" sz="1200" kern="1200" dirty="0">
+                        <a:solidFill>
+                          <a:schemeClr val="bg1"/>
+                        </a:solidFill>
+                        <a:latin typeface="+mn-lt"/>
+                        <a:ea typeface="+mn-ea"/>
+                        <a:cs typeface="+mn-cs"/>
+                      </a:endParaRPr>
+                    </a:p>
+                  </a:txBody>
+                  <a:tcPr/>
+                </a:tc>
+                <a:tc>
+                  <a:txBody>
+                    <a:bodyPr/>
+                    <a:lstStyle/>
+                    <a:p>
+                      <a:pPr marL="0" algn="ctr" defTabSz="914400" rtl="0" eaLnBrk="1" latinLnBrk="0" hangingPunct="1"/>
+                      <a:r>
+                        <a:rPr lang="it-IT" sz="1200" kern="1200" dirty="0">
+                          <a:solidFill>
+                            <a:schemeClr val="bg1"/>
+                          </a:solidFill>
+                          <a:latin typeface="+mn-lt"/>
+                          <a:ea typeface="+mn-ea"/>
+                          <a:cs typeface="+mn-cs"/>
+                        </a:rPr>
+                        <a:t>0.5313</a:t>
+                      </a:r>
+                    </a:p>
+                  </a:txBody>
+                  <a:tcPr/>
+                </a:tc>
+                <a:tc>
+                  <a:txBody>
+                    <a:bodyPr/>
+                    <a:lstStyle/>
+                    <a:p>
+                      <a:pPr marL="0" algn="ctr" defTabSz="914400" rtl="0" eaLnBrk="1" latinLnBrk="0" hangingPunct="1"/>
+                      <a:r>
+                        <a:rPr lang="it-IT" sz="1200" kern="1200" dirty="0">
+                          <a:solidFill>
+                            <a:schemeClr val="bg1"/>
+                          </a:solidFill>
+                          <a:latin typeface="+mn-lt"/>
+                          <a:ea typeface="+mn-ea"/>
+                          <a:cs typeface="+mn-cs"/>
+                        </a:rPr>
+                        <a:t>0.3534</a:t>
+                      </a:r>
+                    </a:p>
+                  </a:txBody>
+                  <a:tcPr/>
+                </a:tc>
+                <a:tc>
+                  <a:txBody>
+                    <a:bodyPr/>
+                    <a:lstStyle/>
+                    <a:p>
+                      <a:pPr marL="0" algn="ctr" defTabSz="914400" rtl="0" eaLnBrk="1" latinLnBrk="0" hangingPunct="1"/>
+                      <a:r>
+                        <a:rPr lang="it-IT" sz="1200" kern="1200" dirty="0">
+                          <a:solidFill>
+                            <a:schemeClr val="bg1"/>
+                          </a:solidFill>
+                          <a:latin typeface="+mn-lt"/>
+                          <a:ea typeface="+mn-ea"/>
+                          <a:cs typeface="+mn-cs"/>
+                        </a:rPr>
+                        <a:t>0.1746</a:t>
+                      </a:r>
+                    </a:p>
+                  </a:txBody>
+                  <a:tcPr/>
+                </a:tc>
+                <a:tc>
+                  <a:txBody>
+                    <a:bodyPr/>
+                    <a:lstStyle/>
+                    <a:p>
+                      <a:pPr marL="0" algn="ctr" defTabSz="914400" rtl="0" eaLnBrk="1" latinLnBrk="0" hangingPunct="1"/>
+                      <a:r>
+                        <a:rPr lang="it-IT" sz="1200" kern="1200" dirty="0">
+                          <a:solidFill>
+                            <a:schemeClr val="bg1"/>
+                          </a:solidFill>
+                          <a:latin typeface="+mn-lt"/>
+                          <a:ea typeface="+mn-ea"/>
+                          <a:cs typeface="+mn-cs"/>
+                        </a:rPr>
+                        <a:t>0.5369</a:t>
+                      </a:r>
+                    </a:p>
+                  </a:txBody>
+                  <a:tcPr/>
+                </a:tc>
+                <a:tc>
+                  <a:txBody>
+                    <a:bodyPr/>
+                    <a:lstStyle/>
+                    <a:p>
+                      <a:pPr marL="0" algn="ctr" defTabSz="914400" rtl="0" eaLnBrk="1" latinLnBrk="0" hangingPunct="1"/>
+                      <a:r>
+                        <a:rPr lang="it-IT" sz="1200" kern="1200" dirty="0">
+                          <a:solidFill>
+                            <a:schemeClr val="bg1"/>
+                          </a:solidFill>
+                          <a:latin typeface="+mn-lt"/>
+                          <a:ea typeface="+mn-ea"/>
+                          <a:cs typeface="+mn-cs"/>
+                        </a:rPr>
+                        <a:t>0.2660</a:t>
+                      </a:r>
+                    </a:p>
+                  </a:txBody>
+                  <a:tcPr/>
+                </a:tc>
+                <a:extLst>
+                  <a:ext uri="{0D108BD9-81ED-4DB2-BD59-A6C34878D82A}">
+                    <a16:rowId xmlns:a16="http://schemas.microsoft.com/office/drawing/2014/main" val="1453967706"/>
+                  </a:ext>
+                </a:extLst>
+              </a:tr>
+            </a:tbl>
+          </a:graphicData>
+        </a:graphic>
+      </p:graphicFrame>
+      <p:sp>
+        <p:nvSpPr>
+          <p:cNvPr id="4" name="Segnaposto testo 3">
+            <a:extLst>
+              <a:ext uri="{FF2B5EF4-FFF2-40B4-BE49-F238E27FC236}">
+                <a16:creationId xmlns:a16="http://schemas.microsoft.com/office/drawing/2014/main" id="{438B1CD5-88C0-DA5B-AF6D-4459E54D46B2}"/>
+              </a:ext>
+            </a:extLst>
+          </p:cNvPr>
+          <p:cNvSpPr>
+            <a:spLocks noGrp="1"/>
+          </p:cNvSpPr>
+          <p:nvPr>
+            <p:ph type="body" sz="half" idx="2"/>
+          </p:nvPr>
+        </p:nvSpPr>
+        <p:spPr/>
+        <p:txBody>
+          <a:bodyPr/>
+          <a:lstStyle/>
+          <a:p>
+            <a:pPr marL="342900" indent="-342900">
+              <a:buFont typeface="Arial" panose="020B0604020202020204" pitchFamily="34" charset="0"/>
+              <a:buChar char="•"/>
+            </a:pPr>
+            <a:r>
+              <a:rPr lang="en-US" sz="1800" dirty="0"/>
+              <a:t>The following tables define the utilization of all the departments (with a Confidence Intervals of 0.99), for the value N with the higher tradeoff and its neighbors.</a:t>
+            </a:r>
+          </a:p>
+          <a:p>
+            <a:pPr marL="342900" indent="-342900">
+              <a:buFont typeface="Arial" panose="020B0604020202020204" pitchFamily="34" charset="0"/>
+              <a:buChar char="•"/>
+            </a:pPr>
+            <a:r>
+              <a:rPr lang="en-US" sz="1800" dirty="0"/>
+              <a:t>From the tables we can see that the bottleneck are on the software and the specification departments (more software than specification, according to the corresponding confidence intervals and to the value of the neighbors' results).</a:t>
+            </a:r>
+          </a:p>
+          <a:p>
+            <a:pPr marL="342900" indent="-342900">
+              <a:buFont typeface="Arial" panose="020B0604020202020204" pitchFamily="34" charset="0"/>
+              <a:buChar char="•"/>
+            </a:pPr>
+            <a:endParaRPr lang="it-IT" sz="2000" dirty="0"/>
+          </a:p>
+        </p:txBody>
+      </p:sp>
+      <p:sp>
+        <p:nvSpPr>
+          <p:cNvPr id="7" name="Segnaposto numero diapositiva 6">
+            <a:extLst>
+              <a:ext uri="{FF2B5EF4-FFF2-40B4-BE49-F238E27FC236}">
+                <a16:creationId xmlns:a16="http://schemas.microsoft.com/office/drawing/2014/main" id="{234F2C53-FAF3-7868-C4F2-C798634A37E4}"/>
+              </a:ext>
+            </a:extLst>
+          </p:cNvPr>
+          <p:cNvSpPr>
+            <a:spLocks noGrp="1"/>
+          </p:cNvSpPr>
+          <p:nvPr>
+            <p:ph type="sldNum" sz="quarter" idx="12"/>
+          </p:nvPr>
+        </p:nvSpPr>
+        <p:spPr/>
+        <p:txBody>
+          <a:bodyPr/>
+          <a:lstStyle/>
+          <a:p>
+            <a:pPr rtl="0"/>
+            <a:fld id="{DBA1B0FB-D917-4C8C-928F-313BD683BF39}" type="slidenum">
+              <a:rPr lang="it-IT" noProof="0" smtClean="0"/>
+              <a:t>16</a:t>
+            </a:fld>
+            <a:endParaRPr lang="it-IT" noProof="0"/>
+          </a:p>
+        </p:txBody>
+      </p:sp>
+      <p:graphicFrame>
+        <p:nvGraphicFramePr>
+          <p:cNvPr id="10" name="Tabella 9">
+            <a:extLst>
+              <a:ext uri="{FF2B5EF4-FFF2-40B4-BE49-F238E27FC236}">
+                <a16:creationId xmlns:a16="http://schemas.microsoft.com/office/drawing/2014/main" id="{2DB51ED0-6218-EA6F-296E-902A9F7383BF}"/>
+              </a:ext>
+            </a:extLst>
+          </p:cNvPr>
+          <p:cNvGraphicFramePr>
+            <a:graphicFrameLocks/>
+          </p:cNvGraphicFramePr>
+          <p:nvPr>
+            <p:extLst>
+              <p:ext uri="{D42A27DB-BD31-4B8C-83A1-F6EECF244321}">
+                <p14:modId xmlns:p14="http://schemas.microsoft.com/office/powerpoint/2010/main" val="2058569323"/>
+              </p:ext>
+            </p:extLst>
+          </p:nvPr>
+        </p:nvGraphicFramePr>
+        <p:xfrm>
+          <a:off x="4402933" y="3036877"/>
+          <a:ext cx="7345362" cy="1483360"/>
+        </p:xfrm>
+        <a:graphic>
+          <a:graphicData uri="http://schemas.openxmlformats.org/drawingml/2006/table">
+            <a:tbl>
+              <a:tblPr firstRow="1" bandRow="1">
+                <a:tableStyleId>{21E4AEA4-8DFA-4A89-87EB-49C32662AFE0}</a:tableStyleId>
+              </a:tblPr>
+              <a:tblGrid>
+                <a:gridCol w="1224227">
+                  <a:extLst>
+                    <a:ext uri="{9D8B030D-6E8A-4147-A177-3AD203B41FA5}">
+                      <a16:colId xmlns:a16="http://schemas.microsoft.com/office/drawing/2014/main" val="535499367"/>
+                    </a:ext>
+                  </a:extLst>
+                </a:gridCol>
+                <a:gridCol w="1224227">
+                  <a:extLst>
+                    <a:ext uri="{9D8B030D-6E8A-4147-A177-3AD203B41FA5}">
+                      <a16:colId xmlns:a16="http://schemas.microsoft.com/office/drawing/2014/main" val="2683527597"/>
+                    </a:ext>
+                  </a:extLst>
+                </a:gridCol>
+                <a:gridCol w="1224227">
+                  <a:extLst>
+                    <a:ext uri="{9D8B030D-6E8A-4147-A177-3AD203B41FA5}">
+                      <a16:colId xmlns:a16="http://schemas.microsoft.com/office/drawing/2014/main" val="4258640938"/>
+                    </a:ext>
+                  </a:extLst>
+                </a:gridCol>
+                <a:gridCol w="1224227">
+                  <a:extLst>
+                    <a:ext uri="{9D8B030D-6E8A-4147-A177-3AD203B41FA5}">
+                      <a16:colId xmlns:a16="http://schemas.microsoft.com/office/drawing/2014/main" val="4115988553"/>
+                    </a:ext>
+                  </a:extLst>
+                </a:gridCol>
+                <a:gridCol w="1224227">
+                  <a:extLst>
+                    <a:ext uri="{9D8B030D-6E8A-4147-A177-3AD203B41FA5}">
+                      <a16:colId xmlns:a16="http://schemas.microsoft.com/office/drawing/2014/main" val="2487786920"/>
+                    </a:ext>
+                  </a:extLst>
+                </a:gridCol>
+                <a:gridCol w="1224227">
+                  <a:extLst>
+                    <a:ext uri="{9D8B030D-6E8A-4147-A177-3AD203B41FA5}">
+                      <a16:colId xmlns:a16="http://schemas.microsoft.com/office/drawing/2014/main" val="2880307875"/>
+                    </a:ext>
+                  </a:extLst>
+                </a:gridCol>
+              </a:tblGrid>
+              <a:tr h="370840">
+                <a:tc>
+                  <a:txBody>
+                    <a:bodyPr/>
+                    <a:lstStyle/>
+                    <a:p>
+                      <a:pPr algn="ctr"/>
+                      <a:r>
+                        <a:rPr lang="en-US" sz="1400" dirty="0"/>
+                        <a:t>N = 3</a:t>
+                      </a:r>
+                      <a:endParaRPr lang="it-IT" sz="1400" dirty="0"/>
+                    </a:p>
+                  </a:txBody>
+                  <a:tcPr/>
+                </a:tc>
+                <a:tc>
+                  <a:txBody>
+                    <a:bodyPr/>
+                    <a:lstStyle/>
+                    <a:p>
+                      <a:pPr algn="ctr"/>
+                      <a:r>
+                        <a:rPr lang="en-US" sz="1400" dirty="0"/>
+                        <a:t>Spec</a:t>
+                      </a:r>
+                      <a:endParaRPr lang="it-IT" sz="1400" dirty="0"/>
+                    </a:p>
+                  </a:txBody>
+                  <a:tcPr/>
+                </a:tc>
+                <a:tc>
+                  <a:txBody>
+                    <a:bodyPr/>
+                    <a:lstStyle/>
+                    <a:p>
+                      <a:pPr algn="ctr"/>
+                      <a:r>
+                        <a:rPr lang="en-US" sz="1400" dirty="0"/>
+                        <a:t>Design</a:t>
+                      </a:r>
+                      <a:endParaRPr lang="it-IT" sz="1400" dirty="0"/>
+                    </a:p>
+                  </a:txBody>
+                  <a:tcPr/>
+                </a:tc>
+                <a:tc>
+                  <a:txBody>
+                    <a:bodyPr/>
+                    <a:lstStyle/>
+                    <a:p>
+                      <a:pPr algn="ctr"/>
+                      <a:r>
+                        <a:rPr lang="en-US" sz="1400" dirty="0"/>
+                        <a:t>Breadboard</a:t>
+                      </a:r>
+                      <a:endParaRPr lang="it-IT" sz="1400" dirty="0"/>
+                    </a:p>
+                  </a:txBody>
+                  <a:tcPr/>
+                </a:tc>
+                <a:tc>
+                  <a:txBody>
+                    <a:bodyPr/>
+                    <a:lstStyle/>
+                    <a:p>
+                      <a:pPr algn="ctr"/>
+                      <a:r>
+                        <a:rPr lang="en-US" sz="1400" dirty="0"/>
+                        <a:t>Software</a:t>
+                      </a:r>
+                      <a:endParaRPr lang="it-IT" sz="1400" dirty="0"/>
+                    </a:p>
+                  </a:txBody>
+                  <a:tcPr/>
+                </a:tc>
+                <a:tc>
+                  <a:txBody>
+                    <a:bodyPr/>
+                    <a:lstStyle/>
+                    <a:p>
+                      <a:pPr algn="ctr"/>
+                      <a:r>
+                        <a:rPr lang="en-US" sz="1400" dirty="0"/>
+                        <a:t>Test</a:t>
+                      </a:r>
+                      <a:endParaRPr lang="it-IT" sz="1400" dirty="0"/>
+                    </a:p>
+                  </a:txBody>
+                  <a:tcPr/>
+                </a:tc>
+                <a:extLst>
+                  <a:ext uri="{0D108BD9-81ED-4DB2-BD59-A6C34878D82A}">
+                    <a16:rowId xmlns:a16="http://schemas.microsoft.com/office/drawing/2014/main" val="3946023780"/>
+                  </a:ext>
+                </a:extLst>
+              </a:tr>
+              <a:tr h="370840">
+                <a:tc>
+                  <a:txBody>
+                    <a:bodyPr/>
+                    <a:lstStyle/>
+                    <a:p>
+                      <a:pPr marL="0" algn="ctr" defTabSz="914400" rtl="0" eaLnBrk="1" latinLnBrk="0" hangingPunct="1"/>
+                      <a:r>
+                        <a:rPr lang="en-US" sz="1200" kern="1200" dirty="0">
+                          <a:solidFill>
+                            <a:schemeClr val="bg1"/>
+                          </a:solidFill>
+                          <a:latin typeface="+mn-lt"/>
+                          <a:ea typeface="+mn-ea"/>
+                          <a:cs typeface="+mn-cs"/>
+                        </a:rPr>
+                        <a:t>Mean value</a:t>
+                      </a:r>
+                      <a:endParaRPr lang="it-IT" sz="1200" kern="1200" dirty="0">
+                        <a:solidFill>
+                          <a:schemeClr val="bg1"/>
+                        </a:solidFill>
+                        <a:latin typeface="+mn-lt"/>
+                        <a:ea typeface="+mn-ea"/>
+                        <a:cs typeface="+mn-cs"/>
+                      </a:endParaRPr>
+                    </a:p>
+                  </a:txBody>
+                  <a:tcPr/>
+                </a:tc>
+                <a:tc>
+                  <a:txBody>
+                    <a:bodyPr/>
+                    <a:lstStyle/>
+                    <a:p>
+                      <a:pPr marL="0" algn="ctr" defTabSz="914400" rtl="0" eaLnBrk="1" latinLnBrk="0" hangingPunct="1"/>
+                      <a:r>
+                        <a:rPr lang="it-IT" sz="1200" kern="1200" dirty="0">
+                          <a:solidFill>
+                            <a:schemeClr val="bg1"/>
+                          </a:solidFill>
+                          <a:latin typeface="+mn-lt"/>
+                          <a:ea typeface="+mn-ea"/>
+                          <a:cs typeface="+mn-cs"/>
+                        </a:rPr>
+                        <a:t>0.6597</a:t>
+                      </a:r>
+                    </a:p>
+                  </a:txBody>
+                  <a:tcPr/>
+                </a:tc>
+                <a:tc>
+                  <a:txBody>
+                    <a:bodyPr/>
+                    <a:lstStyle/>
+                    <a:p>
+                      <a:pPr marL="0" algn="ctr" defTabSz="914400" rtl="0" eaLnBrk="1" latinLnBrk="0" hangingPunct="1"/>
+                      <a:r>
+                        <a:rPr lang="it-IT" sz="1200" kern="1200" dirty="0">
+                          <a:solidFill>
+                            <a:schemeClr val="bg1"/>
+                          </a:solidFill>
+                          <a:latin typeface="+mn-lt"/>
+                          <a:ea typeface="+mn-ea"/>
+                          <a:cs typeface="+mn-cs"/>
+                        </a:rPr>
+                        <a:t>0.4376</a:t>
+                      </a:r>
+                    </a:p>
+                  </a:txBody>
+                  <a:tcPr/>
+                </a:tc>
+                <a:tc>
+                  <a:txBody>
+                    <a:bodyPr/>
+                    <a:lstStyle/>
+                    <a:p>
+                      <a:pPr marL="0" algn="ctr" defTabSz="914400" rtl="0" eaLnBrk="1" latinLnBrk="0" hangingPunct="1"/>
+                      <a:r>
+                        <a:rPr lang="it-IT" sz="1200" kern="1200" dirty="0">
+                          <a:solidFill>
+                            <a:schemeClr val="bg1"/>
+                          </a:solidFill>
+                          <a:latin typeface="+mn-lt"/>
+                          <a:ea typeface="+mn-ea"/>
+                          <a:cs typeface="+mn-cs"/>
+                        </a:rPr>
+                        <a:t>0.2195</a:t>
+                      </a:r>
+                    </a:p>
+                  </a:txBody>
+                  <a:tcPr/>
+                </a:tc>
+                <a:tc>
+                  <a:txBody>
+                    <a:bodyPr/>
+                    <a:lstStyle/>
+                    <a:p>
+                      <a:pPr marL="0" algn="ctr" defTabSz="914400" rtl="0" eaLnBrk="1" latinLnBrk="0" hangingPunct="1"/>
+                      <a:r>
+                        <a:rPr lang="it-IT" sz="1200" kern="1200" dirty="0">
+                          <a:solidFill>
+                            <a:schemeClr val="bg1"/>
+                          </a:solidFill>
+                          <a:latin typeface="+mn-lt"/>
+                          <a:ea typeface="+mn-ea"/>
+                          <a:cs typeface="+mn-cs"/>
+                        </a:rPr>
+                        <a:t>0.6583</a:t>
+                      </a:r>
+                    </a:p>
+                  </a:txBody>
+                  <a:tcPr/>
+                </a:tc>
+                <a:tc>
+                  <a:txBody>
+                    <a:bodyPr/>
+                    <a:lstStyle/>
+                    <a:p>
+                      <a:pPr marL="0" algn="ctr" defTabSz="914400" rtl="0" eaLnBrk="1" latinLnBrk="0" hangingPunct="1"/>
+                      <a:r>
+                        <a:rPr lang="it-IT" sz="1200" kern="1200" dirty="0">
+                          <a:solidFill>
+                            <a:schemeClr val="bg1"/>
+                          </a:solidFill>
+                          <a:latin typeface="+mn-lt"/>
+                          <a:ea typeface="+mn-ea"/>
+                          <a:cs typeface="+mn-cs"/>
+                        </a:rPr>
+                        <a:t>0.3291</a:t>
+                      </a:r>
+                    </a:p>
+                  </a:txBody>
+                  <a:tcPr/>
+                </a:tc>
+                <a:extLst>
+                  <a:ext uri="{0D108BD9-81ED-4DB2-BD59-A6C34878D82A}">
+                    <a16:rowId xmlns:a16="http://schemas.microsoft.com/office/drawing/2014/main" val="3738938043"/>
+                  </a:ext>
+                </a:extLst>
+              </a:tr>
+              <a:tr h="370840">
+                <a:tc>
+                  <a:txBody>
+                    <a:bodyPr/>
+                    <a:lstStyle/>
+                    <a:p>
+                      <a:pPr marL="0" algn="ctr" defTabSz="914400" rtl="0" eaLnBrk="1" latinLnBrk="0" hangingPunct="1"/>
+                      <a:r>
+                        <a:rPr lang="en-US" sz="1200" kern="1200" dirty="0">
+                          <a:solidFill>
+                            <a:schemeClr val="bg1"/>
+                          </a:solidFill>
+                          <a:latin typeface="+mn-lt"/>
+                          <a:ea typeface="+mn-ea"/>
+                          <a:cs typeface="+mn-cs"/>
+                        </a:rPr>
+                        <a:t>Max Conf. Int.</a:t>
+                      </a:r>
+                      <a:endParaRPr lang="it-IT" sz="1200" kern="1200" dirty="0">
+                        <a:solidFill>
+                          <a:schemeClr val="bg1"/>
+                        </a:solidFill>
+                        <a:latin typeface="+mn-lt"/>
+                        <a:ea typeface="+mn-ea"/>
+                        <a:cs typeface="+mn-cs"/>
+                      </a:endParaRPr>
+                    </a:p>
+                  </a:txBody>
+                  <a:tcPr/>
+                </a:tc>
+                <a:tc>
+                  <a:txBody>
+                    <a:bodyPr/>
+                    <a:lstStyle/>
+                    <a:p>
+                      <a:pPr marL="0" algn="ctr" defTabSz="914400" rtl="0" eaLnBrk="1" latinLnBrk="0" hangingPunct="1"/>
+                      <a:r>
+                        <a:rPr lang="it-IT" sz="1200" kern="1200" dirty="0">
+                          <a:solidFill>
+                            <a:schemeClr val="bg1"/>
+                          </a:solidFill>
+                          <a:latin typeface="+mn-lt"/>
+                          <a:ea typeface="+mn-ea"/>
+                          <a:cs typeface="+mn-cs"/>
+                        </a:rPr>
+                        <a:t>0.6721</a:t>
+                      </a:r>
+                    </a:p>
+                  </a:txBody>
+                  <a:tcPr/>
+                </a:tc>
+                <a:tc>
+                  <a:txBody>
+                    <a:bodyPr/>
+                    <a:lstStyle/>
+                    <a:p>
+                      <a:pPr marL="0" algn="ctr" defTabSz="914400" rtl="0" eaLnBrk="1" latinLnBrk="0" hangingPunct="1"/>
+                      <a:r>
+                        <a:rPr lang="it-IT" sz="1200" kern="1200" dirty="0">
+                          <a:solidFill>
+                            <a:schemeClr val="bg1"/>
+                          </a:solidFill>
+                          <a:latin typeface="+mn-lt"/>
+                          <a:ea typeface="+mn-ea"/>
+                          <a:cs typeface="+mn-cs"/>
+                        </a:rPr>
+                        <a:t>0.4486</a:t>
+                      </a:r>
+                    </a:p>
+                  </a:txBody>
+                  <a:tcPr/>
+                </a:tc>
+                <a:tc>
+                  <a:txBody>
+                    <a:bodyPr/>
+                    <a:lstStyle/>
+                    <a:p>
+                      <a:pPr marL="0" algn="ctr" defTabSz="914400" rtl="0" eaLnBrk="1" latinLnBrk="0" hangingPunct="1"/>
+                      <a:r>
+                        <a:rPr lang="it-IT" sz="1200" kern="1200" dirty="0">
+                          <a:solidFill>
+                            <a:schemeClr val="bg1"/>
+                          </a:solidFill>
+                          <a:latin typeface="+mn-lt"/>
+                          <a:ea typeface="+mn-ea"/>
+                          <a:cs typeface="+mn-cs"/>
+                        </a:rPr>
+                        <a:t>0.2239</a:t>
+                      </a:r>
+                    </a:p>
+                  </a:txBody>
+                  <a:tcPr/>
+                </a:tc>
+                <a:tc>
+                  <a:txBody>
+                    <a:bodyPr/>
+                    <a:lstStyle/>
+                    <a:p>
+                      <a:pPr marL="0" algn="ctr" defTabSz="914400" rtl="0" eaLnBrk="1" latinLnBrk="0" hangingPunct="1"/>
+                      <a:r>
+                        <a:rPr lang="it-IT" sz="1200" kern="1200" dirty="0">
+                          <a:solidFill>
+                            <a:schemeClr val="bg1"/>
+                          </a:solidFill>
+                          <a:latin typeface="+mn-lt"/>
+                          <a:ea typeface="+mn-ea"/>
+                          <a:cs typeface="+mn-cs"/>
+                        </a:rPr>
+                        <a:t>0.6777</a:t>
+                      </a:r>
+                    </a:p>
+                  </a:txBody>
+                  <a:tcPr/>
+                </a:tc>
+                <a:tc>
+                  <a:txBody>
+                    <a:bodyPr/>
+                    <a:lstStyle/>
+                    <a:p>
+                      <a:pPr marL="0" algn="ctr" defTabSz="914400" rtl="0" eaLnBrk="1" latinLnBrk="0" hangingPunct="1"/>
+                      <a:r>
+                        <a:rPr lang="it-IT" sz="1200" kern="1200" dirty="0">
+                          <a:solidFill>
+                            <a:schemeClr val="bg1"/>
+                          </a:solidFill>
+                          <a:latin typeface="+mn-lt"/>
+                          <a:ea typeface="+mn-ea"/>
+                          <a:cs typeface="+mn-cs"/>
+                        </a:rPr>
+                        <a:t>0.3371</a:t>
+                      </a:r>
+                    </a:p>
+                  </a:txBody>
+                  <a:tcPr/>
+                </a:tc>
+                <a:extLst>
+                  <a:ext uri="{0D108BD9-81ED-4DB2-BD59-A6C34878D82A}">
+                    <a16:rowId xmlns:a16="http://schemas.microsoft.com/office/drawing/2014/main" val="2650785110"/>
+                  </a:ext>
+                </a:extLst>
+              </a:tr>
+              <a:tr h="370840">
+                <a:tc>
+                  <a:txBody>
+                    <a:bodyPr/>
+                    <a:lstStyle/>
+                    <a:p>
+                      <a:pPr marL="0" algn="ctr" defTabSz="914400" rtl="0" eaLnBrk="1" latinLnBrk="0" hangingPunct="1"/>
+                      <a:r>
+                        <a:rPr lang="en-US" sz="1200" kern="1200" dirty="0">
+                          <a:solidFill>
+                            <a:schemeClr val="bg1"/>
+                          </a:solidFill>
+                          <a:latin typeface="+mn-lt"/>
+                          <a:ea typeface="+mn-ea"/>
+                          <a:cs typeface="+mn-cs"/>
+                        </a:rPr>
+                        <a:t>Min Conf. Int.</a:t>
+                      </a:r>
+                      <a:endParaRPr lang="it-IT" sz="1200" kern="1200" dirty="0">
+                        <a:solidFill>
+                          <a:schemeClr val="bg1"/>
+                        </a:solidFill>
+                        <a:latin typeface="+mn-lt"/>
+                        <a:ea typeface="+mn-ea"/>
+                        <a:cs typeface="+mn-cs"/>
+                      </a:endParaRPr>
+                    </a:p>
+                  </a:txBody>
+                  <a:tcPr/>
+                </a:tc>
+                <a:tc>
+                  <a:txBody>
+                    <a:bodyPr/>
+                    <a:lstStyle/>
+                    <a:p>
+                      <a:pPr marL="0" algn="ctr" defTabSz="914400" rtl="0" eaLnBrk="1" latinLnBrk="0" hangingPunct="1"/>
+                      <a:r>
+                        <a:rPr lang="it-IT" sz="1200" kern="1200" dirty="0">
+                          <a:solidFill>
+                            <a:schemeClr val="bg1"/>
+                          </a:solidFill>
+                          <a:latin typeface="+mn-lt"/>
+                          <a:ea typeface="+mn-ea"/>
+                          <a:cs typeface="+mn-cs"/>
+                        </a:rPr>
+                        <a:t>0.6472</a:t>
+                      </a:r>
+                    </a:p>
+                  </a:txBody>
+                  <a:tcPr/>
+                </a:tc>
+                <a:tc>
+                  <a:txBody>
+                    <a:bodyPr/>
+                    <a:lstStyle/>
+                    <a:p>
+                      <a:pPr marL="0" algn="ctr" defTabSz="914400" rtl="0" eaLnBrk="1" latinLnBrk="0" hangingPunct="1"/>
+                      <a:r>
+                        <a:rPr lang="it-IT" sz="1200" kern="1200" dirty="0">
+                          <a:solidFill>
+                            <a:schemeClr val="bg1"/>
+                          </a:solidFill>
+                          <a:latin typeface="+mn-lt"/>
+                          <a:ea typeface="+mn-ea"/>
+                          <a:cs typeface="+mn-cs"/>
+                        </a:rPr>
+                        <a:t>0.4266</a:t>
+                      </a:r>
+                    </a:p>
+                  </a:txBody>
+                  <a:tcPr/>
+                </a:tc>
+                <a:tc>
+                  <a:txBody>
+                    <a:bodyPr/>
+                    <a:lstStyle/>
+                    <a:p>
+                      <a:pPr marL="0" algn="ctr" defTabSz="914400" rtl="0" eaLnBrk="1" latinLnBrk="0" hangingPunct="1"/>
+                      <a:r>
+                        <a:rPr lang="it-IT" sz="1200" kern="1200" dirty="0">
+                          <a:solidFill>
+                            <a:schemeClr val="bg1"/>
+                          </a:solidFill>
+                          <a:latin typeface="+mn-lt"/>
+                          <a:ea typeface="+mn-ea"/>
+                          <a:cs typeface="+mn-cs"/>
+                        </a:rPr>
+                        <a:t>0.2151</a:t>
+                      </a:r>
+                    </a:p>
+                  </a:txBody>
+                  <a:tcPr/>
+                </a:tc>
+                <a:tc>
+                  <a:txBody>
+                    <a:bodyPr/>
+                    <a:lstStyle/>
+                    <a:p>
+                      <a:pPr marL="0" algn="ctr" defTabSz="914400" rtl="0" eaLnBrk="1" latinLnBrk="0" hangingPunct="1"/>
+                      <a:r>
+                        <a:rPr lang="it-IT" sz="1200" kern="1200" dirty="0">
+                          <a:solidFill>
+                            <a:schemeClr val="bg1"/>
+                          </a:solidFill>
+                          <a:latin typeface="+mn-lt"/>
+                          <a:ea typeface="+mn-ea"/>
+                          <a:cs typeface="+mn-cs"/>
+                        </a:rPr>
+                        <a:t>0.6389</a:t>
+                      </a:r>
+                    </a:p>
+                  </a:txBody>
+                  <a:tcPr/>
+                </a:tc>
+                <a:tc>
+                  <a:txBody>
+                    <a:bodyPr/>
+                    <a:lstStyle/>
+                    <a:p>
+                      <a:pPr marL="0" algn="ctr" defTabSz="914400" rtl="0" eaLnBrk="1" latinLnBrk="0" hangingPunct="1"/>
+                      <a:r>
+                        <a:rPr lang="it-IT" sz="1200" kern="1200" dirty="0">
+                          <a:solidFill>
+                            <a:schemeClr val="bg1"/>
+                          </a:solidFill>
+                          <a:latin typeface="+mn-lt"/>
+                          <a:ea typeface="+mn-ea"/>
+                          <a:cs typeface="+mn-cs"/>
+                        </a:rPr>
+                        <a:t>0.3211</a:t>
+                      </a:r>
+                    </a:p>
+                  </a:txBody>
+                  <a:tcPr/>
+                </a:tc>
+                <a:extLst>
+                  <a:ext uri="{0D108BD9-81ED-4DB2-BD59-A6C34878D82A}">
+                    <a16:rowId xmlns:a16="http://schemas.microsoft.com/office/drawing/2014/main" val="1453967706"/>
+                  </a:ext>
+                </a:extLst>
+              </a:tr>
+            </a:tbl>
+          </a:graphicData>
+        </a:graphic>
+      </p:graphicFrame>
+      <p:graphicFrame>
+        <p:nvGraphicFramePr>
+          <p:cNvPr id="11" name="Tabella 10">
+            <a:extLst>
+              <a:ext uri="{FF2B5EF4-FFF2-40B4-BE49-F238E27FC236}">
+                <a16:creationId xmlns:a16="http://schemas.microsoft.com/office/drawing/2014/main" id="{5AC116E6-783E-29C5-4663-88FCA3787D39}"/>
+              </a:ext>
+            </a:extLst>
+          </p:cNvPr>
+          <p:cNvGraphicFramePr>
+            <a:graphicFrameLocks/>
+          </p:cNvGraphicFramePr>
+          <p:nvPr>
+            <p:extLst>
+              <p:ext uri="{D42A27DB-BD31-4B8C-83A1-F6EECF244321}">
+                <p14:modId xmlns:p14="http://schemas.microsoft.com/office/powerpoint/2010/main" val="2757879893"/>
+              </p:ext>
+            </p:extLst>
+          </p:nvPr>
+        </p:nvGraphicFramePr>
+        <p:xfrm>
+          <a:off x="4402933" y="4825365"/>
+          <a:ext cx="7345362" cy="1483360"/>
+        </p:xfrm>
+        <a:graphic>
+          <a:graphicData uri="http://schemas.openxmlformats.org/drawingml/2006/table">
+            <a:tbl>
+              <a:tblPr firstRow="1" bandRow="1">
+                <a:tableStyleId>{21E4AEA4-8DFA-4A89-87EB-49C32662AFE0}</a:tableStyleId>
+              </a:tblPr>
+              <a:tblGrid>
+                <a:gridCol w="1224227">
+                  <a:extLst>
+                    <a:ext uri="{9D8B030D-6E8A-4147-A177-3AD203B41FA5}">
+                      <a16:colId xmlns:a16="http://schemas.microsoft.com/office/drawing/2014/main" val="535499367"/>
+                    </a:ext>
+                  </a:extLst>
+                </a:gridCol>
+                <a:gridCol w="1224227">
+                  <a:extLst>
+                    <a:ext uri="{9D8B030D-6E8A-4147-A177-3AD203B41FA5}">
+                      <a16:colId xmlns:a16="http://schemas.microsoft.com/office/drawing/2014/main" val="2683527597"/>
+                    </a:ext>
+                  </a:extLst>
+                </a:gridCol>
+                <a:gridCol w="1224227">
+                  <a:extLst>
+                    <a:ext uri="{9D8B030D-6E8A-4147-A177-3AD203B41FA5}">
+                      <a16:colId xmlns:a16="http://schemas.microsoft.com/office/drawing/2014/main" val="4258640938"/>
+                    </a:ext>
+                  </a:extLst>
+                </a:gridCol>
+                <a:gridCol w="1224227">
+                  <a:extLst>
+                    <a:ext uri="{9D8B030D-6E8A-4147-A177-3AD203B41FA5}">
+                      <a16:colId xmlns:a16="http://schemas.microsoft.com/office/drawing/2014/main" val="4115988553"/>
+                    </a:ext>
+                  </a:extLst>
+                </a:gridCol>
+                <a:gridCol w="1224227">
+                  <a:extLst>
+                    <a:ext uri="{9D8B030D-6E8A-4147-A177-3AD203B41FA5}">
+                      <a16:colId xmlns:a16="http://schemas.microsoft.com/office/drawing/2014/main" val="2487786920"/>
+                    </a:ext>
+                  </a:extLst>
+                </a:gridCol>
+                <a:gridCol w="1224227">
+                  <a:extLst>
+                    <a:ext uri="{9D8B030D-6E8A-4147-A177-3AD203B41FA5}">
+                      <a16:colId xmlns:a16="http://schemas.microsoft.com/office/drawing/2014/main" val="2880307875"/>
+                    </a:ext>
+                  </a:extLst>
+                </a:gridCol>
+              </a:tblGrid>
+              <a:tr h="370840">
+                <a:tc>
+                  <a:txBody>
+                    <a:bodyPr/>
+                    <a:lstStyle/>
+                    <a:p>
+                      <a:pPr algn="ctr"/>
+                      <a:r>
+                        <a:rPr lang="en-US" sz="1400" dirty="0"/>
+                        <a:t>N = 4</a:t>
+                      </a:r>
+                      <a:endParaRPr lang="it-IT" sz="1400" dirty="0"/>
+                    </a:p>
+                  </a:txBody>
+                  <a:tcPr/>
+                </a:tc>
+                <a:tc>
+                  <a:txBody>
+                    <a:bodyPr/>
+                    <a:lstStyle/>
+                    <a:p>
+                      <a:pPr algn="ctr"/>
+                      <a:r>
+                        <a:rPr lang="en-US" sz="1400" dirty="0"/>
+                        <a:t>Spec</a:t>
+                      </a:r>
+                      <a:endParaRPr lang="it-IT" sz="1400" dirty="0"/>
+                    </a:p>
+                  </a:txBody>
+                  <a:tcPr/>
+                </a:tc>
+                <a:tc>
+                  <a:txBody>
+                    <a:bodyPr/>
+                    <a:lstStyle/>
+                    <a:p>
+                      <a:pPr algn="ctr"/>
+                      <a:r>
+                        <a:rPr lang="en-US" sz="1400" dirty="0"/>
+                        <a:t>Design</a:t>
+                      </a:r>
+                      <a:endParaRPr lang="it-IT" sz="1400" dirty="0"/>
+                    </a:p>
+                  </a:txBody>
+                  <a:tcPr/>
+                </a:tc>
+                <a:tc>
+                  <a:txBody>
+                    <a:bodyPr/>
+                    <a:lstStyle/>
+                    <a:p>
+                      <a:pPr algn="ctr"/>
+                      <a:r>
+                        <a:rPr lang="en-US" sz="1400" dirty="0"/>
+                        <a:t>Breadboard</a:t>
+                      </a:r>
+                      <a:endParaRPr lang="it-IT" sz="1400" dirty="0"/>
+                    </a:p>
+                  </a:txBody>
+                  <a:tcPr/>
+                </a:tc>
+                <a:tc>
+                  <a:txBody>
+                    <a:bodyPr/>
+                    <a:lstStyle/>
+                    <a:p>
+                      <a:pPr algn="ctr"/>
+                      <a:r>
+                        <a:rPr lang="en-US" sz="1400" dirty="0"/>
+                        <a:t>Software</a:t>
+                      </a:r>
+                      <a:endParaRPr lang="it-IT" sz="1400" dirty="0"/>
+                    </a:p>
+                  </a:txBody>
+                  <a:tcPr/>
+                </a:tc>
+                <a:tc>
+                  <a:txBody>
+                    <a:bodyPr/>
+                    <a:lstStyle/>
+                    <a:p>
+                      <a:pPr algn="ctr"/>
+                      <a:r>
+                        <a:rPr lang="en-US" sz="1400" dirty="0"/>
+                        <a:t>Test</a:t>
+                      </a:r>
+                      <a:endParaRPr lang="it-IT" sz="1400" dirty="0"/>
+                    </a:p>
+                  </a:txBody>
+                  <a:tcPr/>
+                </a:tc>
+                <a:extLst>
+                  <a:ext uri="{0D108BD9-81ED-4DB2-BD59-A6C34878D82A}">
+                    <a16:rowId xmlns:a16="http://schemas.microsoft.com/office/drawing/2014/main" val="3946023780"/>
+                  </a:ext>
+                </a:extLst>
+              </a:tr>
+              <a:tr h="370840">
+                <a:tc>
+                  <a:txBody>
+                    <a:bodyPr/>
+                    <a:lstStyle/>
+                    <a:p>
+                      <a:pPr marL="0" algn="ctr" defTabSz="914400" rtl="0" eaLnBrk="1" latinLnBrk="0" hangingPunct="1"/>
+                      <a:r>
+                        <a:rPr lang="en-US" sz="1200" kern="1200" dirty="0">
+                          <a:solidFill>
+                            <a:schemeClr val="bg1"/>
+                          </a:solidFill>
+                          <a:latin typeface="+mn-lt"/>
+                          <a:ea typeface="+mn-ea"/>
+                          <a:cs typeface="+mn-cs"/>
+                        </a:rPr>
+                        <a:t>Mean value</a:t>
+                      </a:r>
+                      <a:endParaRPr lang="it-IT" sz="1200" kern="1200" dirty="0">
+                        <a:solidFill>
+                          <a:schemeClr val="bg1"/>
+                        </a:solidFill>
+                        <a:latin typeface="+mn-lt"/>
+                        <a:ea typeface="+mn-ea"/>
+                        <a:cs typeface="+mn-cs"/>
+                      </a:endParaRPr>
+                    </a:p>
+                  </a:txBody>
+                  <a:tcPr/>
+                </a:tc>
+                <a:tc>
+                  <a:txBody>
+                    <a:bodyPr/>
+                    <a:lstStyle/>
+                    <a:p>
+                      <a:pPr marL="0" algn="ctr" defTabSz="914400" rtl="0" eaLnBrk="1" latinLnBrk="0" hangingPunct="1"/>
+                      <a:r>
+                        <a:rPr lang="it-IT" sz="1200" kern="1200" dirty="0">
+                          <a:solidFill>
+                            <a:schemeClr val="bg1"/>
+                          </a:solidFill>
+                          <a:latin typeface="+mn-lt"/>
+                          <a:ea typeface="+mn-ea"/>
+                          <a:cs typeface="+mn-cs"/>
+                        </a:rPr>
+                        <a:t>0.7412</a:t>
+                      </a:r>
+                    </a:p>
+                  </a:txBody>
+                  <a:tcPr/>
+                </a:tc>
+                <a:tc>
+                  <a:txBody>
+                    <a:bodyPr/>
+                    <a:lstStyle/>
+                    <a:p>
+                      <a:pPr marL="0" algn="ctr" defTabSz="914400" rtl="0" eaLnBrk="1" latinLnBrk="0" hangingPunct="1"/>
+                      <a:r>
+                        <a:rPr lang="it-IT" sz="1200" kern="1200" dirty="0">
+                          <a:solidFill>
+                            <a:schemeClr val="bg1"/>
+                          </a:solidFill>
+                          <a:latin typeface="+mn-lt"/>
+                          <a:ea typeface="+mn-ea"/>
+                          <a:cs typeface="+mn-cs"/>
+                        </a:rPr>
+                        <a:t>0.4919</a:t>
+                      </a:r>
+                    </a:p>
+                  </a:txBody>
+                  <a:tcPr/>
+                </a:tc>
+                <a:tc>
+                  <a:txBody>
+                    <a:bodyPr/>
+                    <a:lstStyle/>
+                    <a:p>
+                      <a:pPr marL="0" algn="ctr" defTabSz="914400" rtl="0" eaLnBrk="1" latinLnBrk="0" hangingPunct="1"/>
+                      <a:r>
+                        <a:rPr lang="it-IT" sz="1200" kern="1200" dirty="0">
+                          <a:solidFill>
+                            <a:schemeClr val="bg1"/>
+                          </a:solidFill>
+                          <a:latin typeface="+mn-lt"/>
+                          <a:ea typeface="+mn-ea"/>
+                          <a:cs typeface="+mn-cs"/>
+                        </a:rPr>
+                        <a:t>0.2445</a:t>
+                      </a:r>
+                    </a:p>
+                  </a:txBody>
+                  <a:tcPr/>
+                </a:tc>
+                <a:tc>
+                  <a:txBody>
+                    <a:bodyPr/>
+                    <a:lstStyle/>
+                    <a:p>
+                      <a:pPr marL="0" algn="ctr" defTabSz="914400" rtl="0" eaLnBrk="1" latinLnBrk="0" hangingPunct="1"/>
+                      <a:r>
+                        <a:rPr lang="it-IT" sz="1200" kern="1200" dirty="0">
+                          <a:solidFill>
+                            <a:schemeClr val="bg1"/>
+                          </a:solidFill>
+                          <a:latin typeface="+mn-lt"/>
+                          <a:ea typeface="+mn-ea"/>
+                          <a:cs typeface="+mn-cs"/>
+                        </a:rPr>
+                        <a:t>0.7476</a:t>
+                      </a:r>
+                    </a:p>
+                  </a:txBody>
+                  <a:tcPr/>
+                </a:tc>
+                <a:tc>
+                  <a:txBody>
+                    <a:bodyPr/>
+                    <a:lstStyle/>
+                    <a:p>
+                      <a:pPr marL="0" algn="ctr" defTabSz="914400" rtl="0" eaLnBrk="1" latinLnBrk="0" hangingPunct="1"/>
+                      <a:r>
+                        <a:rPr lang="it-IT" sz="1200" kern="1200" dirty="0">
+                          <a:solidFill>
+                            <a:schemeClr val="bg1"/>
+                          </a:solidFill>
+                          <a:latin typeface="+mn-lt"/>
+                          <a:ea typeface="+mn-ea"/>
+                          <a:cs typeface="+mn-cs"/>
+                        </a:rPr>
+                        <a:t>0.3747</a:t>
+                      </a:r>
+                    </a:p>
+                  </a:txBody>
+                  <a:tcPr/>
+                </a:tc>
+                <a:extLst>
+                  <a:ext uri="{0D108BD9-81ED-4DB2-BD59-A6C34878D82A}">
+                    <a16:rowId xmlns:a16="http://schemas.microsoft.com/office/drawing/2014/main" val="3738938043"/>
+                  </a:ext>
+                </a:extLst>
+              </a:tr>
+              <a:tr h="370840">
+                <a:tc>
+                  <a:txBody>
+                    <a:bodyPr/>
+                    <a:lstStyle/>
+                    <a:p>
+                      <a:pPr marL="0" algn="ctr" defTabSz="914400" rtl="0" eaLnBrk="1" latinLnBrk="0" hangingPunct="1"/>
+                      <a:r>
+                        <a:rPr lang="en-US" sz="1200" kern="1200" dirty="0">
+                          <a:solidFill>
+                            <a:schemeClr val="bg1"/>
+                          </a:solidFill>
+                          <a:latin typeface="+mn-lt"/>
+                          <a:ea typeface="+mn-ea"/>
+                          <a:cs typeface="+mn-cs"/>
+                        </a:rPr>
+                        <a:t>Max Conf. Int.</a:t>
+                      </a:r>
+                      <a:endParaRPr lang="it-IT" sz="1200" kern="1200" dirty="0">
+                        <a:solidFill>
+                          <a:schemeClr val="bg1"/>
+                        </a:solidFill>
+                        <a:latin typeface="+mn-lt"/>
+                        <a:ea typeface="+mn-ea"/>
+                        <a:cs typeface="+mn-cs"/>
+                      </a:endParaRPr>
+                    </a:p>
+                  </a:txBody>
+                  <a:tcPr/>
+                </a:tc>
+                <a:tc>
+                  <a:txBody>
+                    <a:bodyPr/>
+                    <a:lstStyle/>
+                    <a:p>
+                      <a:pPr marL="0" algn="ctr" defTabSz="914400" rtl="0" eaLnBrk="1" latinLnBrk="0" hangingPunct="1"/>
+                      <a:r>
+                        <a:rPr lang="it-IT" sz="1200" kern="1200" dirty="0">
+                          <a:solidFill>
+                            <a:schemeClr val="bg1"/>
+                          </a:solidFill>
+                          <a:latin typeface="+mn-lt"/>
+                          <a:ea typeface="+mn-ea"/>
+                          <a:cs typeface="+mn-cs"/>
+                        </a:rPr>
+                        <a:t>0.7527</a:t>
+                      </a:r>
+                    </a:p>
+                  </a:txBody>
+                  <a:tcPr/>
+                </a:tc>
+                <a:tc>
+                  <a:txBody>
+                    <a:bodyPr/>
+                    <a:lstStyle/>
+                    <a:p>
+                      <a:pPr marL="0" algn="ctr" defTabSz="914400" rtl="0" eaLnBrk="1" latinLnBrk="0" hangingPunct="1"/>
+                      <a:r>
+                        <a:rPr lang="it-IT" sz="1200" kern="1200" dirty="0">
+                          <a:solidFill>
+                            <a:schemeClr val="bg1"/>
+                          </a:solidFill>
+                          <a:latin typeface="+mn-lt"/>
+                          <a:ea typeface="+mn-ea"/>
+                          <a:cs typeface="+mn-cs"/>
+                        </a:rPr>
+                        <a:t>0.4993</a:t>
+                      </a:r>
+                    </a:p>
+                  </a:txBody>
+                  <a:tcPr/>
+                </a:tc>
+                <a:tc>
+                  <a:txBody>
+                    <a:bodyPr/>
+                    <a:lstStyle/>
+                    <a:p>
+                      <a:pPr marL="0" algn="ctr" defTabSz="914400" rtl="0" eaLnBrk="1" latinLnBrk="0" hangingPunct="1"/>
+                      <a:r>
+                        <a:rPr lang="it-IT" sz="1200" kern="1200" dirty="0">
+                          <a:solidFill>
+                            <a:schemeClr val="bg1"/>
+                          </a:solidFill>
+                          <a:latin typeface="+mn-lt"/>
+                          <a:ea typeface="+mn-ea"/>
+                          <a:cs typeface="+mn-cs"/>
+                        </a:rPr>
+                        <a:t>0.2489</a:t>
+                      </a:r>
+                    </a:p>
+                  </a:txBody>
+                  <a:tcPr/>
+                </a:tc>
+                <a:tc>
+                  <a:txBody>
+                    <a:bodyPr/>
+                    <a:lstStyle/>
+                    <a:p>
+                      <a:pPr marL="0" algn="ctr" defTabSz="914400" rtl="0" eaLnBrk="1" latinLnBrk="0" hangingPunct="1"/>
+                      <a:r>
+                        <a:rPr lang="it-IT" sz="1200" kern="1200" dirty="0">
+                          <a:solidFill>
+                            <a:schemeClr val="bg1"/>
+                          </a:solidFill>
+                          <a:latin typeface="+mn-lt"/>
+                          <a:ea typeface="+mn-ea"/>
+                          <a:cs typeface="+mn-cs"/>
+                        </a:rPr>
+                        <a:t>0.7627</a:t>
+                      </a:r>
+                    </a:p>
+                  </a:txBody>
+                  <a:tcPr/>
+                </a:tc>
+                <a:tc>
+                  <a:txBody>
+                    <a:bodyPr/>
+                    <a:lstStyle/>
+                    <a:p>
+                      <a:pPr marL="0" algn="ctr" defTabSz="914400" rtl="0" eaLnBrk="1" latinLnBrk="0" hangingPunct="1"/>
+                      <a:r>
+                        <a:rPr lang="it-IT" sz="1200" kern="1200" dirty="0">
+                          <a:solidFill>
+                            <a:schemeClr val="bg1"/>
+                          </a:solidFill>
+                          <a:latin typeface="+mn-lt"/>
+                          <a:ea typeface="+mn-ea"/>
+                          <a:cs typeface="+mn-cs"/>
+                        </a:rPr>
+                        <a:t>0.3847</a:t>
+                      </a:r>
+                    </a:p>
+                  </a:txBody>
+                  <a:tcPr/>
+                </a:tc>
+                <a:extLst>
+                  <a:ext uri="{0D108BD9-81ED-4DB2-BD59-A6C34878D82A}">
+                    <a16:rowId xmlns:a16="http://schemas.microsoft.com/office/drawing/2014/main" val="2650785110"/>
+                  </a:ext>
+                </a:extLst>
+              </a:tr>
+              <a:tr h="370840">
+                <a:tc>
+                  <a:txBody>
+                    <a:bodyPr/>
+                    <a:lstStyle/>
+                    <a:p>
+                      <a:pPr marL="0" algn="ctr" defTabSz="914400" rtl="0" eaLnBrk="1" latinLnBrk="0" hangingPunct="1"/>
+                      <a:r>
+                        <a:rPr lang="en-US" sz="1200" kern="1200" dirty="0">
+                          <a:solidFill>
+                            <a:schemeClr val="bg1"/>
+                          </a:solidFill>
+                          <a:latin typeface="+mn-lt"/>
+                          <a:ea typeface="+mn-ea"/>
+                          <a:cs typeface="+mn-cs"/>
+                        </a:rPr>
+                        <a:t>Min Conf. Int.</a:t>
+                      </a:r>
+                      <a:endParaRPr lang="it-IT" sz="1200" kern="1200" dirty="0">
+                        <a:solidFill>
+                          <a:schemeClr val="bg1"/>
+                        </a:solidFill>
+                        <a:latin typeface="+mn-lt"/>
+                        <a:ea typeface="+mn-ea"/>
+                        <a:cs typeface="+mn-cs"/>
+                      </a:endParaRPr>
+                    </a:p>
+                  </a:txBody>
+                  <a:tcPr/>
+                </a:tc>
+                <a:tc>
+                  <a:txBody>
+                    <a:bodyPr/>
+                    <a:lstStyle/>
+                    <a:p>
+                      <a:pPr marL="0" algn="ctr" defTabSz="914400" rtl="0" eaLnBrk="1" latinLnBrk="0" hangingPunct="1"/>
+                      <a:r>
+                        <a:rPr lang="it-IT" sz="1200" kern="1200" dirty="0">
+                          <a:solidFill>
+                            <a:schemeClr val="bg1"/>
+                          </a:solidFill>
+                          <a:latin typeface="+mn-lt"/>
+                          <a:ea typeface="+mn-ea"/>
+                          <a:cs typeface="+mn-cs"/>
+                        </a:rPr>
+                        <a:t>0.7298</a:t>
+                      </a:r>
+                    </a:p>
+                  </a:txBody>
+                  <a:tcPr/>
+                </a:tc>
+                <a:tc>
+                  <a:txBody>
+                    <a:bodyPr/>
+                    <a:lstStyle/>
+                    <a:p>
+                      <a:pPr marL="0" algn="ctr" defTabSz="914400" rtl="0" eaLnBrk="1" latinLnBrk="0" hangingPunct="1"/>
+                      <a:r>
+                        <a:rPr lang="it-IT" sz="1200" kern="1200" dirty="0">
+                          <a:solidFill>
+                            <a:schemeClr val="bg1"/>
+                          </a:solidFill>
+                          <a:latin typeface="+mn-lt"/>
+                          <a:ea typeface="+mn-ea"/>
+                          <a:cs typeface="+mn-cs"/>
+                        </a:rPr>
+                        <a:t>0.4845</a:t>
+                      </a:r>
+                    </a:p>
+                  </a:txBody>
+                  <a:tcPr/>
+                </a:tc>
+                <a:tc>
+                  <a:txBody>
+                    <a:bodyPr/>
+                    <a:lstStyle/>
+                    <a:p>
+                      <a:pPr marL="0" algn="ctr" defTabSz="914400" rtl="0" eaLnBrk="1" latinLnBrk="0" hangingPunct="1"/>
+                      <a:r>
+                        <a:rPr lang="it-IT" sz="1200" kern="1200" dirty="0">
+                          <a:solidFill>
+                            <a:schemeClr val="bg1"/>
+                          </a:solidFill>
+                          <a:latin typeface="+mn-lt"/>
+                          <a:ea typeface="+mn-ea"/>
+                          <a:cs typeface="+mn-cs"/>
+                        </a:rPr>
+                        <a:t>0.2402</a:t>
+                      </a:r>
+                    </a:p>
+                  </a:txBody>
+                  <a:tcPr/>
+                </a:tc>
+                <a:tc>
+                  <a:txBody>
+                    <a:bodyPr/>
+                    <a:lstStyle/>
+                    <a:p>
+                      <a:pPr marL="0" algn="ctr" defTabSz="914400" rtl="0" eaLnBrk="1" latinLnBrk="0" hangingPunct="1"/>
+                      <a:r>
+                        <a:rPr lang="it-IT" sz="1200" kern="1200" dirty="0">
+                          <a:solidFill>
+                            <a:schemeClr val="bg1"/>
+                          </a:solidFill>
+                          <a:latin typeface="+mn-lt"/>
+                          <a:ea typeface="+mn-ea"/>
+                          <a:cs typeface="+mn-cs"/>
+                        </a:rPr>
+                        <a:t>0.7325</a:t>
+                      </a:r>
+                    </a:p>
+                  </a:txBody>
+                  <a:tcPr/>
+                </a:tc>
+                <a:tc>
+                  <a:txBody>
+                    <a:bodyPr/>
+                    <a:lstStyle/>
+                    <a:p>
+                      <a:pPr marL="0" algn="ctr" defTabSz="914400" rtl="0" eaLnBrk="1" latinLnBrk="0" hangingPunct="1"/>
+                      <a:r>
+                        <a:rPr lang="it-IT" sz="1200" kern="1200" dirty="0">
+                          <a:solidFill>
+                            <a:schemeClr val="bg1"/>
+                          </a:solidFill>
+                          <a:latin typeface="+mn-lt"/>
+                          <a:ea typeface="+mn-ea"/>
+                          <a:cs typeface="+mn-cs"/>
+                        </a:rPr>
+                        <a:t>0.3647</a:t>
+                      </a:r>
+                    </a:p>
+                  </a:txBody>
+                  <a:tcPr/>
+                </a:tc>
+                <a:extLst>
+                  <a:ext uri="{0D108BD9-81ED-4DB2-BD59-A6C34878D82A}">
+                    <a16:rowId xmlns:a16="http://schemas.microsoft.com/office/drawing/2014/main" val="1453967706"/>
+                  </a:ext>
+                </a:extLst>
+              </a:tr>
+            </a:tbl>
+          </a:graphicData>
+        </a:graphic>
+      </p:graphicFrame>
+    </p:spTree>
+    <p:extLst>
+      <p:ext uri="{BB962C8B-B14F-4D97-AF65-F5344CB8AC3E}">
+        <p14:creationId xmlns:p14="http://schemas.microsoft.com/office/powerpoint/2010/main" val="2578427223"/>
       </p:ext>
     </p:extLst>
   </p:cSld>
@@ -16630,7 +18232,7 @@
       </p:sp>
       <p:pic>
         <p:nvPicPr>
-          <p:cNvPr id="8" name="Segnaposto immagine 7" descr="Dati digitali">
+          <p:cNvPr id="8" name="Segnaposto immagine 7">
             <a:extLst>
               <a:ext uri="{FF2B5EF4-FFF2-40B4-BE49-F238E27FC236}">
                 <a16:creationId xmlns:a16="http://schemas.microsoft.com/office/drawing/2014/main" id="{06D2324F-3B7B-45EF-9584-C8EADD2C8C0B}"/>
@@ -16645,20 +18247,14 @@
           </p:nvPr>
         </p:nvPicPr>
         <p:blipFill rotWithShape="1">
-          <a:blip r:embed="rId2" cstate="screen">
-            <a:extLst>
-              <a:ext uri="{28A0092B-C50C-407E-A947-70E740481C1C}">
-                <a14:useLocalDpi xmlns:a14="http://schemas.microsoft.com/office/drawing/2010/main" val="0"/>
-              </a:ext>
-            </a:extLst>
-          </a:blip>
+          <a:blip r:embed="rId2"/>
           <a:srcRect/>
           <a:stretch/>
         </p:blipFill>
         <p:spPr>
           <a:xfrm>
-            <a:off x="5208928" y="1596771"/>
-            <a:ext cx="3448558" cy="3448558"/>
+            <a:off x="5208928" y="1734290"/>
+            <a:ext cx="3448558" cy="3173519"/>
           </a:xfrm>
         </p:spPr>
       </p:pic>
@@ -16782,14 +18378,6 @@
 <file path=ppt/slides/slide3.xml><?xml version="1.0" encoding="utf-8"?>
 <p:sld xmlns:a="http://schemas.openxmlformats.org/drawingml/2006/main" xmlns:r="http://schemas.openxmlformats.org/officeDocument/2006/relationships" xmlns:p="http://schemas.openxmlformats.org/presentationml/2006/main">
   <p:cSld>
-    <p:bg>
-      <p:bgPr>
-        <a:solidFill>
-          <a:schemeClr val="bg2"/>
-        </a:solidFill>
-        <a:effectLst/>
-      </p:bgPr>
-    </p:bg>
     <p:spTree>
       <p:nvGrpSpPr>
         <p:cNvPr id="1" name=""/>
@@ -16806,1076 +18394,6 @@
       </p:grpSpPr>
       <p:sp>
         <p:nvSpPr>
-          <p:cNvPr id="34" name="Figura a mano libera: Forma 33">
-            <a:extLst>
-              <a:ext uri="{FF2B5EF4-FFF2-40B4-BE49-F238E27FC236}">
-                <a16:creationId xmlns:a16="http://schemas.microsoft.com/office/drawing/2014/main" id="{82184FF4-7029-4ED7-813A-192E60608764}"/>
-              </a:ext>
-              <a:ext uri="{C183D7F6-B498-43B3-948B-1728B52AA6E4}">
-                <adec:decorative xmlns:adec="http://schemas.microsoft.com/office/drawing/2017/decorative" val="1"/>
-              </a:ext>
-            </a:extLst>
-          </p:cNvPr>
-          <p:cNvSpPr>
-            <a:spLocks noGrp="1" noRot="1" noChangeAspect="1" noMove="1" noResize="1" noEditPoints="1" noAdjustHandles="1" noChangeArrowheads="1" noChangeShapeType="1" noTextEdit="1"/>
-          </p:cNvSpPr>
-          <p:nvPr>
-            <p:extLst>
-              <p:ext uri="{386F3935-93C4-4BCD-93E2-E3B085C9AB24}">
-                <p16:designElem xmlns:p16="http://schemas.microsoft.com/office/powerpoint/2015/main" val="1"/>
-              </p:ext>
-            </p:extLst>
-          </p:nvPr>
-        </p:nvSpPr>
-        <p:spPr>
-          <a:xfrm rot="2700000">
-            <a:off x="612445" y="481888"/>
-            <a:ext cx="1080000" cy="1262947"/>
-          </a:xfrm>
-          <a:custGeom>
-            <a:avLst/>
-            <a:gdLst/>
-            <a:ahLst/>
-            <a:cxnLst/>
-            <a:rect l="l" t="t" r="r" b="b"/>
-            <a:pathLst>
-              <a:path w="1080000" h="1262947">
-                <a:moveTo>
-                  <a:pt x="540000" y="0"/>
-                </a:moveTo>
-                <a:lnTo>
-                  <a:pt x="1064374" y="931034"/>
-                </a:lnTo>
-                <a:lnTo>
-                  <a:pt x="1069029" y="938533"/>
-                </a:lnTo>
-                <a:cubicBezTo>
-                  <a:pt x="1076223" y="956109"/>
-                  <a:pt x="1080000" y="974307"/>
-                  <a:pt x="1080000" y="992947"/>
-                </a:cubicBezTo>
-                <a:cubicBezTo>
-                  <a:pt x="1080000" y="1142064"/>
-                  <a:pt x="838234" y="1262947"/>
-                  <a:pt x="540000" y="1262947"/>
-                </a:cubicBezTo>
-                <a:cubicBezTo>
-                  <a:pt x="241766" y="1262947"/>
-                  <a:pt x="0" y="1142064"/>
-                  <a:pt x="0" y="992947"/>
-                </a:cubicBezTo>
-                <a:cubicBezTo>
-                  <a:pt x="0" y="974307"/>
-                  <a:pt x="3778" y="956109"/>
-                  <a:pt x="10971" y="938533"/>
-                </a:cubicBezTo>
-                <a:lnTo>
-                  <a:pt x="15626" y="931034"/>
-                </a:lnTo>
-                <a:lnTo>
-                  <a:pt x="540000" y="0"/>
-                </a:lnTo>
-                <a:close/>
-              </a:path>
-            </a:pathLst>
-          </a:custGeom>
-          <a:gradFill>
-            <a:gsLst>
-              <a:gs pos="60000">
-                <a:schemeClr val="bg2">
-                  <a:lumMod val="90000"/>
-                  <a:lumOff val="10000"/>
-                </a:schemeClr>
-              </a:gs>
-              <a:gs pos="30000">
-                <a:schemeClr val="bg2">
-                  <a:lumMod val="90000"/>
-                  <a:lumOff val="10000"/>
-                </a:schemeClr>
-              </a:gs>
-              <a:gs pos="40000">
-                <a:schemeClr val="bg2">
-                  <a:lumMod val="75000"/>
-                  <a:lumOff val="25000"/>
-                </a:schemeClr>
-              </a:gs>
-              <a:gs pos="100000">
-                <a:schemeClr val="bg2"/>
-              </a:gs>
-            </a:gsLst>
-            <a:lin ang="600000" scaled="0"/>
-          </a:gradFill>
-          <a:ln>
-            <a:noFill/>
-          </a:ln>
-          <a:effectLst>
-            <a:innerShdw blurRad="254000" dist="101600" dir="2700000">
-              <a:schemeClr val="accent1">
-                <a:lumMod val="60000"/>
-                <a:lumOff val="40000"/>
-                <a:alpha val="40000"/>
-              </a:schemeClr>
-            </a:innerShdw>
-          </a:effectLst>
-        </p:spPr>
-        <p:style>
-          <a:lnRef idx="2">
-            <a:schemeClr val="accent1">
-              <a:shade val="50000"/>
-            </a:schemeClr>
-          </a:lnRef>
-          <a:fillRef idx="1">
-            <a:schemeClr val="accent1"/>
-          </a:fillRef>
-          <a:effectRef idx="0">
-            <a:schemeClr val="accent1"/>
-          </a:effectRef>
-          <a:fontRef idx="minor">
-            <a:schemeClr val="lt1"/>
-          </a:fontRef>
-        </p:style>
-        <p:txBody>
-          <a:bodyPr rot="0" spcFirstLastPara="0" vertOverflow="overflow" horzOverflow="overflow" vert="horz" wrap="square" lIns="91440" tIns="45720" rIns="91440" bIns="45720" numCol="1" spcCol="0" rtlCol="0" fromWordArt="0" anchor="ctr" anchorCtr="0" forceAA="0" compatLnSpc="1">
-            <a:prstTxWarp prst="textNoShape">
-              <a:avLst/>
-            </a:prstTxWarp>
-            <a:noAutofit/>
-          </a:bodyPr>
-          <a:lstStyle/>
-          <a:p>
-            <a:pPr algn="ctr" rtl="0"/>
-            <a:endParaRPr lang="it-IT" dirty="0"/>
-          </a:p>
-        </p:txBody>
-      </p:sp>
-      <p:sp>
-        <p:nvSpPr>
-          <p:cNvPr id="36" name="Ovale 35">
-            <a:extLst>
-              <a:ext uri="{FF2B5EF4-FFF2-40B4-BE49-F238E27FC236}">
-                <a16:creationId xmlns:a16="http://schemas.microsoft.com/office/drawing/2014/main" id="{AAA7AB09-557C-41AD-9113-FF9F68FA1035}"/>
-              </a:ext>
-              <a:ext uri="{C183D7F6-B498-43B3-948B-1728B52AA6E4}">
-                <adec:decorative xmlns:adec="http://schemas.microsoft.com/office/drawing/2017/decorative" val="1"/>
-              </a:ext>
-            </a:extLst>
-          </p:cNvPr>
-          <p:cNvSpPr>
-            <a:spLocks noGrp="1" noRot="1" noChangeAspect="1" noMove="1" noResize="1" noEditPoints="1" noAdjustHandles="1" noChangeArrowheads="1" noChangeShapeType="1" noTextEdit="1"/>
-          </p:cNvSpPr>
-          <p:nvPr>
-            <p:extLst>
-              <p:ext uri="{386F3935-93C4-4BCD-93E2-E3B085C9AB24}">
-                <p16:designElem xmlns:p16="http://schemas.microsoft.com/office/powerpoint/2015/main" val="1"/>
-              </p:ext>
-            </p:extLst>
-          </p:nvPr>
-        </p:nvSpPr>
-        <p:spPr>
-          <a:xfrm rot="8100000">
-            <a:off x="626845" y="828962"/>
-            <a:ext cx="540000" cy="1080000"/>
-          </a:xfrm>
-          <a:prstGeom prst="ellipse">
-            <a:avLst/>
-          </a:prstGeom>
-          <a:gradFill>
-            <a:gsLst>
-              <a:gs pos="100000">
-                <a:schemeClr val="bg2">
-                  <a:lumMod val="90000"/>
-                  <a:lumOff val="10000"/>
-                </a:schemeClr>
-              </a:gs>
-              <a:gs pos="50000">
-                <a:schemeClr val="bg2">
-                  <a:lumMod val="95000"/>
-                  <a:lumOff val="5000"/>
-                </a:schemeClr>
-              </a:gs>
-            </a:gsLst>
-            <a:lin ang="5400000" scaled="0"/>
-          </a:gradFill>
-          <a:ln>
-            <a:noFill/>
-          </a:ln>
-          <a:effectLst>
-            <a:innerShdw blurRad="1270000" dist="2540000">
-              <a:schemeClr val="accent1">
-                <a:lumMod val="60000"/>
-                <a:lumOff val="40000"/>
-                <a:alpha val="0"/>
-              </a:schemeClr>
-            </a:innerShdw>
-          </a:effectLst>
-        </p:spPr>
-        <p:style>
-          <a:lnRef idx="2">
-            <a:schemeClr val="accent1">
-              <a:shade val="50000"/>
-            </a:schemeClr>
-          </a:lnRef>
-          <a:fillRef idx="1">
-            <a:schemeClr val="accent1"/>
-          </a:fillRef>
-          <a:effectRef idx="0">
-            <a:schemeClr val="accent1"/>
-          </a:effectRef>
-          <a:fontRef idx="minor">
-            <a:schemeClr val="lt1"/>
-          </a:fontRef>
-        </p:style>
-        <p:txBody>
-          <a:bodyPr rot="0" spcFirstLastPara="0" vertOverflow="overflow" horzOverflow="overflow" vert="horz" wrap="square" lIns="91440" tIns="45720" rIns="91440" bIns="45720" numCol="1" spcCol="0" rtlCol="0" fromWordArt="0" anchor="ctr" anchorCtr="0" forceAA="0" compatLnSpc="1">
-            <a:prstTxWarp prst="textNoShape">
-              <a:avLst/>
-            </a:prstTxWarp>
-            <a:noAutofit/>
-          </a:bodyPr>
-          <a:lstStyle/>
-          <a:p>
-            <a:pPr algn="ctr" rtl="0"/>
-            <a:endParaRPr lang="it-IT" dirty="0"/>
-          </a:p>
-        </p:txBody>
-      </p:sp>
-      <p:sp>
-        <p:nvSpPr>
-          <p:cNvPr id="38" name="Ovale 37">
-            <a:extLst>
-              <a:ext uri="{FF2B5EF4-FFF2-40B4-BE49-F238E27FC236}">
-                <a16:creationId xmlns:a16="http://schemas.microsoft.com/office/drawing/2014/main" id="{EF99ECAA-1F11-4937-BBA6-51935AB44C9D}"/>
-              </a:ext>
-              <a:ext uri="{C183D7F6-B498-43B3-948B-1728B52AA6E4}">
-                <adec:decorative xmlns:adec="http://schemas.microsoft.com/office/drawing/2017/decorative" val="1"/>
-              </a:ext>
-            </a:extLst>
-          </p:cNvPr>
-          <p:cNvSpPr>
-            <a:spLocks noGrp="1" noRot="1" noChangeAspect="1" noMove="1" noResize="1" noEditPoints="1" noAdjustHandles="1" noChangeArrowheads="1" noChangeShapeType="1" noTextEdit="1"/>
-          </p:cNvSpPr>
-          <p:nvPr>
-            <p:extLst>
-              <p:ext uri="{386F3935-93C4-4BCD-93E2-E3B085C9AB24}">
-                <p16:designElem xmlns:p16="http://schemas.microsoft.com/office/powerpoint/2015/main" val="1"/>
-              </p:ext>
-            </p:extLst>
-          </p:nvPr>
-        </p:nvSpPr>
-        <p:spPr>
-          <a:xfrm>
-            <a:off x="1800802" y="2472855"/>
-            <a:ext cx="360000" cy="360000"/>
-          </a:xfrm>
-          <a:prstGeom prst="ellipse">
-            <a:avLst/>
-          </a:prstGeom>
-          <a:gradFill flip="none" rotWithShape="1">
-            <a:gsLst>
-              <a:gs pos="100000">
-                <a:schemeClr val="bg2">
-                  <a:lumMod val="50000"/>
-                  <a:lumOff val="50000"/>
-                </a:schemeClr>
-              </a:gs>
-              <a:gs pos="60000">
-                <a:schemeClr val="bg2"/>
-              </a:gs>
-            </a:gsLst>
-            <a:path path="circle">
-              <a:fillToRect l="100000" b="100000"/>
-            </a:path>
-            <a:tileRect t="-100000" r="-100000"/>
-          </a:gradFill>
-          <a:ln>
-            <a:noFill/>
-          </a:ln>
-          <a:effectLst>
-            <a:innerShdw blurRad="127000" dist="63500" dir="2700000">
-              <a:schemeClr val="accent1">
-                <a:lumMod val="60000"/>
-                <a:lumOff val="40000"/>
-                <a:alpha val="20000"/>
-              </a:schemeClr>
-            </a:innerShdw>
-            <a:softEdge rad="0"/>
-          </a:effectLst>
-        </p:spPr>
-        <p:style>
-          <a:lnRef idx="2">
-            <a:schemeClr val="accent1">
-              <a:shade val="50000"/>
-            </a:schemeClr>
-          </a:lnRef>
-          <a:fillRef idx="1">
-            <a:schemeClr val="accent1"/>
-          </a:fillRef>
-          <a:effectRef idx="0">
-            <a:schemeClr val="accent1"/>
-          </a:effectRef>
-          <a:fontRef idx="minor">
-            <a:schemeClr val="lt1"/>
-          </a:fontRef>
-        </p:style>
-        <p:txBody>
-          <a:bodyPr rot="0" spcFirstLastPara="0" vertOverflow="overflow" horzOverflow="overflow" vert="horz" wrap="square" lIns="91440" tIns="45720" rIns="91440" bIns="45720" numCol="1" spcCol="0" rtlCol="0" fromWordArt="0" anchor="ctr" anchorCtr="0" forceAA="0" compatLnSpc="1">
-            <a:prstTxWarp prst="textNoShape">
-              <a:avLst/>
-            </a:prstTxWarp>
-            <a:noAutofit/>
-          </a:bodyPr>
-          <a:lstStyle/>
-          <a:p>
-            <a:pPr algn="ctr" rtl="0"/>
-            <a:endParaRPr lang="it-IT" dirty="0"/>
-          </a:p>
-        </p:txBody>
-      </p:sp>
-      <p:grpSp>
-        <p:nvGrpSpPr>
-          <p:cNvPr id="40" name="Gruppo 39">
-            <a:extLst>
-              <a:ext uri="{FF2B5EF4-FFF2-40B4-BE49-F238E27FC236}">
-                <a16:creationId xmlns:a16="http://schemas.microsoft.com/office/drawing/2014/main" id="{79DE9FAB-6BBA-4CFE-B67D-77B47F01ECA4}"/>
-              </a:ext>
-              <a:ext uri="{C183D7F6-B498-43B3-948B-1728B52AA6E4}">
-                <adec:decorative xmlns:adec="http://schemas.microsoft.com/office/drawing/2017/decorative" val="1"/>
-              </a:ext>
-            </a:extLst>
-          </p:cNvPr>
-          <p:cNvGrpSpPr>
-            <a:grpSpLocks noGrp="1" noUngrp="1" noRot="1" noChangeAspect="1" noMove="1" noResize="1"/>
-          </p:cNvGrpSpPr>
-          <p:nvPr>
-            <p:extLst>
-              <p:ext uri="{386F3935-93C4-4BCD-93E2-E3B085C9AB24}">
-                <p16:designElem xmlns:p16="http://schemas.microsoft.com/office/powerpoint/2015/main" val="1"/>
-              </p:ext>
-            </p:extLst>
-          </p:nvPr>
-        </p:nvGrpSpPr>
-        <p:grpSpPr>
-          <a:xfrm>
-            <a:off x="1329952" y="4524379"/>
-            <a:ext cx="1980001" cy="1363916"/>
-            <a:chOff x="4879602" y="3781429"/>
-            <a:chExt cx="1980001" cy="1363916"/>
-          </a:xfrm>
-        </p:grpSpPr>
-        <p:sp>
-          <p:nvSpPr>
-            <p:cNvPr id="41" name="Figura a mano libera: Forma 40">
-              <a:extLst>
-                <a:ext uri="{FF2B5EF4-FFF2-40B4-BE49-F238E27FC236}">
-                  <a16:creationId xmlns:a16="http://schemas.microsoft.com/office/drawing/2014/main" id="{79FAC916-D9BB-4794-81B4-7C47C67E850D}"/>
-                </a:ext>
-                <a:ext uri="{C183D7F6-B498-43B3-948B-1728B52AA6E4}">
-                  <adec:decorative xmlns:adec="http://schemas.microsoft.com/office/drawing/2017/decorative" val="1"/>
-                </a:ext>
-              </a:extLst>
-            </p:cNvPr>
-            <p:cNvSpPr>
-              <a:spLocks noChangeAspect="1"/>
-            </p:cNvSpPr>
-            <p:nvPr>
-              <p:extLst>
-                <p:ext uri="{386F3935-93C4-4BCD-93E2-E3B085C9AB24}">
-                  <p16:designElem xmlns:p16="http://schemas.microsoft.com/office/powerpoint/2015/main" val="1"/>
-                </p:ext>
-              </p:extLst>
-            </p:nvPr>
-          </p:nvSpPr>
-          <p:spPr>
-            <a:xfrm rot="18900000" flipV="1">
-              <a:off x="5005634" y="4191206"/>
-              <a:ext cx="1853969" cy="926985"/>
-            </a:xfrm>
-            <a:custGeom>
-              <a:avLst/>
-              <a:gdLst>
-                <a:gd name="connsiteX0" fmla="*/ 1329373 w 2658746"/>
-                <a:gd name="connsiteY0" fmla="*/ 0 h 1329373"/>
-                <a:gd name="connsiteX1" fmla="*/ 2658746 w 2658746"/>
-                <a:gd name="connsiteY1" fmla="*/ 1329373 h 1329373"/>
-                <a:gd name="connsiteX2" fmla="*/ 1994059 w 2658746"/>
-                <a:gd name="connsiteY2" fmla="*/ 1329373 h 1329373"/>
-                <a:gd name="connsiteX3" fmla="*/ 1329373 w 2658746"/>
-                <a:gd name="connsiteY3" fmla="*/ 664687 h 1329373"/>
-                <a:gd name="connsiteX4" fmla="*/ 664687 w 2658746"/>
-                <a:gd name="connsiteY4" fmla="*/ 1329373 h 1329373"/>
-                <a:gd name="connsiteX5" fmla="*/ 0 w 2658746"/>
-                <a:gd name="connsiteY5" fmla="*/ 1329373 h 1329373"/>
-                <a:gd name="connsiteX6" fmla="*/ 1329373 w 2658746"/>
-                <a:gd name="connsiteY6" fmla="*/ 0 h 1329373"/>
-              </a:gdLst>
-              <a:ahLst/>
-              <a:cxnLst>
-                <a:cxn ang="0">
-                  <a:pos x="connsiteX0" y="connsiteY0"/>
-                </a:cxn>
-                <a:cxn ang="0">
-                  <a:pos x="connsiteX1" y="connsiteY1"/>
-                </a:cxn>
-                <a:cxn ang="0">
-                  <a:pos x="connsiteX2" y="connsiteY2"/>
-                </a:cxn>
-                <a:cxn ang="0">
-                  <a:pos x="connsiteX3" y="connsiteY3"/>
-                </a:cxn>
-                <a:cxn ang="0">
-                  <a:pos x="connsiteX4" y="connsiteY4"/>
-                </a:cxn>
-                <a:cxn ang="0">
-                  <a:pos x="connsiteX5" y="connsiteY5"/>
-                </a:cxn>
-                <a:cxn ang="0">
-                  <a:pos x="connsiteX6" y="connsiteY6"/>
-                </a:cxn>
-              </a:cxnLst>
-              <a:rect l="l" t="t" r="r" b="b"/>
-              <a:pathLst>
-                <a:path w="2658746" h="1329373">
-                  <a:moveTo>
-                    <a:pt x="1329373" y="0"/>
-                  </a:moveTo>
-                  <a:cubicBezTo>
-                    <a:pt x="2063565" y="0"/>
-                    <a:pt x="2658746" y="595181"/>
-                    <a:pt x="2658746" y="1329373"/>
-                  </a:cubicBezTo>
-                  <a:lnTo>
-                    <a:pt x="1994059" y="1329373"/>
-                  </a:lnTo>
-                  <a:cubicBezTo>
-                    <a:pt x="1994059" y="962277"/>
-                    <a:pt x="1696469" y="664687"/>
-                    <a:pt x="1329373" y="664687"/>
-                  </a:cubicBezTo>
-                  <a:cubicBezTo>
-                    <a:pt x="962277" y="664687"/>
-                    <a:pt x="664687" y="962277"/>
-                    <a:pt x="664687" y="1329373"/>
-                  </a:cubicBezTo>
-                  <a:lnTo>
-                    <a:pt x="0" y="1329373"/>
-                  </a:lnTo>
-                  <a:cubicBezTo>
-                    <a:pt x="0" y="595181"/>
-                    <a:pt x="595181" y="0"/>
-                    <a:pt x="1329373" y="0"/>
-                  </a:cubicBezTo>
-                  <a:close/>
-                </a:path>
-              </a:pathLst>
-            </a:custGeom>
-            <a:solidFill>
-              <a:schemeClr val="bg2"/>
-            </a:solidFill>
-            <a:ln>
-              <a:noFill/>
-            </a:ln>
-            <a:effectLst>
-              <a:innerShdw blurRad="254000" dist="50800" dir="16200000">
-                <a:schemeClr val="accent1">
-                  <a:lumMod val="40000"/>
-                  <a:lumOff val="60000"/>
-                  <a:alpha val="40000"/>
-                </a:schemeClr>
-              </a:innerShdw>
-            </a:effectLst>
-          </p:spPr>
-          <p:style>
-            <a:lnRef idx="2">
-              <a:schemeClr val="accent1">
-                <a:shade val="50000"/>
-              </a:schemeClr>
-            </a:lnRef>
-            <a:fillRef idx="1">
-              <a:schemeClr val="accent1"/>
-            </a:fillRef>
-            <a:effectRef idx="0">
-              <a:schemeClr val="accent1"/>
-            </a:effectRef>
-            <a:fontRef idx="minor">
-              <a:schemeClr val="lt1"/>
-            </a:fontRef>
-          </p:style>
-          <p:txBody>
-            <a:bodyPr rtlCol="0" anchor="ctr"/>
-            <a:lstStyle/>
-            <a:p>
-              <a:pPr algn="ctr" rtl="0"/>
-              <a:endParaRPr lang="it-IT" dirty="0"/>
-            </a:p>
-          </p:txBody>
-        </p:sp>
-        <p:sp>
-          <p:nvSpPr>
-            <p:cNvPr id="42" name="Figura a mano libera: Forma 41">
-              <a:extLst>
-                <a:ext uri="{FF2B5EF4-FFF2-40B4-BE49-F238E27FC236}">
-                  <a16:creationId xmlns:a16="http://schemas.microsoft.com/office/drawing/2014/main" id="{B5CA2231-7A65-4D16-8400-A210CC41DB73}"/>
-                </a:ext>
-                <a:ext uri="{C183D7F6-B498-43B3-948B-1728B52AA6E4}">
-                  <adec:decorative xmlns:adec="http://schemas.microsoft.com/office/drawing/2017/decorative" val="1"/>
-                </a:ext>
-              </a:extLst>
-            </p:cNvPr>
-            <p:cNvSpPr>
-              <a:spLocks noChangeAspect="1"/>
-            </p:cNvSpPr>
-            <p:nvPr>
-              <p:extLst>
-                <p:ext uri="{386F3935-93C4-4BCD-93E2-E3B085C9AB24}">
-                  <p16:designElem xmlns:p16="http://schemas.microsoft.com/office/powerpoint/2015/main" val="1"/>
-                </p:ext>
-              </p:extLst>
-            </p:nvPr>
-          </p:nvSpPr>
-          <p:spPr>
-            <a:xfrm rot="18900000" flipV="1">
-              <a:off x="4957101" y="4052255"/>
-              <a:ext cx="1853969" cy="1093090"/>
-            </a:xfrm>
-            <a:custGeom>
-              <a:avLst/>
-              <a:gdLst>
-                <a:gd name="connsiteX0" fmla="*/ 1329373 w 2658746"/>
-                <a:gd name="connsiteY0" fmla="*/ 0 h 1329373"/>
-                <a:gd name="connsiteX1" fmla="*/ 2658746 w 2658746"/>
-                <a:gd name="connsiteY1" fmla="*/ 1329373 h 1329373"/>
-                <a:gd name="connsiteX2" fmla="*/ 1994059 w 2658746"/>
-                <a:gd name="connsiteY2" fmla="*/ 1329373 h 1329373"/>
-                <a:gd name="connsiteX3" fmla="*/ 1329373 w 2658746"/>
-                <a:gd name="connsiteY3" fmla="*/ 664687 h 1329373"/>
-                <a:gd name="connsiteX4" fmla="*/ 664687 w 2658746"/>
-                <a:gd name="connsiteY4" fmla="*/ 1329373 h 1329373"/>
-                <a:gd name="connsiteX5" fmla="*/ 0 w 2658746"/>
-                <a:gd name="connsiteY5" fmla="*/ 1329373 h 1329373"/>
-                <a:gd name="connsiteX6" fmla="*/ 1329373 w 2658746"/>
-                <a:gd name="connsiteY6" fmla="*/ 0 h 1329373"/>
-              </a:gdLst>
-              <a:ahLst/>
-              <a:cxnLst>
-                <a:cxn ang="0">
-                  <a:pos x="connsiteX0" y="connsiteY0"/>
-                </a:cxn>
-                <a:cxn ang="0">
-                  <a:pos x="connsiteX1" y="connsiteY1"/>
-                </a:cxn>
-                <a:cxn ang="0">
-                  <a:pos x="connsiteX2" y="connsiteY2"/>
-                </a:cxn>
-                <a:cxn ang="0">
-                  <a:pos x="connsiteX3" y="connsiteY3"/>
-                </a:cxn>
-                <a:cxn ang="0">
-                  <a:pos x="connsiteX4" y="connsiteY4"/>
-                </a:cxn>
-                <a:cxn ang="0">
-                  <a:pos x="connsiteX5" y="connsiteY5"/>
-                </a:cxn>
-                <a:cxn ang="0">
-                  <a:pos x="connsiteX6" y="connsiteY6"/>
-                </a:cxn>
-              </a:cxnLst>
-              <a:rect l="l" t="t" r="r" b="b"/>
-              <a:pathLst>
-                <a:path w="2658746" h="1329373">
-                  <a:moveTo>
-                    <a:pt x="1329373" y="0"/>
-                  </a:moveTo>
-                  <a:cubicBezTo>
-                    <a:pt x="2063565" y="0"/>
-                    <a:pt x="2658746" y="595181"/>
-                    <a:pt x="2658746" y="1329373"/>
-                  </a:cubicBezTo>
-                  <a:lnTo>
-                    <a:pt x="1994059" y="1329373"/>
-                  </a:lnTo>
-                  <a:cubicBezTo>
-                    <a:pt x="1994059" y="962277"/>
-                    <a:pt x="1696469" y="664687"/>
-                    <a:pt x="1329373" y="664687"/>
-                  </a:cubicBezTo>
-                  <a:cubicBezTo>
-                    <a:pt x="962277" y="664687"/>
-                    <a:pt x="664687" y="962277"/>
-                    <a:pt x="664687" y="1329373"/>
-                  </a:cubicBezTo>
-                  <a:lnTo>
-                    <a:pt x="0" y="1329373"/>
-                  </a:lnTo>
-                  <a:cubicBezTo>
-                    <a:pt x="0" y="595181"/>
-                    <a:pt x="595181" y="0"/>
-                    <a:pt x="1329373" y="0"/>
-                  </a:cubicBezTo>
-                  <a:close/>
-                </a:path>
-              </a:pathLst>
-            </a:custGeom>
-            <a:solidFill>
-              <a:schemeClr val="bg2">
-                <a:lumMod val="50000"/>
-                <a:lumOff val="50000"/>
-                <a:alpha val="40000"/>
-              </a:schemeClr>
-            </a:solidFill>
-            <a:ln>
-              <a:noFill/>
-            </a:ln>
-            <a:effectLst>
-              <a:softEdge rad="190500"/>
-            </a:effectLst>
-          </p:spPr>
-          <p:style>
-            <a:lnRef idx="2">
-              <a:schemeClr val="accent1">
-                <a:shade val="50000"/>
-              </a:schemeClr>
-            </a:lnRef>
-            <a:fillRef idx="1">
-              <a:schemeClr val="accent1"/>
-            </a:fillRef>
-            <a:effectRef idx="0">
-              <a:schemeClr val="accent1"/>
-            </a:effectRef>
-            <a:fontRef idx="minor">
-              <a:schemeClr val="lt1"/>
-            </a:fontRef>
-          </p:style>
-          <p:txBody>
-            <a:bodyPr rtlCol="0" anchor="ctr"/>
-            <a:lstStyle/>
-            <a:p>
-              <a:pPr algn="ctr" rtl="0"/>
-              <a:endParaRPr lang="it-IT" dirty="0">
-                <a:solidFill>
-                  <a:schemeClr val="tx1"/>
-                </a:solidFill>
-              </a:endParaRPr>
-            </a:p>
-          </p:txBody>
-        </p:sp>
-        <p:sp>
-          <p:nvSpPr>
-            <p:cNvPr id="43" name="Ovale 42">
-              <a:extLst>
-                <a:ext uri="{FF2B5EF4-FFF2-40B4-BE49-F238E27FC236}">
-                  <a16:creationId xmlns:a16="http://schemas.microsoft.com/office/drawing/2014/main" id="{4B089C8C-B82B-4704-88E2-E857A5E21529}"/>
-                </a:ext>
-                <a:ext uri="{C183D7F6-B498-43B3-948B-1728B52AA6E4}">
-                  <adec:decorative xmlns:adec="http://schemas.microsoft.com/office/drawing/2017/decorative" val="1"/>
-                </a:ext>
-              </a:extLst>
-            </p:cNvPr>
-            <p:cNvSpPr/>
-            <p:nvPr>
-              <p:extLst>
-                <p:ext uri="{386F3935-93C4-4BCD-93E2-E3B085C9AB24}">
-                  <p16:designElem xmlns:p16="http://schemas.microsoft.com/office/powerpoint/2015/main" val="1"/>
-                </p:ext>
-              </p:extLst>
-            </p:nvPr>
-          </p:nvSpPr>
-          <p:spPr>
-            <a:xfrm rot="13500000" flipV="1">
-              <a:off x="6040374" y="3601683"/>
-              <a:ext cx="107098" cy="466589"/>
-            </a:xfrm>
-            <a:prstGeom prst="ellipse">
-              <a:avLst/>
-            </a:prstGeom>
-            <a:solidFill>
-              <a:schemeClr val="bg2">
-                <a:lumMod val="90000"/>
-                <a:lumOff val="10000"/>
-              </a:schemeClr>
-            </a:solidFill>
-            <a:ln>
-              <a:noFill/>
-            </a:ln>
-            <a:effectLst>
-              <a:innerShdw blurRad="63500" dist="2540000">
-                <a:schemeClr val="accent1">
-                  <a:lumMod val="60000"/>
-                  <a:lumOff val="40000"/>
-                  <a:alpha val="0"/>
-                </a:schemeClr>
-              </a:innerShdw>
-            </a:effectLst>
-          </p:spPr>
-          <p:style>
-            <a:lnRef idx="2">
-              <a:schemeClr val="accent1">
-                <a:shade val="50000"/>
-              </a:schemeClr>
-            </a:lnRef>
-            <a:fillRef idx="1">
-              <a:schemeClr val="accent1"/>
-            </a:fillRef>
-            <a:effectRef idx="0">
-              <a:schemeClr val="accent1"/>
-            </a:effectRef>
-            <a:fontRef idx="minor">
-              <a:schemeClr val="lt1"/>
-            </a:fontRef>
-          </p:style>
-          <p:txBody>
-            <a:bodyPr rot="0" spcFirstLastPara="0" vertOverflow="overflow" horzOverflow="overflow" vert="horz" wrap="square" lIns="91440" tIns="45720" rIns="91440" bIns="45720" numCol="1" spcCol="0" rtlCol="0" fromWordArt="0" anchor="ctr" anchorCtr="0" forceAA="0" compatLnSpc="1">
-              <a:prstTxWarp prst="textNoShape">
-                <a:avLst/>
-              </a:prstTxWarp>
-              <a:noAutofit/>
-            </a:bodyPr>
-            <a:lstStyle/>
-            <a:p>
-              <a:pPr algn="ctr" rtl="0"/>
-              <a:endParaRPr lang="it-IT" dirty="0"/>
-            </a:p>
-          </p:txBody>
-        </p:sp>
-        <p:sp>
-          <p:nvSpPr>
-            <p:cNvPr id="44" name="Ovale 43">
-              <a:extLst>
-                <a:ext uri="{FF2B5EF4-FFF2-40B4-BE49-F238E27FC236}">
-                  <a16:creationId xmlns:a16="http://schemas.microsoft.com/office/drawing/2014/main" id="{434B90C8-5B4D-456E-AD99-80EF748FDD72}"/>
-                </a:ext>
-                <a:ext uri="{C183D7F6-B498-43B3-948B-1728B52AA6E4}">
-                  <adec:decorative xmlns:adec="http://schemas.microsoft.com/office/drawing/2017/decorative" val="1"/>
-                </a:ext>
-              </a:extLst>
-            </p:cNvPr>
-            <p:cNvSpPr/>
-            <p:nvPr>
-              <p:extLst>
-                <p:ext uri="{386F3935-93C4-4BCD-93E2-E3B085C9AB24}">
-                  <p16:designElem xmlns:p16="http://schemas.microsoft.com/office/powerpoint/2015/main" val="1"/>
-                </p:ext>
-              </p:extLst>
-            </p:nvPr>
-          </p:nvSpPr>
-          <p:spPr>
-            <a:xfrm rot="13500000" flipV="1">
-              <a:off x="5059348" y="4582709"/>
-              <a:ext cx="107098" cy="466589"/>
-            </a:xfrm>
-            <a:prstGeom prst="ellipse">
-              <a:avLst/>
-            </a:prstGeom>
-            <a:solidFill>
-              <a:schemeClr val="bg2">
-                <a:lumMod val="90000"/>
-                <a:lumOff val="10000"/>
-              </a:schemeClr>
-            </a:solidFill>
-            <a:ln>
-              <a:noFill/>
-            </a:ln>
-            <a:effectLst>
-              <a:innerShdw blurRad="63500" dist="2540000">
-                <a:schemeClr val="accent1">
-                  <a:lumMod val="60000"/>
-                  <a:lumOff val="40000"/>
-                  <a:alpha val="0"/>
-                </a:schemeClr>
-              </a:innerShdw>
-            </a:effectLst>
-          </p:spPr>
-          <p:style>
-            <a:lnRef idx="2">
-              <a:schemeClr val="accent1">
-                <a:shade val="50000"/>
-              </a:schemeClr>
-            </a:lnRef>
-            <a:fillRef idx="1">
-              <a:schemeClr val="accent1"/>
-            </a:fillRef>
-            <a:effectRef idx="0">
-              <a:schemeClr val="accent1"/>
-            </a:effectRef>
-            <a:fontRef idx="minor">
-              <a:schemeClr val="lt1"/>
-            </a:fontRef>
-          </p:style>
-          <p:txBody>
-            <a:bodyPr rot="0" spcFirstLastPara="0" vertOverflow="overflow" horzOverflow="overflow" vert="horz" wrap="square" lIns="91440" tIns="45720" rIns="91440" bIns="45720" numCol="1" spcCol="0" rtlCol="0" fromWordArt="0" anchor="ctr" anchorCtr="0" forceAA="0" compatLnSpc="1">
-              <a:prstTxWarp prst="textNoShape">
-                <a:avLst/>
-              </a:prstTxWarp>
-              <a:noAutofit/>
-            </a:bodyPr>
-            <a:lstStyle/>
-            <a:p>
-              <a:pPr algn="ctr" rtl="0"/>
-              <a:endParaRPr lang="it-IT" dirty="0"/>
-            </a:p>
-          </p:txBody>
-        </p:sp>
-      </p:grpSp>
-      <p:sp useBgFill="1">
-        <p:nvSpPr>
-          <p:cNvPr id="46" name="Rettangolo 45">
-            <a:extLst>
-              <a:ext uri="{FF2B5EF4-FFF2-40B4-BE49-F238E27FC236}">
-                <a16:creationId xmlns:a16="http://schemas.microsoft.com/office/drawing/2014/main" id="{1DB043B4-68C6-45B9-82AC-A5800EADB8DB}"/>
-              </a:ext>
-              <a:ext uri="{C183D7F6-B498-43B3-948B-1728B52AA6E4}">
-                <adec:decorative xmlns:adec="http://schemas.microsoft.com/office/drawing/2017/decorative" val="1"/>
-              </a:ext>
-            </a:extLst>
-          </p:cNvPr>
-          <p:cNvSpPr>
-            <a:spLocks noGrp="1" noRot="1" noChangeAspect="1" noMove="1" noResize="1" noEditPoints="1" noAdjustHandles="1" noChangeArrowheads="1" noChangeShapeType="1" noTextEdit="1"/>
-          </p:cNvSpPr>
-          <p:nvPr>
-            <p:extLst>
-              <p:ext uri="{386F3935-93C4-4BCD-93E2-E3B085C9AB24}">
-                <p16:designElem xmlns:p16="http://schemas.microsoft.com/office/powerpoint/2015/main" val="1"/>
-              </p:ext>
-            </p:extLst>
-          </p:nvPr>
-        </p:nvSpPr>
-        <p:spPr>
-          <a:xfrm>
-            <a:off x="0" y="0"/>
-            <a:ext cx="12192000" cy="6858000"/>
-          </a:xfrm>
-          <a:prstGeom prst="rect">
-            <a:avLst/>
-          </a:prstGeom>
-          <a:ln w="12700" cap="flat" cmpd="sng" algn="ctr">
-            <a:noFill/>
-            <a:prstDash val="solid"/>
-            <a:miter lim="800000"/>
-          </a:ln>
-          <a:effectLst/>
-          <a:extLst>
-            <a:ext uri="{91240B29-F687-4F45-9708-019B960494DF}">
-              <a14:hiddenLine xmlns:a14="http://schemas.microsoft.com/office/drawing/2010/main" w="12700" cap="flat" cmpd="sng" algn="ctr">
-                <a:solidFill>
-                  <a:schemeClr val="accent1">
-                    <a:shade val="50000"/>
-                  </a:schemeClr>
-                </a:solidFill>
-                <a:prstDash val="solid"/>
-                <a:miter lim="800000"/>
-              </a14:hiddenLine>
-            </a:ext>
-          </a:extLst>
-        </p:spPr>
-        <p:style>
-          <a:lnRef idx="2">
-            <a:schemeClr val="accent1">
-              <a:shade val="50000"/>
-            </a:schemeClr>
-          </a:lnRef>
-          <a:fillRef idx="1">
-            <a:schemeClr val="accent1"/>
-          </a:fillRef>
-          <a:effectRef idx="0">
-            <a:schemeClr val="accent1"/>
-          </a:effectRef>
-          <a:fontRef idx="minor">
-            <a:schemeClr val="lt1"/>
-          </a:fontRef>
-        </p:style>
-        <p:txBody>
-          <a:bodyPr rtlCol="0" anchor="ctr"/>
-          <a:lstStyle/>
-          <a:p>
-            <a:pPr algn="ctr" rtl="0"/>
-            <a:endParaRPr lang="it-IT" dirty="0"/>
-          </a:p>
-        </p:txBody>
-      </p:sp>
-      <p:pic>
-        <p:nvPicPr>
-          <p:cNvPr id="8" name="Segnaposto immagine 7" descr="Sfondo digitale punti dati">
-            <a:extLst>
-              <a:ext uri="{FF2B5EF4-FFF2-40B4-BE49-F238E27FC236}">
-                <a16:creationId xmlns:a16="http://schemas.microsoft.com/office/drawing/2014/main" id="{5FED7C55-F545-49A1-90FD-D853A25AB453}"/>
-              </a:ext>
-            </a:extLst>
-          </p:cNvPr>
-          <p:cNvPicPr>
-            <a:picLocks noGrp="1" noChangeAspect="1"/>
-          </p:cNvPicPr>
-          <p:nvPr>
-            <p:ph type="pic" sz="quarter" idx="13"/>
-          </p:nvPr>
-        </p:nvPicPr>
-        <p:blipFill>
-          <a:blip r:embed="rId3">
-            <a:extLst>
-              <a:ext uri="{28A0092B-C50C-407E-A947-70E740481C1C}">
-                <a14:useLocalDpi xmlns:a14="http://schemas.microsoft.com/office/drawing/2010/main" val="0"/>
-              </a:ext>
-            </a:extLst>
-          </a:blip>
-          <a:srcRect/>
-          <a:stretch>
-            <a:fillRect/>
-          </a:stretch>
-        </p:blipFill>
-        <p:spPr/>
-      </p:pic>
-      <p:sp>
-        <p:nvSpPr>
-          <p:cNvPr id="48" name="Rettangolo 47">
-            <a:extLst>
-              <a:ext uri="{FF2B5EF4-FFF2-40B4-BE49-F238E27FC236}">
-                <a16:creationId xmlns:a16="http://schemas.microsoft.com/office/drawing/2014/main" id="{3C64A91D-E535-4C24-A0E3-96A3810E3FDC}"/>
-              </a:ext>
-              <a:ext uri="{C183D7F6-B498-43B3-948B-1728B52AA6E4}">
-                <adec:decorative xmlns:adec="http://schemas.microsoft.com/office/drawing/2017/decorative" val="1"/>
-              </a:ext>
-            </a:extLst>
-          </p:cNvPr>
-          <p:cNvSpPr>
-            <a:spLocks noGrp="1" noRot="1" noChangeAspect="1" noMove="1" noResize="1" noEditPoints="1" noAdjustHandles="1" noChangeArrowheads="1" noChangeShapeType="1" noTextEdit="1"/>
-          </p:cNvSpPr>
-          <p:nvPr>
-            <p:extLst>
-              <p:ext uri="{386F3935-93C4-4BCD-93E2-E3B085C9AB24}">
-                <p16:designElem xmlns:p16="http://schemas.microsoft.com/office/powerpoint/2015/main" val="1"/>
-              </p:ext>
-            </p:extLst>
-          </p:nvPr>
-        </p:nvSpPr>
-        <p:spPr>
-          <a:xfrm>
-            <a:off x="0" y="5773729"/>
-            <a:ext cx="12192000" cy="1084271"/>
-          </a:xfrm>
-          <a:prstGeom prst="rect">
-            <a:avLst/>
-          </a:prstGeom>
-          <a:gradFill flip="none" rotWithShape="1">
-            <a:gsLst>
-              <a:gs pos="90000">
-                <a:schemeClr val="bg2">
-                  <a:alpha val="60000"/>
-                </a:schemeClr>
-              </a:gs>
-              <a:gs pos="28000">
-                <a:schemeClr val="bg2">
-                  <a:alpha val="0"/>
-                </a:schemeClr>
-              </a:gs>
-            </a:gsLst>
-            <a:lin ang="5400000" scaled="0"/>
-            <a:tileRect/>
-          </a:gradFill>
-          <a:ln>
-            <a:noFill/>
-          </a:ln>
-        </p:spPr>
-        <p:style>
-          <a:lnRef idx="2">
-            <a:schemeClr val="accent1">
-              <a:shade val="50000"/>
-            </a:schemeClr>
-          </a:lnRef>
-          <a:fillRef idx="1">
-            <a:schemeClr val="accent1"/>
-          </a:fillRef>
-          <a:effectRef idx="0">
-            <a:schemeClr val="accent1"/>
-          </a:effectRef>
-          <a:fontRef idx="minor">
-            <a:schemeClr val="lt1"/>
-          </a:fontRef>
-        </p:style>
-        <p:txBody>
-          <a:bodyPr rtlCol="0" anchor="ctr"/>
-          <a:lstStyle/>
-          <a:p>
-            <a:pPr algn="ctr" rtl="0"/>
-            <a:endParaRPr lang="it-IT" dirty="0"/>
-          </a:p>
-        </p:txBody>
-      </p:sp>
-      <p:sp>
-        <p:nvSpPr>
-          <p:cNvPr id="50" name="Rettangolo 49">
-            <a:extLst>
-              <a:ext uri="{FF2B5EF4-FFF2-40B4-BE49-F238E27FC236}">
-                <a16:creationId xmlns:a16="http://schemas.microsoft.com/office/drawing/2014/main" id="{26FC4867-BA3E-4F8E-AB23-684F34DF3D31}"/>
-              </a:ext>
-              <a:ext uri="{C183D7F6-B498-43B3-948B-1728B52AA6E4}">
-                <adec:decorative xmlns:adec="http://schemas.microsoft.com/office/drawing/2017/decorative" val="1"/>
-              </a:ext>
-            </a:extLst>
-          </p:cNvPr>
-          <p:cNvSpPr>
-            <a:spLocks noGrp="1" noRot="1" noChangeAspect="1" noMove="1" noResize="1" noEditPoints="1" noAdjustHandles="1" noChangeArrowheads="1" noChangeShapeType="1" noTextEdit="1"/>
-          </p:cNvSpPr>
-          <p:nvPr>
-            <p:extLst>
-              <p:ext uri="{386F3935-93C4-4BCD-93E2-E3B085C9AB24}">
-                <p16:designElem xmlns:p16="http://schemas.microsoft.com/office/powerpoint/2015/main" val="1"/>
-              </p:ext>
-            </p:extLst>
-          </p:nvPr>
-        </p:nvSpPr>
-        <p:spPr>
-          <a:xfrm rot="10800000">
-            <a:off x="0" y="-3"/>
-            <a:ext cx="9000000" cy="6857998"/>
-          </a:xfrm>
-          <a:prstGeom prst="rect">
-            <a:avLst/>
-          </a:prstGeom>
-          <a:gradFill flip="none" rotWithShape="1">
-            <a:gsLst>
-              <a:gs pos="50000">
-                <a:schemeClr val="bg2">
-                  <a:alpha val="60000"/>
-                </a:schemeClr>
-              </a:gs>
-              <a:gs pos="0">
-                <a:schemeClr val="bg2">
-                  <a:alpha val="0"/>
-                </a:schemeClr>
-              </a:gs>
-            </a:gsLst>
-            <a:lin ang="0" scaled="0"/>
-            <a:tileRect/>
-          </a:gradFill>
-          <a:ln>
-            <a:noFill/>
-          </a:ln>
-        </p:spPr>
-        <p:style>
-          <a:lnRef idx="2">
-            <a:schemeClr val="accent1">
-              <a:shade val="50000"/>
-            </a:schemeClr>
-          </a:lnRef>
-          <a:fillRef idx="1">
-            <a:schemeClr val="accent1"/>
-          </a:fillRef>
-          <a:effectRef idx="0">
-            <a:schemeClr val="accent1"/>
-          </a:effectRef>
-          <a:fontRef idx="minor">
-            <a:schemeClr val="lt1"/>
-          </a:fontRef>
-        </p:style>
-        <p:txBody>
-          <a:bodyPr rtlCol="0" anchor="ctr"/>
-          <a:lstStyle/>
-          <a:p>
-            <a:pPr algn="ctr" rtl="0"/>
-            <a:endParaRPr lang="it-IT" dirty="0"/>
-          </a:p>
-        </p:txBody>
-      </p:sp>
-      <p:sp>
-        <p:nvSpPr>
           <p:cNvPr id="15" name="Titolo 14">
             <a:extLst>
               <a:ext uri="{FF2B5EF4-FFF2-40B4-BE49-F238E27FC236}">
@@ -17892,8 +18410,8 @@
         </p:nvSpPr>
         <p:spPr>
           <a:xfrm>
-            <a:off x="550863" y="549275"/>
-            <a:ext cx="5437187" cy="2986234"/>
+            <a:off x="7999414" y="1051551"/>
+            <a:ext cx="3565524" cy="2384898"/>
           </a:xfrm>
         </p:spPr>
         <p:txBody>
@@ -17902,25 +18420,50 @@
           </a:bodyPr>
           <a:lstStyle/>
           <a:p>
-            <a:pPr rtl="0">
-              <a:lnSpc>
-                <a:spcPct val="100000"/>
-              </a:lnSpc>
-            </a:pPr>
+            <a:pPr rtl="0"/>
             <a:r>
-              <a:rPr lang="en-US" sz="6400" kern="1200" dirty="0">
-                <a:solidFill>
-                  <a:schemeClr val="tx1"/>
-                </a:solidFill>
-                <a:latin typeface="+mj-lt"/>
-                <a:ea typeface="+mj-ea"/>
-                <a:cs typeface="+mj-cs"/>
-              </a:rPr>
+              <a:rPr lang="en-US" kern="1200"/>
               <a:t>Fittings</a:t>
             </a:r>
           </a:p>
         </p:txBody>
       </p:sp>
+      <p:pic>
+        <p:nvPicPr>
+          <p:cNvPr id="12" name="Immagine 11" descr="Immagine che contiene palcoscenico&#10;&#10;Descrizione generata automaticamente">
+            <a:extLst>
+              <a:ext uri="{FF2B5EF4-FFF2-40B4-BE49-F238E27FC236}">
+                <a16:creationId xmlns:a16="http://schemas.microsoft.com/office/drawing/2014/main" id="{49707771-EE43-1CC9-5DC0-B2F26A65878C}"/>
+              </a:ext>
+            </a:extLst>
+          </p:cNvPr>
+          <p:cNvPicPr>
+            <a:picLocks noChangeAspect="1"/>
+          </p:cNvPicPr>
+          <p:nvPr/>
+        </p:nvPicPr>
+        <p:blipFill rotWithShape="1">
+          <a:blip r:embed="rId3">
+            <a:extLst>
+              <a:ext uri="{837473B0-CC2E-450A-ABE3-18F120FF3D39}">
+                <a1611:picAttrSrcUrl xmlns:a1611="http://schemas.microsoft.com/office/drawing/2016/11/main" r:id="rId4"/>
+              </a:ext>
+            </a:extLst>
+          </a:blip>
+          <a:srcRect l="18329" r="9135" b="-1"/>
+          <a:stretch/>
+        </p:blipFill>
+        <p:spPr>
+          <a:xfrm>
+            <a:off x="20" y="10"/>
+            <a:ext cx="7452340" cy="6857990"/>
+          </a:xfrm>
+          <a:prstGeom prst="rect">
+            <a:avLst/>
+          </a:prstGeom>
+          <a:noFill/>
+        </p:spPr>
+      </p:pic>
       <p:sp>
         <p:nvSpPr>
           <p:cNvPr id="16" name="Sottotitolo 15">
@@ -17934,13 +18477,13 @@
             <a:spLocks noGrp="1"/>
           </p:cNvSpPr>
           <p:nvPr>
-            <p:ph type="subTitle" idx="1"/>
+            <p:ph type="body" sz="quarter" idx="14"/>
           </p:nvPr>
         </p:nvSpPr>
         <p:spPr>
           <a:xfrm>
-            <a:off x="550863" y="3827610"/>
-            <a:ext cx="5437187" cy="2265216"/>
+            <a:off x="7999413" y="3568700"/>
+            <a:ext cx="3565524" cy="1731963"/>
           </a:xfrm>
         </p:spPr>
         <p:txBody>
@@ -17950,26 +18493,19 @@
           <a:lstStyle/>
           <a:p>
             <a:pPr marL="0" indent="0" rtl="0">
-              <a:lnSpc>
-                <a:spcPct val="100000"/>
-              </a:lnSpc>
               <a:buNone/>
             </a:pPr>
             <a:r>
-              <a:rPr lang="en-US" kern="1200" dirty="0">
-                <a:latin typeface="+mn-lt"/>
-                <a:ea typeface="+mn-ea"/>
-                <a:cs typeface="+mn-cs"/>
-              </a:rPr>
-              <a:t>Fittings of the different traces and some distribution functions.</a:t>
+              <a:rPr lang="en-US" kern="1200"/>
+              <a:t>Fittings of the different traces on different CDF (Cumulative Distribution Functions)</a:t>
             </a:r>
-            <a:endParaRPr lang="it-IT" dirty="0"/>
+            <a:endParaRPr lang="it-IT"/>
           </a:p>
         </p:txBody>
       </p:sp>
       <p:sp>
         <p:nvSpPr>
-          <p:cNvPr id="4" name="Segnaposto numero diapositiva 3">
+          <p:cNvPr id="4" name="Segnaposto numero diapositiva 3" hidden="1">
             <a:extLst>
               <a:ext uri="{FF2B5EF4-FFF2-40B4-BE49-F238E27FC236}">
                 <a16:creationId xmlns:a16="http://schemas.microsoft.com/office/drawing/2014/main" id="{E1E7D98D-6710-41D2-B258-E1A1059D29F8}"/>
@@ -17980,20 +18516,34 @@
             <a:spLocks noGrp="1"/>
           </p:cNvSpPr>
           <p:nvPr>
-            <p:ph type="sldNum" sz="quarter" idx="12"/>
-          </p:nvPr>
-        </p:nvSpPr>
-        <p:spPr/>
+            <p:ph type="sldNum" sz="quarter" idx="4294967295"/>
+          </p:nvPr>
+        </p:nvSpPr>
+        <p:spPr>
+          <a:xfrm>
+            <a:off x="9948863" y="6507212"/>
+            <a:ext cx="1692274" cy="153888"/>
+          </a:xfrm>
+        </p:spPr>
         <p:txBody>
           <a:bodyPr rtlCol="0"/>
           <a:lstStyle/>
           <a:p>
-            <a:pPr rtl="0"/>
+            <a:pPr rtl="0">
+              <a:spcAft>
+                <a:spcPts val="600"/>
+              </a:spcAft>
+            </a:pPr>
             <a:fld id="{DBA1B0FB-D917-4C8C-928F-313BD683BF39}" type="slidenum">
               <a:rPr lang="it-IT" smtClean="0"/>
+              <a:pPr rtl="0">
+                <a:spcAft>
+                  <a:spcPts val="600"/>
+                </a:spcAft>
+              </a:pPr>
               <a:t>3</a:t>
             </a:fld>
-            <a:endParaRPr lang="it-IT" dirty="0"/>
+            <a:endParaRPr lang="it-IT"/>
           </a:p>
         </p:txBody>
       </p:sp>
@@ -18088,10 +18638,22 @@
           <a:lstStyle/>
           <a:p>
             <a:r>
-              <a:rPr lang="en-US" cap="none" dirty="0"/>
+              <a:rPr lang="en-US" sz="1800" cap="none" dirty="0">
+                <a:solidFill>
+                  <a:schemeClr val="tx1">
+                    <a:alpha val="60000"/>
+                  </a:schemeClr>
+                </a:solidFill>
+              </a:rPr>
               <a:t>In the following pages will be present two graphs for each trace given.</a:t>
             </a:r>
-            <a:endParaRPr lang="it-IT" cap="none" dirty="0"/>
+            <a:endParaRPr lang="it-IT" sz="1800" cap="none" dirty="0">
+              <a:solidFill>
+                <a:schemeClr val="tx1">
+                  <a:alpha val="60000"/>
+                </a:schemeClr>
+              </a:solidFill>
+            </a:endParaRPr>
           </a:p>
         </p:txBody>
       </p:sp>
@@ -18188,8 +18750,8 @@
         </p:nvSpPr>
         <p:spPr>
           <a:xfrm>
-            <a:off x="6204746" y="1944584"/>
-            <a:ext cx="5436391" cy="3515555"/>
+            <a:off x="6096000" y="1944584"/>
+            <a:ext cx="5436391" cy="3765934"/>
           </a:xfrm>
         </p:spPr>
         <p:txBody>
@@ -18219,7 +18781,16 @@
             </a:pPr>
             <a:r>
               <a:rPr lang="en-US" sz="1800" dirty="0"/>
-              <a:t>Example: in Test all distribution, except for Uniform, perfectly fits the Trace given, for that reason the exponential distribution function was chosen.</a:t>
+              <a:t>First example: in Test all distribution, except for Uniform, fits the given Trace, for that reason the exponential distribution function was chosen.</a:t>
+            </a:r>
+          </a:p>
+          <a:p>
+            <a:pPr marL="0" indent="0">
+              <a:buNone/>
+            </a:pPr>
+            <a:r>
+              <a:rPr lang="en-US" sz="1800" dirty="0"/>
+              <a:t>Second example: in Specification and Design, both the Erlang and the Gamma fits, but since the Erlang is a special case of the Gamma, where the stage parameter is an integer, the Erlang distribution was chosen.</a:t>
             </a:r>
           </a:p>
         </p:txBody>
@@ -19794,12 +20365,22 @@
 </file>
 
 <file path=customXml/item1.xml><?xml version="1.0" encoding="utf-8"?>
-<?mso-contentType ?>
-<FormTemplates xmlns="http://schemas.microsoft.com/sharepoint/v3/contenttype/forms">
-  <Display>DocumentLibraryForm</Display>
-  <Edit>DocumentLibraryForm</Edit>
-  <New>DocumentLibraryForm</New>
-</FormTemplates>
+<p:properties xmlns:p="http://schemas.microsoft.com/office/2006/metadata/properties" xmlns:xsi="http://www.w3.org/2001/XMLSchema-instance" xmlns:pc="http://schemas.microsoft.com/office/infopath/2007/PartnerControls">
+  <documentManagement>
+    <_ip_UnifiedCompliancePolicyUIAction xmlns="http://schemas.microsoft.com/sharepoint/v3" xsi:nil="true"/>
+    <Image xmlns="71af3243-3dd4-4a8d-8c0d-dd76da1f02a5">
+      <Url xsi:nil="true"/>
+      <Description xsi:nil="true"/>
+    </Image>
+    <Status xmlns="71af3243-3dd4-4a8d-8c0d-dd76da1f02a5">Not started</Status>
+    <_ip_UnifiedCompliancePolicyProperties xmlns="http://schemas.microsoft.com/sharepoint/v3" xsi:nil="true"/>
+    <lcf76f155ced4ddcb4097134ff3c332f xmlns="71af3243-3dd4-4a8d-8c0d-dd76da1f02a5">
+      <Terms xmlns="http://schemas.microsoft.com/office/infopath/2007/PartnerControls"/>
+    </lcf76f155ced4ddcb4097134ff3c332f>
+    <TaxCatchAll xmlns="230e9df3-be65-4c73-a93b-d1236ebd677e"/>
+    <MediaServiceKeyPoints xmlns="71af3243-3dd4-4a8d-8c0d-dd76da1f02a5" xsi:nil="true"/>
+  </documentManagement>
+</p:properties>
 </file>
 
 <file path=customXml/item2.xml><?xml version="1.0" encoding="utf-8"?>
@@ -20079,28 +20660,22 @@
 </file>
 
 <file path=customXml/item3.xml><?xml version="1.0" encoding="utf-8"?>
-<p:properties xmlns:p="http://schemas.microsoft.com/office/2006/metadata/properties" xmlns:xsi="http://www.w3.org/2001/XMLSchema-instance" xmlns:pc="http://schemas.microsoft.com/office/infopath/2007/PartnerControls">
-  <documentManagement>
-    <_ip_UnifiedCompliancePolicyUIAction xmlns="http://schemas.microsoft.com/sharepoint/v3" xsi:nil="true"/>
-    <Image xmlns="71af3243-3dd4-4a8d-8c0d-dd76da1f02a5">
-      <Url xsi:nil="true"/>
-      <Description xsi:nil="true"/>
-    </Image>
-    <Status xmlns="71af3243-3dd4-4a8d-8c0d-dd76da1f02a5">Not started</Status>
-    <_ip_UnifiedCompliancePolicyProperties xmlns="http://schemas.microsoft.com/sharepoint/v3" xsi:nil="true"/>
-    <lcf76f155ced4ddcb4097134ff3c332f xmlns="71af3243-3dd4-4a8d-8c0d-dd76da1f02a5">
-      <Terms xmlns="http://schemas.microsoft.com/office/infopath/2007/PartnerControls"/>
-    </lcf76f155ced4ddcb4097134ff3c332f>
-    <TaxCatchAll xmlns="230e9df3-be65-4c73-a93b-d1236ebd677e"/>
-    <MediaServiceKeyPoints xmlns="71af3243-3dd4-4a8d-8c0d-dd76da1f02a5" xsi:nil="true"/>
-  </documentManagement>
-</p:properties>
+<?mso-contentType ?>
+<FormTemplates xmlns="http://schemas.microsoft.com/sharepoint/v3/contenttype/forms">
+  <Display>DocumentLibraryForm</Display>
+  <Edit>DocumentLibraryForm</Edit>
+  <New>DocumentLibraryForm</New>
+</FormTemplates>
 </file>
 
 <file path=customXml/itemProps1.xml><?xml version="1.0" encoding="utf-8"?>
-<ds:datastoreItem xmlns:ds="http://schemas.openxmlformats.org/officeDocument/2006/customXml" ds:itemID="{904751AB-E840-446F-8D49-E697067EC887}">
+<ds:datastoreItem xmlns:ds="http://schemas.openxmlformats.org/officeDocument/2006/customXml" ds:itemID="{50811A92-D464-4AC4-A396-BA73B10CEEAC}">
   <ds:schemaRefs>
-    <ds:schemaRef ds:uri="http://schemas.microsoft.com/sharepoint/v3/contenttype/forms"/>
+    <ds:schemaRef ds:uri="http://schemas.microsoft.com/office/2006/metadata/properties"/>
+    <ds:schemaRef ds:uri="http://schemas.microsoft.com/office/infopath/2007/PartnerControls"/>
+    <ds:schemaRef ds:uri="http://schemas.microsoft.com/sharepoint/v3"/>
+    <ds:schemaRef ds:uri="71af3243-3dd4-4a8d-8c0d-dd76da1f02a5"/>
+    <ds:schemaRef ds:uri="230e9df3-be65-4c73-a93b-d1236ebd677e"/>
   </ds:schemaRefs>
 </ds:datastoreItem>
 </file>
@@ -20127,13 +20702,9 @@
 </file>
 
 <file path=customXml/itemProps3.xml><?xml version="1.0" encoding="utf-8"?>
-<ds:datastoreItem xmlns:ds="http://schemas.openxmlformats.org/officeDocument/2006/customXml" ds:itemID="{50811A92-D464-4AC4-A396-BA73B10CEEAC}">
+<ds:datastoreItem xmlns:ds="http://schemas.openxmlformats.org/officeDocument/2006/customXml" ds:itemID="{904751AB-E840-446F-8D49-E697067EC887}">
   <ds:schemaRefs>
-    <ds:schemaRef ds:uri="http://schemas.microsoft.com/office/2006/metadata/properties"/>
-    <ds:schemaRef ds:uri="http://schemas.microsoft.com/office/infopath/2007/PartnerControls"/>
-    <ds:schemaRef ds:uri="http://schemas.microsoft.com/sharepoint/v3"/>
-    <ds:schemaRef ds:uri="71af3243-3dd4-4a8d-8c0d-dd76da1f02a5"/>
-    <ds:schemaRef ds:uri="230e9df3-be65-4c73-a93b-d1236ebd677e"/>
+    <ds:schemaRef ds:uri="http://schemas.microsoft.com/sharepoint/v3/contenttype/forms"/>
   </ds:schemaRefs>
 </ds:datastoreItem>
 </file>

--- a/Project/Project C.pptx
+++ b/Project/Project C.pptx
@@ -243,7 +243,7 @@
             <a:pPr rtl="0"/>
             <a:fld id="{6045FDDA-C8F8-4640-B291-3034A1C41F02}" type="datetime1">
               <a:rPr lang="it-IT" smtClean="0"/>
-              <a:t>10/01/2023</a:t>
+              <a:t>12/01/2023</a:t>
             </a:fld>
             <a:endParaRPr lang="it-IT" dirty="0"/>
           </a:p>
@@ -425,7 +425,7 @@
             <a:pPr rtl="0"/>
             <a:fld id="{48B9F0A1-F219-446B-A3CE-307DCA1AC676}" type="datetime1">
               <a:rPr lang="it-IT" smtClean="0"/>
-              <a:t>10/01/2023</a:t>
+              <a:t>12/01/2023</a:t>
             </a:fld>
             <a:endParaRPr lang="it-IT" dirty="0"/>
           </a:p>
@@ -793,7 +793,7 @@
             <a:pPr rtl="0"/>
             <a:fld id="{D4B92E9E-EF61-45A4-8936-73F55BFD2495}" type="datetime1">
               <a:rPr lang="it-IT" smtClean="0"/>
-              <a:t>10/01/2023</a:t>
+              <a:t>12/01/2023</a:t>
             </a:fld>
             <a:endParaRPr lang="it-IT" dirty="0"/>
           </a:p>
@@ -909,7 +909,7 @@
             <a:pPr rtl="0"/>
             <a:fld id="{52E4E523-994D-4DC1-A1D8-BBD0C9941BD3}" type="datetime1">
               <a:rPr lang="it-IT" smtClean="0"/>
-              <a:t>10/01/2023</a:t>
+              <a:t>12/01/2023</a:t>
             </a:fld>
             <a:endParaRPr lang="it-IT" dirty="0"/>
           </a:p>
@@ -994,7 +994,7 @@
             <a:pPr rtl="0"/>
             <a:fld id="{48B9F0A1-F219-446B-A3CE-307DCA1AC676}" type="datetime1">
               <a:rPr lang="it-IT" smtClean="0"/>
-              <a:t>10/01/2023</a:t>
+              <a:t>12/01/2023</a:t>
             </a:fld>
             <a:endParaRPr lang="it-IT" dirty="0"/>
           </a:p>
@@ -1134,7 +1134,7 @@
             <a:pPr rtl="0"/>
             <a:fld id="{52E4E523-994D-4DC1-A1D8-BBD0C9941BD3}" type="datetime1">
               <a:rPr lang="it-IT" smtClean="0"/>
-              <a:t>10/01/2023</a:t>
+              <a:t>12/01/2023</a:t>
             </a:fld>
             <a:endParaRPr lang="it-IT" dirty="0"/>
           </a:p>
@@ -1250,7 +1250,7 @@
             <a:pPr rtl="0"/>
             <a:fld id="{52E4E523-994D-4DC1-A1D8-BBD0C9941BD3}" type="datetime1">
               <a:rPr lang="it-IT" smtClean="0"/>
-              <a:t>10/01/2023</a:t>
+              <a:t>12/01/2023</a:t>
             </a:fld>
             <a:endParaRPr lang="it-IT" dirty="0"/>
           </a:p>
@@ -1335,7 +1335,7 @@
             <a:pPr rtl="0"/>
             <a:fld id="{48B9F0A1-F219-446B-A3CE-307DCA1AC676}" type="datetime1">
               <a:rPr lang="it-IT" smtClean="0"/>
-              <a:t>10/01/2023</a:t>
+              <a:t>12/01/2023</a:t>
             </a:fld>
             <a:endParaRPr lang="it-IT" dirty="0"/>
           </a:p>
@@ -14340,13 +14340,13 @@
         </p:spPr>
         <p:txBody>
           <a:bodyPr wrap="square">
-            <a:normAutofit fontScale="92500" lnSpcReduction="10000"/>
+            <a:normAutofit fontScale="92500" lnSpcReduction="20000"/>
           </a:bodyPr>
           <a:lstStyle/>
           <a:p>
             <a:r>
               <a:rPr lang="en-US" dirty="0"/>
-              <a:t>The following results were obtained by a JMT simulation, with a confidence interval of 0.99.</a:t>
+              <a:t>The following results were obtained by a JMT simulation, with a Confidence Interval of 0.99 and a Max Rel. Err. of 0.03.</a:t>
             </a:r>
           </a:p>
           <a:p>
@@ -15689,8 +15689,8 @@
           </a:xfrm>
         </p:spPr>
       </p:pic>
-      <mc:AlternateContent xmlns:mc="http://schemas.openxmlformats.org/markup-compatibility/2006">
-        <mc:Choice xmlns:a14="http://schemas.microsoft.com/office/drawing/2010/main" Requires="a14">
+      <mc:AlternateContent xmlns:mc="http://schemas.openxmlformats.org/markup-compatibility/2006" xmlns:a14="http://schemas.microsoft.com/office/drawing/2010/main">
+        <mc:Choice Requires="a14">
           <p:sp>
             <p:nvSpPr>
               <p:cNvPr id="8" name="CasellaDiTesto 7">
@@ -15776,7 +15776,7 @@
             </p:txBody>
           </p:sp>
         </mc:Choice>
-        <mc:Fallback>
+        <mc:Fallback xmlns="">
           <p:sp>
             <p:nvSpPr>
               <p:cNvPr id="8" name="CasellaDiTesto 7">
@@ -16846,7 +16846,12 @@
             <p:ph type="body" sz="half" idx="2"/>
           </p:nvPr>
         </p:nvSpPr>
-        <p:spPr/>
+        <p:spPr>
+          <a:xfrm>
+            <a:off x="550863" y="1766920"/>
+            <a:ext cx="3565525" cy="4023274"/>
+          </a:xfrm>
+        </p:spPr>
         <p:txBody>
           <a:bodyPr/>
           <a:lstStyle/>
@@ -16857,7 +16862,7 @@
             </a:pPr>
             <a:r>
               <a:rPr lang="en-US" sz="1800" dirty="0"/>
-              <a:t>The following tables define the utilization of all the departments (with a Confidence Intervals of 0.99), for the value N with the higher tradeoff and its neighbors.</a:t>
+              <a:t>The following tables define the utilization of all the departments for the N with the higher tradeoff and its neighbors.</a:t>
             </a:r>
           </a:p>
           <a:p>
@@ -18776,18 +18781,12 @@
             </a:r>
           </a:p>
           <a:p>
-            <a:pPr marL="0" indent="0">
-              <a:buNone/>
-            </a:pPr>
             <a:r>
               <a:rPr lang="en-US" sz="1800" dirty="0"/>
               <a:t>First example: in Test all distribution, except for Uniform, fits the given Trace, for that reason the exponential distribution function was chosen.</a:t>
             </a:r>
           </a:p>
           <a:p>
-            <a:pPr marL="0" indent="0">
-              <a:buNone/>
-            </a:pPr>
             <a:r>
               <a:rPr lang="en-US" sz="1800" dirty="0"/>
               <a:t>Second example: in Specification and Design, both the Erlang and the Gamma fits, but since the Erlang is a special case of the Gamma, where the stage parameter is an integer, the Erlang distribution was chosen.</a:t>
@@ -20365,25 +20364,6 @@
 </file>
 
 <file path=customXml/item1.xml><?xml version="1.0" encoding="utf-8"?>
-<p:properties xmlns:p="http://schemas.microsoft.com/office/2006/metadata/properties" xmlns:xsi="http://www.w3.org/2001/XMLSchema-instance" xmlns:pc="http://schemas.microsoft.com/office/infopath/2007/PartnerControls">
-  <documentManagement>
-    <_ip_UnifiedCompliancePolicyUIAction xmlns="http://schemas.microsoft.com/sharepoint/v3" xsi:nil="true"/>
-    <Image xmlns="71af3243-3dd4-4a8d-8c0d-dd76da1f02a5">
-      <Url xsi:nil="true"/>
-      <Description xsi:nil="true"/>
-    </Image>
-    <Status xmlns="71af3243-3dd4-4a8d-8c0d-dd76da1f02a5">Not started</Status>
-    <_ip_UnifiedCompliancePolicyProperties xmlns="http://schemas.microsoft.com/sharepoint/v3" xsi:nil="true"/>
-    <lcf76f155ced4ddcb4097134ff3c332f xmlns="71af3243-3dd4-4a8d-8c0d-dd76da1f02a5">
-      <Terms xmlns="http://schemas.microsoft.com/office/infopath/2007/PartnerControls"/>
-    </lcf76f155ced4ddcb4097134ff3c332f>
-    <TaxCatchAll xmlns="230e9df3-be65-4c73-a93b-d1236ebd677e"/>
-    <MediaServiceKeyPoints xmlns="71af3243-3dd4-4a8d-8c0d-dd76da1f02a5" xsi:nil="true"/>
-  </documentManagement>
-</p:properties>
-</file>
-
-<file path=customXml/item2.xml><?xml version="1.0" encoding="utf-8"?>
 <ct:contentTypeSchema xmlns:ct="http://schemas.microsoft.com/office/2006/metadata/contentType" xmlns:ma="http://schemas.microsoft.com/office/2006/metadata/properties/metaAttributes" ct:_="" ma:_="" ma:contentTypeName="Document" ma:contentTypeID="0x01010079F111ED35F8CC479449609E8A0923A6" ma:contentTypeVersion="18" ma:contentTypeDescription="Create a new document." ma:contentTypeScope="" ma:versionID="22a266b9fa9a230c5a512669d8b298c3">
   <xsd:schema xmlns:xsd="http://www.w3.org/2001/XMLSchema" xmlns:xs="http://www.w3.org/2001/XMLSchema" xmlns:p="http://schemas.microsoft.com/office/2006/metadata/properties" xmlns:ns1="http://schemas.microsoft.com/sharepoint/v3" xmlns:ns2="71af3243-3dd4-4a8d-8c0d-dd76da1f02a5" xmlns:ns3="16c05727-aa75-4e4a-9b5f-8a80a1165891" xmlns:ns4="230e9df3-be65-4c73-a93b-d1236ebd677e" targetNamespace="http://schemas.microsoft.com/office/2006/metadata/properties" ma:root="true" ma:fieldsID="eddc33fff6b14141ee5c74a0d29ea6a1" ns1:_="" ns2:_="" ns3:_="" ns4:_="">
     <xsd:import namespace="http://schemas.microsoft.com/sharepoint/v3"/>
@@ -20659,6 +20639,25 @@
 </ct:contentTypeSchema>
 </file>
 
+<file path=customXml/item2.xml><?xml version="1.0" encoding="utf-8"?>
+<p:properties xmlns:p="http://schemas.microsoft.com/office/2006/metadata/properties" xmlns:xsi="http://www.w3.org/2001/XMLSchema-instance" xmlns:pc="http://schemas.microsoft.com/office/infopath/2007/PartnerControls">
+  <documentManagement>
+    <_ip_UnifiedCompliancePolicyUIAction xmlns="http://schemas.microsoft.com/sharepoint/v3" xsi:nil="true"/>
+    <Image xmlns="71af3243-3dd4-4a8d-8c0d-dd76da1f02a5">
+      <Url xsi:nil="true"/>
+      <Description xsi:nil="true"/>
+    </Image>
+    <Status xmlns="71af3243-3dd4-4a8d-8c0d-dd76da1f02a5">Not started</Status>
+    <_ip_UnifiedCompliancePolicyProperties xmlns="http://schemas.microsoft.com/sharepoint/v3" xsi:nil="true"/>
+    <lcf76f155ced4ddcb4097134ff3c332f xmlns="71af3243-3dd4-4a8d-8c0d-dd76da1f02a5">
+      <Terms xmlns="http://schemas.microsoft.com/office/infopath/2007/PartnerControls"/>
+    </lcf76f155ced4ddcb4097134ff3c332f>
+    <TaxCatchAll xmlns="230e9df3-be65-4c73-a93b-d1236ebd677e"/>
+    <MediaServiceKeyPoints xmlns="71af3243-3dd4-4a8d-8c0d-dd76da1f02a5" xsi:nil="true"/>
+  </documentManagement>
+</p:properties>
+</file>
+
 <file path=customXml/item3.xml><?xml version="1.0" encoding="utf-8"?>
 <?mso-contentType ?>
 <FormTemplates xmlns="http://schemas.microsoft.com/sharepoint/v3/contenttype/forms">
@@ -20669,18 +20668,6 @@
 </file>
 
 <file path=customXml/itemProps1.xml><?xml version="1.0" encoding="utf-8"?>
-<ds:datastoreItem xmlns:ds="http://schemas.openxmlformats.org/officeDocument/2006/customXml" ds:itemID="{50811A92-D464-4AC4-A396-BA73B10CEEAC}">
-  <ds:schemaRefs>
-    <ds:schemaRef ds:uri="http://schemas.microsoft.com/office/2006/metadata/properties"/>
-    <ds:schemaRef ds:uri="http://schemas.microsoft.com/office/infopath/2007/PartnerControls"/>
-    <ds:schemaRef ds:uri="http://schemas.microsoft.com/sharepoint/v3"/>
-    <ds:schemaRef ds:uri="71af3243-3dd4-4a8d-8c0d-dd76da1f02a5"/>
-    <ds:schemaRef ds:uri="230e9df3-be65-4c73-a93b-d1236ebd677e"/>
-  </ds:schemaRefs>
-</ds:datastoreItem>
-</file>
-
-<file path=customXml/itemProps2.xml><?xml version="1.0" encoding="utf-8"?>
 <ds:datastoreItem xmlns:ds="http://schemas.openxmlformats.org/officeDocument/2006/customXml" ds:itemID="{DE4876F9-7AE1-498D-B8FE-1E3AD703D2AF}">
   <ds:schemaRefs>
     <ds:schemaRef ds:uri="http://schemas.microsoft.com/office/2006/metadata/contentType"/>
@@ -20701,6 +20688,25 @@
 </ds:datastoreItem>
 </file>
 
+<file path=customXml/itemProps2.xml><?xml version="1.0" encoding="utf-8"?>
+<ds:datastoreItem xmlns:ds="http://schemas.openxmlformats.org/officeDocument/2006/customXml" ds:itemID="{50811A92-D464-4AC4-A396-BA73B10CEEAC}">
+  <ds:schemaRefs>
+    <ds:schemaRef ds:uri="http://www.w3.org/XML/1998/namespace"/>
+    <ds:schemaRef ds:uri="http://schemas.microsoft.com/office/2006/documentManagement/types"/>
+    <ds:schemaRef ds:uri="http://schemas.microsoft.com/sharepoint/v3"/>
+    <ds:schemaRef ds:uri="http://purl.org/dc/elements/1.1/"/>
+    <ds:schemaRef ds:uri="http://purl.org/dc/terms/"/>
+    <ds:schemaRef ds:uri="http://purl.org/dc/dcmitype/"/>
+    <ds:schemaRef ds:uri="71af3243-3dd4-4a8d-8c0d-dd76da1f02a5"/>
+    <ds:schemaRef ds:uri="http://schemas.microsoft.com/office/2006/metadata/properties"/>
+    <ds:schemaRef ds:uri="http://schemas.microsoft.com/office/infopath/2007/PartnerControls"/>
+    <ds:schemaRef ds:uri="http://schemas.openxmlformats.org/package/2006/metadata/core-properties"/>
+    <ds:schemaRef ds:uri="230e9df3-be65-4c73-a93b-d1236ebd677e"/>
+    <ds:schemaRef ds:uri="16c05727-aa75-4e4a-9b5f-8a80a1165891"/>
+  </ds:schemaRefs>
+</ds:datastoreItem>
+</file>
+
 <file path=customXml/itemProps3.xml><?xml version="1.0" encoding="utf-8"?>
 <ds:datastoreItem xmlns:ds="http://schemas.openxmlformats.org/officeDocument/2006/customXml" ds:itemID="{904751AB-E840-446F-8D49-E697067EC887}">
   <ds:schemaRefs>
